--- a/advanced_introduction_to_Python.pptx
+++ b/advanced_introduction_to_Python.pptx
@@ -5,10 +5,10 @@
     <p:sldMasterId id="2147483696" r:id="rId1"/>
   </p:sldMasterIdLst>
   <p:notesMasterIdLst>
-    <p:notesMasterId r:id="rId21"/>
+    <p:notesMasterId r:id="rId22"/>
   </p:notesMasterIdLst>
   <p:handoutMasterIdLst>
-    <p:handoutMasterId r:id="rId22"/>
+    <p:handoutMasterId r:id="rId23"/>
   </p:handoutMasterIdLst>
   <p:sldIdLst>
     <p:sldId id="273" r:id="rId2"/>
@@ -19,17 +19,18 @@
     <p:sldId id="286" r:id="rId7"/>
     <p:sldId id="274" r:id="rId8"/>
     <p:sldId id="276" r:id="rId9"/>
-    <p:sldId id="278" r:id="rId10"/>
-    <p:sldId id="277" r:id="rId11"/>
-    <p:sldId id="279" r:id="rId12"/>
-    <p:sldId id="280" r:id="rId13"/>
-    <p:sldId id="284" r:id="rId14"/>
-    <p:sldId id="293" r:id="rId15"/>
-    <p:sldId id="292" r:id="rId16"/>
-    <p:sldId id="283" r:id="rId17"/>
-    <p:sldId id="294" r:id="rId18"/>
-    <p:sldId id="295" r:id="rId19"/>
-    <p:sldId id="287" r:id="rId20"/>
+    <p:sldId id="296" r:id="rId10"/>
+    <p:sldId id="278" r:id="rId11"/>
+    <p:sldId id="277" r:id="rId12"/>
+    <p:sldId id="279" r:id="rId13"/>
+    <p:sldId id="280" r:id="rId14"/>
+    <p:sldId id="284" r:id="rId15"/>
+    <p:sldId id="293" r:id="rId16"/>
+    <p:sldId id="292" r:id="rId17"/>
+    <p:sldId id="283" r:id="rId18"/>
+    <p:sldId id="294" r:id="rId19"/>
+    <p:sldId id="295" r:id="rId20"/>
+    <p:sldId id="287" r:id="rId21"/>
   </p:sldIdLst>
   <p:sldSz cx="12192000" cy="6858000"/>
   <p:notesSz cx="6858000" cy="9144000"/>
@@ -3917,7 +3918,7 @@
         <a:p>
           <a:pPr rtl="0"/>
           <a:r>
-            <a:rPr lang="en-GB" dirty="0" smtClean="0">
+            <a:rPr lang="en-GB" dirty="0">
               <a:solidFill>
                 <a:schemeClr val="accent4"/>
               </a:solidFill>
@@ -3926,14 +3927,11 @@
             <a:t>for</a:t>
           </a:r>
           <a:r>
-            <a:rPr lang="en-GB" dirty="0" smtClean="0">
+            <a:rPr lang="en-GB" dirty="0">
               <a:latin typeface="Consolas" panose="020B0609020204030204" pitchFamily="49" charset="0"/>
             </a:rPr>
             <a:t> part = 2:</a:t>
           </a:r>
-          <a:endParaRPr lang="en-GB" dirty="0">
-            <a:latin typeface="Consolas" panose="020B0609020204030204" pitchFamily="49" charset="0"/>
-          </a:endParaRPr>
         </a:p>
       </dgm:t>
     </dgm:pt>
@@ -3968,14 +3966,11 @@
         <a:p>
           <a:pPr rtl="0"/>
           <a:r>
-            <a:rPr lang="en-GB" dirty="0" smtClean="0">
+            <a:rPr lang="en-GB" dirty="0">
               <a:latin typeface="Consolas" panose="020B0609020204030204" pitchFamily="49" charset="0"/>
             </a:rPr>
             <a:t>Create a GitHub account (if done with @cam.ac.uk email you get PRO features)</a:t>
           </a:r>
-          <a:endParaRPr lang="en-GB" dirty="0">
-            <a:latin typeface="Consolas" panose="020B0609020204030204" pitchFamily="49" charset="0"/>
-          </a:endParaRPr>
         </a:p>
       </dgm:t>
     </dgm:pt>
@@ -4010,14 +4005,11 @@
         <a:p>
           <a:pPr rtl="0"/>
           <a:r>
-            <a:rPr lang="en-GB" dirty="0" smtClean="0">
+            <a:rPr lang="en-GB" dirty="0">
               <a:latin typeface="Consolas" panose="020B0609020204030204" pitchFamily="49" charset="0"/>
             </a:rPr>
             <a:t>Download GitHub desktop and log in with your username</a:t>
           </a:r>
-          <a:endParaRPr lang="en-GB" dirty="0">
-            <a:latin typeface="Consolas" panose="020B0609020204030204" pitchFamily="49" charset="0"/>
-          </a:endParaRPr>
         </a:p>
       </dgm:t>
     </dgm:pt>
@@ -4052,7 +4044,7 @@
         <a:p>
           <a:pPr rtl="0"/>
           <a:r>
-            <a:rPr lang="en-GB" dirty="0" smtClean="0">
+            <a:rPr lang="en-GB" dirty="0">
               <a:solidFill>
                 <a:schemeClr val="accent4"/>
               </a:solidFill>
@@ -4061,14 +4053,11 @@
             <a:t>for</a:t>
           </a:r>
           <a:r>
-            <a:rPr lang="en-GB" dirty="0" smtClean="0">
+            <a:rPr lang="en-GB" dirty="0">
               <a:latin typeface="Consolas" panose="020B0609020204030204" pitchFamily="49" charset="0"/>
             </a:rPr>
             <a:t> part = 1:</a:t>
           </a:r>
-          <a:endParaRPr lang="en-GB" dirty="0">
-            <a:latin typeface="Consolas" panose="020B0609020204030204" pitchFamily="49" charset="0"/>
-          </a:endParaRPr>
         </a:p>
       </dgm:t>
     </dgm:pt>
@@ -4139,26 +4128,23 @@
         <a:p>
           <a:pPr rtl="0"/>
           <a:r>
-            <a:rPr lang="en-GB" dirty="0" smtClean="0">
+            <a:rPr lang="en-GB" dirty="0">
               <a:latin typeface="Consolas" panose="020B0609020204030204" pitchFamily="49" charset="0"/>
             </a:rPr>
             <a:t>Download and install </a:t>
           </a:r>
           <a:r>
-            <a:rPr lang="en-GB" dirty="0" err="1" smtClean="0">
+            <a:rPr lang="en-GB" dirty="0" err="1">
               <a:latin typeface="Consolas" panose="020B0609020204030204" pitchFamily="49" charset="0"/>
             </a:rPr>
             <a:t>Spyder</a:t>
           </a:r>
           <a:r>
-            <a:rPr lang="en-GB" dirty="0" smtClean="0">
+            <a:rPr lang="en-GB" dirty="0">
               <a:latin typeface="Consolas" panose="020B0609020204030204" pitchFamily="49" charset="0"/>
             </a:rPr>
             <a:t> (normally installed with Anaconda, already done in Tom’s practical)</a:t>
           </a:r>
-          <a:endParaRPr lang="en-GB" dirty="0">
-            <a:latin typeface="Consolas" panose="020B0609020204030204" pitchFamily="49" charset="0"/>
-          </a:endParaRPr>
         </a:p>
       </dgm:t>
     </dgm:pt>
@@ -4193,38 +4179,35 @@
         <a:p>
           <a:pPr rtl="0"/>
           <a:r>
-            <a:rPr lang="en-GB" dirty="0" smtClean="0">
+            <a:rPr lang="en-GB" dirty="0">
               <a:latin typeface="Consolas" panose="020B0609020204030204" pitchFamily="49" charset="0"/>
             </a:rPr>
             <a:t>Load </a:t>
           </a:r>
           <a:r>
-            <a:rPr lang="en-GB" dirty="0" err="1" smtClean="0">
+            <a:rPr lang="en-GB" dirty="0" err="1">
               <a:latin typeface="Consolas" panose="020B0609020204030204" pitchFamily="49" charset="0"/>
             </a:rPr>
             <a:t>Jupyter</a:t>
           </a:r>
           <a:r>
-            <a:rPr lang="en-GB" dirty="0" smtClean="0">
+            <a:rPr lang="en-GB" dirty="0">
               <a:latin typeface="Consolas" panose="020B0609020204030204" pitchFamily="49" charset="0"/>
             </a:rPr>
             <a:t> lab (or </a:t>
           </a:r>
           <a:r>
-            <a:rPr lang="en-GB" dirty="0" err="1" smtClean="0">
+            <a:rPr lang="en-GB" dirty="0" err="1">
               <a:latin typeface="Consolas" panose="020B0609020204030204" pitchFamily="49" charset="0"/>
             </a:rPr>
             <a:t>Jupyter</a:t>
           </a:r>
           <a:r>
-            <a:rPr lang="en-GB" dirty="0" smtClean="0">
+            <a:rPr lang="en-GB" dirty="0">
               <a:latin typeface="Consolas" panose="020B0609020204030204" pitchFamily="49" charset="0"/>
             </a:rPr>
             <a:t> notebook)</a:t>
           </a:r>
-          <a:endParaRPr lang="en-GB" dirty="0">
-            <a:latin typeface="Consolas" panose="020B0609020204030204" pitchFamily="49" charset="0"/>
-          </a:endParaRPr>
         </a:p>
       </dgm:t>
     </dgm:pt>
@@ -4258,13 +4241,6 @@
         </dgm:presLayoutVars>
       </dgm:prSet>
       <dgm:spPr/>
-      <dgm:t>
-        <a:bodyPr/>
-        <a:lstStyle/>
-        <a:p>
-          <a:endParaRPr lang="en-US"/>
-        </a:p>
-      </dgm:t>
     </dgm:pt>
     <dgm:pt modelId="{24DA2AE6-C2A1-45AA-81CC-8FCA03F577FF}" type="pres">
       <dgm:prSet presAssocID="{4BA98AF2-6EA1-485B-81F9-8211C038CCA6}" presName="parentText" presStyleLbl="node1" presStyleIdx="0" presStyleCnt="2">
@@ -4274,13 +4250,6 @@
         </dgm:presLayoutVars>
       </dgm:prSet>
       <dgm:spPr/>
-      <dgm:t>
-        <a:bodyPr/>
-        <a:lstStyle/>
-        <a:p>
-          <a:endParaRPr lang="en-US"/>
-        </a:p>
-      </dgm:t>
     </dgm:pt>
     <dgm:pt modelId="{B15AE150-A54C-42B7-86F3-2ABC835DD159}" type="pres">
       <dgm:prSet presAssocID="{4BA98AF2-6EA1-485B-81F9-8211C038CCA6}" presName="childText" presStyleLbl="revTx" presStyleIdx="0" presStyleCnt="2">
@@ -4289,13 +4258,6 @@
         </dgm:presLayoutVars>
       </dgm:prSet>
       <dgm:spPr/>
-      <dgm:t>
-        <a:bodyPr/>
-        <a:lstStyle/>
-        <a:p>
-          <a:endParaRPr lang="en-US"/>
-        </a:p>
-      </dgm:t>
     </dgm:pt>
     <dgm:pt modelId="{A27D0F5A-3DDE-4CE5-AEEC-EC1B82DBCDE0}" type="pres">
       <dgm:prSet presAssocID="{9CFF726C-C3D3-4E7C-B3DD-CA05D5C3EA0C}" presName="parentText" presStyleLbl="node1" presStyleIdx="1" presStyleCnt="2">
@@ -4305,13 +4267,6 @@
         </dgm:presLayoutVars>
       </dgm:prSet>
       <dgm:spPr/>
-      <dgm:t>
-        <a:bodyPr/>
-        <a:lstStyle/>
-        <a:p>
-          <a:endParaRPr lang="en-US"/>
-        </a:p>
-      </dgm:t>
     </dgm:pt>
     <dgm:pt modelId="{03395F2F-4314-456E-B7FA-1CFD6594C3FB}" type="pres">
       <dgm:prSet presAssocID="{9CFF726C-C3D3-4E7C-B3DD-CA05D5C3EA0C}" presName="childText" presStyleLbl="revTx" presStyleIdx="1" presStyleCnt="2">
@@ -4320,31 +4275,24 @@
         </dgm:presLayoutVars>
       </dgm:prSet>
       <dgm:spPr/>
-      <dgm:t>
-        <a:bodyPr/>
-        <a:lstStyle/>
-        <a:p>
-          <a:endParaRPr lang="en-US"/>
-        </a:p>
-      </dgm:t>
     </dgm:pt>
   </dgm:ptLst>
   <dgm:cxnLst>
+    <dgm:cxn modelId="{9131311B-3B6B-43A0-8F36-164A603AF5F7}" type="presOf" srcId="{75798BE6-EBA0-496E-B535-6739F5BD1D62}" destId="{B15AE150-A54C-42B7-86F3-2ABC835DD159}" srcOrd="0" destOrd="1" presId="urn:microsoft.com/office/officeart/2005/8/layout/vList2"/>
     <dgm:cxn modelId="{269F6830-D184-481A-B98A-8A1D34D149FB}" srcId="{9CFF726C-C3D3-4E7C-B3DD-CA05D5C3EA0C}" destId="{D347223E-1B42-4440-9460-38A1B9E7700F}" srcOrd="0" destOrd="0" parTransId="{DC2BAE2E-E5BB-4C0A-B748-0F5211E84559}" sibTransId="{AD572B57-5B83-4B6F-88F9-FDAE9BBF9F8F}"/>
+    <dgm:cxn modelId="{29265446-F61E-4228-BDE1-2E71FD9F7D0D}" srcId="{9CFF726C-C3D3-4E7C-B3DD-CA05D5C3EA0C}" destId="{0371CE85-27C7-42E0-92EA-C005BF0E0524}" srcOrd="2" destOrd="0" parTransId="{3EB37955-C934-450C-B2AB-4428A741630D}" sibTransId="{E2251AD5-ADE1-4C44-88A7-3FD848079849}"/>
+    <dgm:cxn modelId="{34555E49-C0D7-4EC6-8C24-9D5C61C82378}" type="presOf" srcId="{F53AC5FC-EDDC-4912-B165-A087744CAC27}" destId="{1934DFAF-9882-46AD-9ADF-FFC8DA3EDE39}" srcOrd="0" destOrd="0" presId="urn:microsoft.com/office/officeart/2005/8/layout/vList2"/>
+    <dgm:cxn modelId="{8E31A450-8908-4718-A8B9-628B39870C20}" type="presOf" srcId="{0371CE85-27C7-42E0-92EA-C005BF0E0524}" destId="{03395F2F-4314-456E-B7FA-1CFD6594C3FB}" srcOrd="0" destOrd="2" presId="urn:microsoft.com/office/officeart/2005/8/layout/vList2"/>
+    <dgm:cxn modelId="{90C79F6E-6B67-459C-AB2C-FA7299511EDF}" type="presOf" srcId="{A21FCBE9-C1D3-4783-9EA0-C642656F7337}" destId="{B15AE150-A54C-42B7-86F3-2ABC835DD159}" srcOrd="0" destOrd="0" presId="urn:microsoft.com/office/officeart/2005/8/layout/vList2"/>
+    <dgm:cxn modelId="{2E6BF294-90D8-4FDB-B7EB-1C8E8264BD5B}" srcId="{9CFF726C-C3D3-4E7C-B3DD-CA05D5C3EA0C}" destId="{C2416EDB-C3DC-4D87-A0EB-81181B8F2A0F}" srcOrd="1" destOrd="0" parTransId="{7CC9B62D-FE58-4595-A1E6-38817D1ACBE0}" sibTransId="{DDE45D21-D3BB-4CAB-93F2-659C241CFF6E}"/>
+    <dgm:cxn modelId="{AF943797-1A56-4D37-A829-B386FC6C8698}" srcId="{4BA98AF2-6EA1-485B-81F9-8211C038CCA6}" destId="{75798BE6-EBA0-496E-B535-6739F5BD1D62}" srcOrd="1" destOrd="0" parTransId="{013564DD-0DD4-49DC-9772-F16B42558D33}" sibTransId="{C0C9F4B2-F63F-453E-BC42-7B5717A2EBD1}"/>
     <dgm:cxn modelId="{388FCDA2-0FD2-467E-96A7-0784BAAB5523}" srcId="{F53AC5FC-EDDC-4912-B165-A087744CAC27}" destId="{9CFF726C-C3D3-4E7C-B3DD-CA05D5C3EA0C}" srcOrd="1" destOrd="0" parTransId="{8397D467-B380-44F1-96E7-999D39AF88F9}" sibTransId="{B27E6F2E-8A7E-4783-9422-803679B27230}"/>
-    <dgm:cxn modelId="{AF943797-1A56-4D37-A829-B386FC6C8698}" srcId="{4BA98AF2-6EA1-485B-81F9-8211C038CCA6}" destId="{75798BE6-EBA0-496E-B535-6739F5BD1D62}" srcOrd="1" destOrd="0" parTransId="{013564DD-0DD4-49DC-9772-F16B42558D33}" sibTransId="{C0C9F4B2-F63F-453E-BC42-7B5717A2EBD1}"/>
+    <dgm:cxn modelId="{781685A7-AC87-4F26-9CB5-46B566AE3667}" srcId="{4BA98AF2-6EA1-485B-81F9-8211C038CCA6}" destId="{A21FCBE9-C1D3-4783-9EA0-C642656F7337}" srcOrd="0" destOrd="0" parTransId="{26CC0243-1087-4AB6-B246-DF9BD26085B4}" sibTransId="{8FAE9787-E602-4F6A-8082-279EC6E36D13}"/>
+    <dgm:cxn modelId="{0ABBAAA9-BB0B-4396-8424-79EB6087191D}" type="presOf" srcId="{9CFF726C-C3D3-4E7C-B3DD-CA05D5C3EA0C}" destId="{A27D0F5A-3DDE-4CE5-AEEC-EC1B82DBCDE0}" srcOrd="0" destOrd="0" presId="urn:microsoft.com/office/officeart/2005/8/layout/vList2"/>
+    <dgm:cxn modelId="{75E99AB6-A5C3-40DC-BF75-A7730B2E30E2}" type="presOf" srcId="{D347223E-1B42-4440-9460-38A1B9E7700F}" destId="{03395F2F-4314-456E-B7FA-1CFD6594C3FB}" srcOrd="0" destOrd="0" presId="urn:microsoft.com/office/officeart/2005/8/layout/vList2"/>
     <dgm:cxn modelId="{52D058B8-E36F-4432-BEC9-DE2FBA27BF41}" type="presOf" srcId="{C2416EDB-C3DC-4D87-A0EB-81181B8F2A0F}" destId="{03395F2F-4314-456E-B7FA-1CFD6594C3FB}" srcOrd="0" destOrd="1" presId="urn:microsoft.com/office/officeart/2005/8/layout/vList2"/>
-    <dgm:cxn modelId="{8E31A450-8908-4718-A8B9-628B39870C20}" type="presOf" srcId="{0371CE85-27C7-42E0-92EA-C005BF0E0524}" destId="{03395F2F-4314-456E-B7FA-1CFD6594C3FB}" srcOrd="0" destOrd="2" presId="urn:microsoft.com/office/officeart/2005/8/layout/vList2"/>
-    <dgm:cxn modelId="{781685A7-AC87-4F26-9CB5-46B566AE3667}" srcId="{4BA98AF2-6EA1-485B-81F9-8211C038CCA6}" destId="{A21FCBE9-C1D3-4783-9EA0-C642656F7337}" srcOrd="0" destOrd="0" parTransId="{26CC0243-1087-4AB6-B246-DF9BD26085B4}" sibTransId="{8FAE9787-E602-4F6A-8082-279EC6E36D13}"/>
-    <dgm:cxn modelId="{34555E49-C0D7-4EC6-8C24-9D5C61C82378}" type="presOf" srcId="{F53AC5FC-EDDC-4912-B165-A087744CAC27}" destId="{1934DFAF-9882-46AD-9ADF-FFC8DA3EDE39}" srcOrd="0" destOrd="0" presId="urn:microsoft.com/office/officeart/2005/8/layout/vList2"/>
-    <dgm:cxn modelId="{0ABBAAA9-BB0B-4396-8424-79EB6087191D}" type="presOf" srcId="{9CFF726C-C3D3-4E7C-B3DD-CA05D5C3EA0C}" destId="{A27D0F5A-3DDE-4CE5-AEEC-EC1B82DBCDE0}" srcOrd="0" destOrd="0" presId="urn:microsoft.com/office/officeart/2005/8/layout/vList2"/>
-    <dgm:cxn modelId="{2E6BF294-90D8-4FDB-B7EB-1C8E8264BD5B}" srcId="{9CFF726C-C3D3-4E7C-B3DD-CA05D5C3EA0C}" destId="{C2416EDB-C3DC-4D87-A0EB-81181B8F2A0F}" srcOrd="1" destOrd="0" parTransId="{7CC9B62D-FE58-4595-A1E6-38817D1ACBE0}" sibTransId="{DDE45D21-D3BB-4CAB-93F2-659C241CFF6E}"/>
+    <dgm:cxn modelId="{9EC007C3-3A7F-47CD-AAB0-3762D3EF00A8}" type="presOf" srcId="{4BA98AF2-6EA1-485B-81F9-8211C038CCA6}" destId="{24DA2AE6-C2A1-45AA-81CC-8FCA03F577FF}" srcOrd="0" destOrd="0" presId="urn:microsoft.com/office/officeart/2005/8/layout/vList2"/>
     <dgm:cxn modelId="{C22001F8-F8E9-40A4-8A73-3A30FEC272FC}" srcId="{F53AC5FC-EDDC-4912-B165-A087744CAC27}" destId="{4BA98AF2-6EA1-485B-81F9-8211C038CCA6}" srcOrd="0" destOrd="0" parTransId="{F6F5FDBB-B57C-4619-ABE1-5027B3ACCEB6}" sibTransId="{E54797C7-E969-44C5-9608-159A98E05B34}"/>
-    <dgm:cxn modelId="{29265446-F61E-4228-BDE1-2E71FD9F7D0D}" srcId="{9CFF726C-C3D3-4E7C-B3DD-CA05D5C3EA0C}" destId="{0371CE85-27C7-42E0-92EA-C005BF0E0524}" srcOrd="2" destOrd="0" parTransId="{3EB37955-C934-450C-B2AB-4428A741630D}" sibTransId="{E2251AD5-ADE1-4C44-88A7-3FD848079849}"/>
-    <dgm:cxn modelId="{9EC007C3-3A7F-47CD-AAB0-3762D3EF00A8}" type="presOf" srcId="{4BA98AF2-6EA1-485B-81F9-8211C038CCA6}" destId="{24DA2AE6-C2A1-45AA-81CC-8FCA03F577FF}" srcOrd="0" destOrd="0" presId="urn:microsoft.com/office/officeart/2005/8/layout/vList2"/>
-    <dgm:cxn modelId="{90C79F6E-6B67-459C-AB2C-FA7299511EDF}" type="presOf" srcId="{A21FCBE9-C1D3-4783-9EA0-C642656F7337}" destId="{B15AE150-A54C-42B7-86F3-2ABC835DD159}" srcOrd="0" destOrd="0" presId="urn:microsoft.com/office/officeart/2005/8/layout/vList2"/>
-    <dgm:cxn modelId="{9131311B-3B6B-43A0-8F36-164A603AF5F7}" type="presOf" srcId="{75798BE6-EBA0-496E-B535-6739F5BD1D62}" destId="{B15AE150-A54C-42B7-86F3-2ABC835DD159}" srcOrd="0" destOrd="1" presId="urn:microsoft.com/office/officeart/2005/8/layout/vList2"/>
-    <dgm:cxn modelId="{75E99AB6-A5C3-40DC-BF75-A7730B2E30E2}" type="presOf" srcId="{D347223E-1B42-4440-9460-38A1B9E7700F}" destId="{03395F2F-4314-456E-B7FA-1CFD6594C3FB}" srcOrd="0" destOrd="0" presId="urn:microsoft.com/office/officeart/2005/8/layout/vList2"/>
     <dgm:cxn modelId="{2357E991-0479-4777-8513-1E287BD8AD71}" type="presParOf" srcId="{1934DFAF-9882-46AD-9ADF-FFC8DA3EDE39}" destId="{24DA2AE6-C2A1-45AA-81CC-8FCA03F577FF}" srcOrd="0" destOrd="0" presId="urn:microsoft.com/office/officeart/2005/8/layout/vList2"/>
     <dgm:cxn modelId="{AF7EE24B-E5B1-4282-A026-820CFB7CE4AC}" type="presParOf" srcId="{1934DFAF-9882-46AD-9ADF-FFC8DA3EDE39}" destId="{B15AE150-A54C-42B7-86F3-2ABC835DD159}" srcOrd="1" destOrd="0" presId="urn:microsoft.com/office/officeart/2005/8/layout/vList2"/>
     <dgm:cxn modelId="{D20285C4-1D96-4416-BF4F-2854E4FDC6E6}" type="presParOf" srcId="{1934DFAF-9882-46AD-9ADF-FFC8DA3EDE39}" destId="{A27D0F5A-3DDE-4CE5-AEEC-EC1B82DBCDE0}" srcOrd="2" destOrd="0" presId="urn:microsoft.com/office/officeart/2005/8/layout/vList2"/>
@@ -4383,10 +4331,9 @@
         <a:p>
           <a:pPr rtl="0"/>
           <a:r>
-            <a:rPr lang="en-GB" smtClean="0"/>
+            <a:rPr lang="en-GB"/>
             <a:t>Packages used</a:t>
           </a:r>
-          <a:endParaRPr lang="en-GB"/>
         </a:p>
       </dgm:t>
     </dgm:pt>
@@ -4421,7 +4368,7 @@
         <a:p>
           <a:pPr rtl="0"/>
           <a:r>
-            <a:rPr lang="en-US" dirty="0" err="1" smtClean="0"/>
+            <a:rPr lang="en-US" dirty="0" err="1"/>
             <a:t>sklearn.linear_model</a:t>
           </a:r>
           <a:endParaRPr lang="en-GB" dirty="0"/>
@@ -4459,10 +4406,9 @@
         <a:p>
           <a:pPr rtl="0"/>
           <a:r>
-            <a:rPr lang="en-GB" dirty="0" smtClean="0"/>
+            <a:rPr lang="en-GB" dirty="0"/>
             <a:t>pandas</a:t>
           </a:r>
-          <a:endParaRPr lang="en-GB" dirty="0"/>
         </a:p>
       </dgm:t>
     </dgm:pt>
@@ -4497,10 +4443,9 @@
         <a:p>
           <a:pPr rtl="0"/>
           <a:r>
-            <a:rPr lang="en-GB" smtClean="0"/>
+            <a:rPr lang="en-GB"/>
             <a:t>Tutorials</a:t>
           </a:r>
-          <a:endParaRPr lang="en-GB"/>
         </a:p>
       </dgm:t>
     </dgm:pt>
@@ -4535,10 +4480,9 @@
         <a:p>
           <a:pPr rtl="0"/>
           <a:r>
-            <a:rPr lang="en-GB" dirty="0" smtClean="0"/>
+            <a:rPr lang="en-GB" dirty="0"/>
             <a:t>Fitting different arbitrary models to model historical temperature in Cambridge and predict future temperature</a:t>
           </a:r>
-          <a:endParaRPr lang="en-GB" dirty="0"/>
         </a:p>
       </dgm:t>
     </dgm:pt>
@@ -4641,10 +4585,9 @@
         <a:p>
           <a:pPr rtl="0"/>
           <a:r>
-            <a:rPr lang="en-GB" dirty="0" smtClean="0"/>
+            <a:rPr lang="en-GB" dirty="0"/>
             <a:t>Manual fitting</a:t>
           </a:r>
-          <a:endParaRPr lang="en-GB" dirty="0"/>
         </a:p>
       </dgm:t>
     </dgm:pt>
@@ -4679,10 +4622,9 @@
         <a:p>
           <a:pPr rtl="0"/>
           <a:r>
-            <a:rPr lang="en-GB" dirty="0" smtClean="0"/>
+            <a:rPr lang="en-GB" dirty="0"/>
             <a:t>Sinusoidal fitting</a:t>
           </a:r>
-          <a:endParaRPr lang="en-GB" dirty="0"/>
         </a:p>
       </dgm:t>
     </dgm:pt>
@@ -4717,10 +4659,9 @@
         <a:p>
           <a:pPr rtl="0"/>
           <a:r>
-            <a:rPr lang="en-GB" dirty="0" smtClean="0"/>
+            <a:rPr lang="en-GB" dirty="0"/>
             <a:t>Secular fitting</a:t>
           </a:r>
-          <a:endParaRPr lang="en-GB" dirty="0"/>
         </a:p>
       </dgm:t>
     </dgm:pt>
@@ -4755,10 +4696,9 @@
         <a:p>
           <a:pPr rtl="0"/>
           <a:r>
-            <a:rPr lang="en-GB" dirty="0" smtClean="0"/>
+            <a:rPr lang="en-GB" dirty="0"/>
             <a:t>Error analysis and parameter space interpretation</a:t>
           </a:r>
-          <a:endParaRPr lang="en-GB" dirty="0"/>
         </a:p>
       </dgm:t>
     </dgm:pt>
@@ -4792,13 +4732,6 @@
         </dgm:presLayoutVars>
       </dgm:prSet>
       <dgm:spPr/>
-      <dgm:t>
-        <a:bodyPr/>
-        <a:lstStyle/>
-        <a:p>
-          <a:endParaRPr lang="en-US"/>
-        </a:p>
-      </dgm:t>
     </dgm:pt>
     <dgm:pt modelId="{6EDD9FB6-DB80-421A-9D2B-8D8CBEFB11BD}" type="pres">
       <dgm:prSet presAssocID="{0C567FAE-F4A4-418B-861D-0A5BBF37C943}" presName="parentText" presStyleLbl="node1" presStyleIdx="0" presStyleCnt="2">
@@ -4808,13 +4741,6 @@
         </dgm:presLayoutVars>
       </dgm:prSet>
       <dgm:spPr/>
-      <dgm:t>
-        <a:bodyPr/>
-        <a:lstStyle/>
-        <a:p>
-          <a:endParaRPr lang="en-US"/>
-        </a:p>
-      </dgm:t>
     </dgm:pt>
     <dgm:pt modelId="{81410685-02DC-4D03-9E96-9EA62C4B72CD}" type="pres">
       <dgm:prSet presAssocID="{0C567FAE-F4A4-418B-861D-0A5BBF37C943}" presName="childText" presStyleLbl="revTx" presStyleIdx="0" presStyleCnt="2">
@@ -4823,13 +4749,6 @@
         </dgm:presLayoutVars>
       </dgm:prSet>
       <dgm:spPr/>
-      <dgm:t>
-        <a:bodyPr/>
-        <a:lstStyle/>
-        <a:p>
-          <a:endParaRPr lang="en-US"/>
-        </a:p>
-      </dgm:t>
     </dgm:pt>
     <dgm:pt modelId="{7B3D3422-474C-473F-83DD-CFA8DA311B8E}" type="pres">
       <dgm:prSet presAssocID="{56EDC7AF-9770-49A1-BF0C-8F8177268E60}" presName="parentText" presStyleLbl="node1" presStyleIdx="1" presStyleCnt="2">
@@ -4839,13 +4758,6 @@
         </dgm:presLayoutVars>
       </dgm:prSet>
       <dgm:spPr/>
-      <dgm:t>
-        <a:bodyPr/>
-        <a:lstStyle/>
-        <a:p>
-          <a:endParaRPr lang="en-US"/>
-        </a:p>
-      </dgm:t>
     </dgm:pt>
     <dgm:pt modelId="{B4D979C9-DABC-4056-9C7A-B0CE493EC635}" type="pres">
       <dgm:prSet presAssocID="{56EDC7AF-9770-49A1-BF0C-8F8177268E60}" presName="childText" presStyleLbl="revTx" presStyleIdx="1" presStyleCnt="2">
@@ -4854,39 +4766,32 @@
         </dgm:presLayoutVars>
       </dgm:prSet>
       <dgm:spPr/>
-      <dgm:t>
-        <a:bodyPr/>
-        <a:lstStyle/>
-        <a:p>
-          <a:endParaRPr lang="en-US"/>
-        </a:p>
-      </dgm:t>
     </dgm:pt>
   </dgm:ptLst>
   <dgm:cxnLst>
+    <dgm:cxn modelId="{0A2B9802-87F7-4AAF-84AA-90828C86B211}" type="presOf" srcId="{DF22C32D-3C45-44BA-BA83-F29C4AD8CC66}" destId="{B4D979C9-DABC-4056-9C7A-B0CE493EC635}" srcOrd="0" destOrd="1" presId="urn:microsoft.com/office/officeart/2005/8/layout/vList2"/>
+    <dgm:cxn modelId="{6C22C210-9AE6-4B9A-9DFC-707747731B91}" type="presOf" srcId="{EC0C3DB2-55AD-4467-8366-38610FD8BBE2}" destId="{81410685-02DC-4D03-9E96-9EA62C4B72CD}" srcOrd="0" destOrd="3" presId="urn:microsoft.com/office/officeart/2005/8/layout/vList2"/>
+    <dgm:cxn modelId="{F23F2F11-F3DA-452E-BBFD-3A75837EC552}" srcId="{56EDC7AF-9770-49A1-BF0C-8F8177268E60}" destId="{B6F174C1-CE4C-45BD-B4B6-7B6E64B133F3}" srcOrd="2" destOrd="0" parTransId="{C5585388-0CFC-4FCE-88E2-6F19D72737C0}" sibTransId="{8ECB8F8C-5A19-4752-998F-969681245125}"/>
+    <dgm:cxn modelId="{83471412-7AF2-413F-80D4-3311E52909EF}" type="presOf" srcId="{56EDC7AF-9770-49A1-BF0C-8F8177268E60}" destId="{7B3D3422-474C-473F-83DD-CFA8DA311B8E}" srcOrd="0" destOrd="0" presId="urn:microsoft.com/office/officeart/2005/8/layout/vList2"/>
+    <dgm:cxn modelId="{962BE01C-10D1-4ECA-AD25-1901784FCB73}" srcId="{0C567FAE-F4A4-418B-861D-0A5BBF37C943}" destId="{2FA0EEFF-B665-4153-8794-97E1423484B0}" srcOrd="1" destOrd="0" parTransId="{B7BD9F60-86F1-4D9F-AB2F-ECFE8DE9F436}" sibTransId="{670FA7B7-9FAB-41F5-B5D0-D4571A885E05}"/>
+    <dgm:cxn modelId="{B3CFB821-AB7E-4E7B-A98B-D567B24B4163}" srcId="{0C567FAE-F4A4-418B-861D-0A5BBF37C943}" destId="{EC0C3DB2-55AD-4467-8366-38610FD8BBE2}" srcOrd="3" destOrd="0" parTransId="{86266D11-D7EE-4573-92A1-D57C1E87BA37}" sibTransId="{B2B12E72-629E-4060-8EC2-388E7A2B8DA7}"/>
+    <dgm:cxn modelId="{8F889C24-F721-42BD-94C9-DA303AA55C3D}" type="presOf" srcId="{D948322A-FDE1-4F9F-8DCB-79304A065C30}" destId="{81410685-02DC-4D03-9E96-9EA62C4B72CD}" srcOrd="0" destOrd="0" presId="urn:microsoft.com/office/officeart/2005/8/layout/vList2"/>
+    <dgm:cxn modelId="{7AAD4927-0200-4B45-8239-6D7F60237A5A}" srcId="{56EDC7AF-9770-49A1-BF0C-8F8177268E60}" destId="{3F96A494-A3D5-48D3-A4E8-C98174988F62}" srcOrd="4" destOrd="0" parTransId="{099D2E6D-153C-44D9-B802-2F4116F7F9E0}" sibTransId="{61691AF2-2F80-432F-8D6A-7694428C57F5}"/>
+    <dgm:cxn modelId="{CB8D4238-23A2-442D-BAC2-D6301C5ACED1}" type="presOf" srcId="{8EEDCF05-B621-4286-90E4-EEE53EE4B808}" destId="{B4D979C9-DABC-4056-9C7A-B0CE493EC635}" srcOrd="0" destOrd="3" presId="urn:microsoft.com/office/officeart/2005/8/layout/vList2"/>
+    <dgm:cxn modelId="{F10DFB46-FF75-4261-B77A-5FC3C1438A5D}" srcId="{0C567FAE-F4A4-418B-861D-0A5BBF37C943}" destId="{EE25FC87-D209-4DC5-9F17-CCC07176003B}" srcOrd="2" destOrd="0" parTransId="{FDAC3A0A-F6FB-4005-A70F-583FB6FF6674}" sibTransId="{22382F95-408D-4F14-B797-4533C19D240A}"/>
+    <dgm:cxn modelId="{06D7E762-0319-4582-82B8-B0EFF63AEE20}" type="presOf" srcId="{2FA0EEFF-B665-4153-8794-97E1423484B0}" destId="{81410685-02DC-4D03-9E96-9EA62C4B72CD}" srcOrd="0" destOrd="1" presId="urn:microsoft.com/office/officeart/2005/8/layout/vList2"/>
+    <dgm:cxn modelId="{11DF9D6B-CCA8-4E4F-8778-B446FC96AAB6}" type="presOf" srcId="{EE25FC87-D209-4DC5-9F17-CCC07176003B}" destId="{81410685-02DC-4D03-9E96-9EA62C4B72CD}" srcOrd="0" destOrd="2" presId="urn:microsoft.com/office/officeart/2005/8/layout/vList2"/>
+    <dgm:cxn modelId="{417FD9B8-0E15-4B84-8693-BFE7ADE4E244}" srcId="{56EDC7AF-9770-49A1-BF0C-8F8177268E60}" destId="{8EEDCF05-B621-4286-90E4-EEE53EE4B808}" srcOrd="3" destOrd="0" parTransId="{3E6BF891-BC51-4C39-8CA7-EE29C04B5556}" sibTransId="{CA7967BE-903C-4B8C-AAAA-E6116A5E7594}"/>
+    <dgm:cxn modelId="{3D5AFFC2-FB42-44A4-8E9B-F732FF678081}" srcId="{0C567FAE-F4A4-418B-861D-0A5BBF37C943}" destId="{D948322A-FDE1-4F9F-8DCB-79304A065C30}" srcOrd="0" destOrd="0" parTransId="{97330382-C601-49BF-BAA4-30E80CEA683C}" sibTransId="{C9D429FA-1688-4229-9161-8EBF686EDAD2}"/>
+    <dgm:cxn modelId="{C991FFCF-E94F-4F3A-9A1E-FBD5805E3D0D}" srcId="{56EDC7AF-9770-49A1-BF0C-8F8177268E60}" destId="{DF22C32D-3C45-44BA-BA83-F29C4AD8CC66}" srcOrd="1" destOrd="0" parTransId="{EF2731C8-F519-40A8-AE37-80A8712AC1E7}" sibTransId="{12F35EFB-E718-4BD4-9D99-C1547BC7BD7D}"/>
+    <dgm:cxn modelId="{4411E9DB-E7DD-4646-A5E9-B65780995F75}" srcId="{56EDC7AF-9770-49A1-BF0C-8F8177268E60}" destId="{F1D1B3FD-C1B4-4870-9774-4C1D8E6BF21B}" srcOrd="0" destOrd="0" parTransId="{06D71036-B549-45C4-A65A-11DAD57273F8}" sibTransId="{E1FBC78F-6DC6-4009-93B6-6BE997A31FDA}"/>
+    <dgm:cxn modelId="{7947CCDD-3CC4-4256-A41E-2429399487FC}" type="presOf" srcId="{B6F174C1-CE4C-45BD-B4B6-7B6E64B133F3}" destId="{B4D979C9-DABC-4056-9C7A-B0CE493EC635}" srcOrd="0" destOrd="2" presId="urn:microsoft.com/office/officeart/2005/8/layout/vList2"/>
+    <dgm:cxn modelId="{605C63E2-BC7A-4169-9BFB-781B35FFEB59}" type="presOf" srcId="{0C567FAE-F4A4-418B-861D-0A5BBF37C943}" destId="{6EDD9FB6-DB80-421A-9D2B-8D8CBEFB11BD}" srcOrd="0" destOrd="0" presId="urn:microsoft.com/office/officeart/2005/8/layout/vList2"/>
+    <dgm:cxn modelId="{3755A7E7-917E-4678-8C88-A5B55183E795}" type="presOf" srcId="{3F96A494-A3D5-48D3-A4E8-C98174988F62}" destId="{B4D979C9-DABC-4056-9C7A-B0CE493EC635}" srcOrd="0" destOrd="4" presId="urn:microsoft.com/office/officeart/2005/8/layout/vList2"/>
+    <dgm:cxn modelId="{F4A2AFE8-DE5F-47E5-A579-695898A8A675}" srcId="{4CD35A0C-64E0-451D-88F0-2F860C41AC78}" destId="{0C567FAE-F4A4-418B-861D-0A5BBF37C943}" srcOrd="0" destOrd="0" parTransId="{D3595820-BD04-4EA1-A69C-52A9177ABB68}" sibTransId="{2DE0F394-CEDB-471B-9553-96D0DA9EDBDA}"/>
+    <dgm:cxn modelId="{DC8E7BEC-BFF3-4E52-8429-6258DB83777B}" type="presOf" srcId="{F1D1B3FD-C1B4-4870-9774-4C1D8E6BF21B}" destId="{B4D979C9-DABC-4056-9C7A-B0CE493EC635}" srcOrd="0" destOrd="0" presId="urn:microsoft.com/office/officeart/2005/8/layout/vList2"/>
     <dgm:cxn modelId="{DF58B2F0-9B3E-4D54-8BA3-EDB416C6F103}" srcId="{4CD35A0C-64E0-451D-88F0-2F860C41AC78}" destId="{56EDC7AF-9770-49A1-BF0C-8F8177268E60}" srcOrd="1" destOrd="0" parTransId="{FA3B6633-3C4F-4C8C-8B12-156DAD0BAADA}" sibTransId="{737CF703-D1FA-4F70-A95A-58F7B03CE24D}"/>
     <dgm:cxn modelId="{092A40F8-9047-4444-B036-A5759A09EBA8}" type="presOf" srcId="{4CD35A0C-64E0-451D-88F0-2F860C41AC78}" destId="{F479FD79-F166-4626-94C7-41E1A1A0D38F}" srcOrd="0" destOrd="0" presId="urn:microsoft.com/office/officeart/2005/8/layout/vList2"/>
-    <dgm:cxn modelId="{DC8E7BEC-BFF3-4E52-8429-6258DB83777B}" type="presOf" srcId="{F1D1B3FD-C1B4-4870-9774-4C1D8E6BF21B}" destId="{B4D979C9-DABC-4056-9C7A-B0CE493EC635}" srcOrd="0" destOrd="0" presId="urn:microsoft.com/office/officeart/2005/8/layout/vList2"/>
-    <dgm:cxn modelId="{C991FFCF-E94F-4F3A-9A1E-FBD5805E3D0D}" srcId="{56EDC7AF-9770-49A1-BF0C-8F8177268E60}" destId="{DF22C32D-3C45-44BA-BA83-F29C4AD8CC66}" srcOrd="1" destOrd="0" parTransId="{EF2731C8-F519-40A8-AE37-80A8712AC1E7}" sibTransId="{12F35EFB-E718-4BD4-9D99-C1547BC7BD7D}"/>
-    <dgm:cxn modelId="{F23F2F11-F3DA-452E-BBFD-3A75837EC552}" srcId="{56EDC7AF-9770-49A1-BF0C-8F8177268E60}" destId="{B6F174C1-CE4C-45BD-B4B6-7B6E64B133F3}" srcOrd="2" destOrd="0" parTransId="{C5585388-0CFC-4FCE-88E2-6F19D72737C0}" sibTransId="{8ECB8F8C-5A19-4752-998F-969681245125}"/>
-    <dgm:cxn modelId="{0A2B9802-87F7-4AAF-84AA-90828C86B211}" type="presOf" srcId="{DF22C32D-3C45-44BA-BA83-F29C4AD8CC66}" destId="{B4D979C9-DABC-4056-9C7A-B0CE493EC635}" srcOrd="0" destOrd="1" presId="urn:microsoft.com/office/officeart/2005/8/layout/vList2"/>
-    <dgm:cxn modelId="{B3CFB821-AB7E-4E7B-A98B-D567B24B4163}" srcId="{0C567FAE-F4A4-418B-861D-0A5BBF37C943}" destId="{EC0C3DB2-55AD-4467-8366-38610FD8BBE2}" srcOrd="3" destOrd="0" parTransId="{86266D11-D7EE-4573-92A1-D57C1E87BA37}" sibTransId="{B2B12E72-629E-4060-8EC2-388E7A2B8DA7}"/>
-    <dgm:cxn modelId="{4411E9DB-E7DD-4646-A5E9-B65780995F75}" srcId="{56EDC7AF-9770-49A1-BF0C-8F8177268E60}" destId="{F1D1B3FD-C1B4-4870-9774-4C1D8E6BF21B}" srcOrd="0" destOrd="0" parTransId="{06D71036-B549-45C4-A65A-11DAD57273F8}" sibTransId="{E1FBC78F-6DC6-4009-93B6-6BE997A31FDA}"/>
-    <dgm:cxn modelId="{3755A7E7-917E-4678-8C88-A5B55183E795}" type="presOf" srcId="{3F96A494-A3D5-48D3-A4E8-C98174988F62}" destId="{B4D979C9-DABC-4056-9C7A-B0CE493EC635}" srcOrd="0" destOrd="4" presId="urn:microsoft.com/office/officeart/2005/8/layout/vList2"/>
-    <dgm:cxn modelId="{F10DFB46-FF75-4261-B77A-5FC3C1438A5D}" srcId="{0C567FAE-F4A4-418B-861D-0A5BBF37C943}" destId="{EE25FC87-D209-4DC5-9F17-CCC07176003B}" srcOrd="2" destOrd="0" parTransId="{FDAC3A0A-F6FB-4005-A70F-583FB6FF6674}" sibTransId="{22382F95-408D-4F14-B797-4533C19D240A}"/>
-    <dgm:cxn modelId="{962BE01C-10D1-4ECA-AD25-1901784FCB73}" srcId="{0C567FAE-F4A4-418B-861D-0A5BBF37C943}" destId="{2FA0EEFF-B665-4153-8794-97E1423484B0}" srcOrd="1" destOrd="0" parTransId="{B7BD9F60-86F1-4D9F-AB2F-ECFE8DE9F436}" sibTransId="{670FA7B7-9FAB-41F5-B5D0-D4571A885E05}"/>
-    <dgm:cxn modelId="{605C63E2-BC7A-4169-9BFB-781B35FFEB59}" type="presOf" srcId="{0C567FAE-F4A4-418B-861D-0A5BBF37C943}" destId="{6EDD9FB6-DB80-421A-9D2B-8D8CBEFB11BD}" srcOrd="0" destOrd="0" presId="urn:microsoft.com/office/officeart/2005/8/layout/vList2"/>
-    <dgm:cxn modelId="{06D7E762-0319-4582-82B8-B0EFF63AEE20}" type="presOf" srcId="{2FA0EEFF-B665-4153-8794-97E1423484B0}" destId="{81410685-02DC-4D03-9E96-9EA62C4B72CD}" srcOrd="0" destOrd="1" presId="urn:microsoft.com/office/officeart/2005/8/layout/vList2"/>
-    <dgm:cxn modelId="{6C22C210-9AE6-4B9A-9DFC-707747731B91}" type="presOf" srcId="{EC0C3DB2-55AD-4467-8366-38610FD8BBE2}" destId="{81410685-02DC-4D03-9E96-9EA62C4B72CD}" srcOrd="0" destOrd="3" presId="urn:microsoft.com/office/officeart/2005/8/layout/vList2"/>
-    <dgm:cxn modelId="{CB8D4238-23A2-442D-BAC2-D6301C5ACED1}" type="presOf" srcId="{8EEDCF05-B621-4286-90E4-EEE53EE4B808}" destId="{B4D979C9-DABC-4056-9C7A-B0CE493EC635}" srcOrd="0" destOrd="3" presId="urn:microsoft.com/office/officeart/2005/8/layout/vList2"/>
-    <dgm:cxn modelId="{8F889C24-F721-42BD-94C9-DA303AA55C3D}" type="presOf" srcId="{D948322A-FDE1-4F9F-8DCB-79304A065C30}" destId="{81410685-02DC-4D03-9E96-9EA62C4B72CD}" srcOrd="0" destOrd="0" presId="urn:microsoft.com/office/officeart/2005/8/layout/vList2"/>
-    <dgm:cxn modelId="{3D5AFFC2-FB42-44A4-8E9B-F732FF678081}" srcId="{0C567FAE-F4A4-418B-861D-0A5BBF37C943}" destId="{D948322A-FDE1-4F9F-8DCB-79304A065C30}" srcOrd="0" destOrd="0" parTransId="{97330382-C601-49BF-BAA4-30E80CEA683C}" sibTransId="{C9D429FA-1688-4229-9161-8EBF686EDAD2}"/>
-    <dgm:cxn modelId="{83471412-7AF2-413F-80D4-3311E52909EF}" type="presOf" srcId="{56EDC7AF-9770-49A1-BF0C-8F8177268E60}" destId="{7B3D3422-474C-473F-83DD-CFA8DA311B8E}" srcOrd="0" destOrd="0" presId="urn:microsoft.com/office/officeart/2005/8/layout/vList2"/>
-    <dgm:cxn modelId="{7947CCDD-3CC4-4256-A41E-2429399487FC}" type="presOf" srcId="{B6F174C1-CE4C-45BD-B4B6-7B6E64B133F3}" destId="{B4D979C9-DABC-4056-9C7A-B0CE493EC635}" srcOrd="0" destOrd="2" presId="urn:microsoft.com/office/officeart/2005/8/layout/vList2"/>
-    <dgm:cxn modelId="{11DF9D6B-CCA8-4E4F-8778-B446FC96AAB6}" type="presOf" srcId="{EE25FC87-D209-4DC5-9F17-CCC07176003B}" destId="{81410685-02DC-4D03-9E96-9EA62C4B72CD}" srcOrd="0" destOrd="2" presId="urn:microsoft.com/office/officeart/2005/8/layout/vList2"/>
-    <dgm:cxn modelId="{7AAD4927-0200-4B45-8239-6D7F60237A5A}" srcId="{56EDC7AF-9770-49A1-BF0C-8F8177268E60}" destId="{3F96A494-A3D5-48D3-A4E8-C98174988F62}" srcOrd="4" destOrd="0" parTransId="{099D2E6D-153C-44D9-B802-2F4116F7F9E0}" sibTransId="{61691AF2-2F80-432F-8D6A-7694428C57F5}"/>
-    <dgm:cxn modelId="{417FD9B8-0E15-4B84-8693-BFE7ADE4E244}" srcId="{56EDC7AF-9770-49A1-BF0C-8F8177268E60}" destId="{8EEDCF05-B621-4286-90E4-EEE53EE4B808}" srcOrd="3" destOrd="0" parTransId="{3E6BF891-BC51-4C39-8CA7-EE29C04B5556}" sibTransId="{CA7967BE-903C-4B8C-AAAA-E6116A5E7594}"/>
-    <dgm:cxn modelId="{F4A2AFE8-DE5F-47E5-A579-695898A8A675}" srcId="{4CD35A0C-64E0-451D-88F0-2F860C41AC78}" destId="{0C567FAE-F4A4-418B-861D-0A5BBF37C943}" srcOrd="0" destOrd="0" parTransId="{D3595820-BD04-4EA1-A69C-52A9177ABB68}" sibTransId="{2DE0F394-CEDB-471B-9553-96D0DA9EDBDA}"/>
     <dgm:cxn modelId="{48051BF9-4BBA-4B39-B37E-995CD63A04BD}" type="presParOf" srcId="{F479FD79-F166-4626-94C7-41E1A1A0D38F}" destId="{6EDD9FB6-DB80-421A-9D2B-8D8CBEFB11BD}" srcOrd="0" destOrd="0" presId="urn:microsoft.com/office/officeart/2005/8/layout/vList2"/>
     <dgm:cxn modelId="{6BF2C00B-83D2-4498-A50E-A78CBBA4534C}" type="presParOf" srcId="{F479FD79-F166-4626-94C7-41E1A1A0D38F}" destId="{81410685-02DC-4D03-9E96-9EA62C4B72CD}" srcOrd="1" destOrd="0" presId="urn:microsoft.com/office/officeart/2005/8/layout/vList2"/>
     <dgm:cxn modelId="{37F43EB5-C038-4125-8008-CC73391B4E8B}" type="presParOf" srcId="{F479FD79-F166-4626-94C7-41E1A1A0D38F}" destId="{7B3D3422-474C-473F-83DD-CFA8DA311B8E}" srcOrd="2" destOrd="0" presId="urn:microsoft.com/office/officeart/2005/8/layout/vList2"/>
@@ -4925,10 +4830,9 @@
         <a:p>
           <a:pPr rtl="0"/>
           <a:r>
-            <a:rPr lang="en-GB" smtClean="0"/>
+            <a:rPr lang="en-GB"/>
             <a:t>Packages used</a:t>
           </a:r>
-          <a:endParaRPr lang="en-GB"/>
         </a:p>
       </dgm:t>
     </dgm:pt>
@@ -4963,10 +4867,9 @@
         <a:p>
           <a:pPr rtl="0"/>
           <a:r>
-            <a:rPr lang="en-GB" smtClean="0"/>
+            <a:rPr lang="en-GB"/>
             <a:t>Pandas (using dataframes == excel sheets for managing data)</a:t>
           </a:r>
-          <a:endParaRPr lang="en-GB"/>
         </a:p>
       </dgm:t>
     </dgm:pt>
@@ -5001,14 +4904,13 @@
         <a:p>
           <a:pPr rtl="0"/>
           <a:r>
-            <a:rPr lang="en-GB" dirty="0" err="1" smtClean="0"/>
+            <a:rPr lang="en-GB" dirty="0" err="1"/>
             <a:t>Dask</a:t>
           </a:r>
           <a:r>
-            <a:rPr lang="en-GB" dirty="0" smtClean="0"/>
+            <a:rPr lang="en-GB" dirty="0"/>
             <a:t> (numpy for huge datasets)</a:t>
           </a:r>
-          <a:endParaRPr lang="en-GB" dirty="0"/>
         </a:p>
       </dgm:t>
     </dgm:pt>
@@ -5043,10 +4945,9 @@
         <a:p>
           <a:pPr rtl="0"/>
           <a:r>
-            <a:rPr lang="en-GB" smtClean="0"/>
+            <a:rPr lang="en-GB"/>
             <a:t>Tutorials</a:t>
           </a:r>
-          <a:endParaRPr lang="en-GB"/>
         </a:p>
       </dgm:t>
     </dgm:pt>
@@ -5081,10 +4982,9 @@
         <a:p>
           <a:pPr rtl="0"/>
           <a:r>
-            <a:rPr lang="en-GB" smtClean="0"/>
+            <a:rPr lang="en-GB"/>
             <a:t>Simple pre-processing techniques to reduce loaded data</a:t>
           </a:r>
-          <a:endParaRPr lang="en-GB"/>
         </a:p>
       </dgm:t>
     </dgm:pt>
@@ -5119,10 +5019,9 @@
         <a:p>
           <a:pPr rtl="0"/>
           <a:r>
-            <a:rPr lang="en-GB" dirty="0" smtClean="0"/>
+            <a:rPr lang="en-GB" dirty="0"/>
             <a:t>Binning</a:t>
           </a:r>
-          <a:endParaRPr lang="en-GB" dirty="0"/>
         </a:p>
       </dgm:t>
     </dgm:pt>
@@ -5157,10 +5056,9 @@
         <a:p>
           <a:pPr rtl="0"/>
           <a:r>
-            <a:rPr lang="en-GB" smtClean="0"/>
+            <a:rPr lang="en-GB"/>
             <a:t>Sampling (with pandas)</a:t>
           </a:r>
-          <a:endParaRPr lang="en-GB"/>
         </a:p>
       </dgm:t>
     </dgm:pt>
@@ -5195,10 +5093,9 @@
         <a:p>
           <a:pPr rtl="0"/>
           <a:r>
-            <a:rPr lang="en-GB" smtClean="0"/>
+            <a:rPr lang="en-GB"/>
             <a:t>Lazy data (with dask)</a:t>
           </a:r>
-          <a:endParaRPr lang="en-GB"/>
         </a:p>
       </dgm:t>
     </dgm:pt>
@@ -5233,10 +5130,9 @@
         <a:p>
           <a:pPr rtl="0"/>
           <a:r>
-            <a:rPr lang="en-GB" smtClean="0"/>
+            <a:rPr lang="en-GB"/>
             <a:t>Advanced tools to load large files</a:t>
           </a:r>
-          <a:endParaRPr lang="en-GB"/>
         </a:p>
       </dgm:t>
     </dgm:pt>
@@ -5271,18 +5167,17 @@
         <a:p>
           <a:pPr rtl="0"/>
           <a:r>
-            <a:rPr lang="en-GB" dirty="0" smtClean="0"/>
+            <a:rPr lang="en-GB" dirty="0"/>
             <a:t>Using remote desktops/clusters with large RAM memories (e.g. Google </a:t>
           </a:r>
           <a:r>
-            <a:rPr lang="en-GB" dirty="0" err="1" smtClean="0"/>
+            <a:rPr lang="en-GB" dirty="0" err="1"/>
             <a:t>Colab</a:t>
           </a:r>
           <a:r>
-            <a:rPr lang="en-GB" dirty="0" smtClean="0"/>
+            <a:rPr lang="en-GB" dirty="0"/>
             <a:t> for machine learning projects)</a:t>
           </a:r>
-          <a:endParaRPr lang="en-GB" dirty="0"/>
         </a:p>
       </dgm:t>
     </dgm:pt>
@@ -5317,27 +5212,27 @@
         <a:p>
           <a:pPr rtl="0"/>
           <a:r>
-            <a:rPr lang="en-GB" dirty="0" smtClean="0"/>
+            <a:rPr lang="en-GB" dirty="0"/>
             <a:t>Releasing memory in Python (tricky but doable in </a:t>
           </a:r>
           <a:r>
-            <a:rPr lang="en-GB" dirty="0" err="1" smtClean="0"/>
+            <a:rPr lang="en-GB" dirty="0" err="1"/>
             <a:t>iPython</a:t>
           </a:r>
           <a:r>
-            <a:rPr lang="en-GB" dirty="0" smtClean="0"/>
+            <a:rPr lang="en-GB" dirty="0"/>
             <a:t>/</a:t>
           </a:r>
           <a:r>
-            <a:rPr lang="en-GB" dirty="0" err="1" smtClean="0"/>
+            <a:rPr lang="en-GB" dirty="0" err="1"/>
             <a:t>Jupyter</a:t>
           </a:r>
           <a:r>
-            <a:rPr lang="en-GB" dirty="0" smtClean="0"/>
+            <a:rPr lang="en-GB" dirty="0"/>
             <a:t> notebooks using magic commands) to avoid </a:t>
           </a:r>
           <a:r>
-            <a:rPr lang="en-GB" i="1" dirty="0" err="1" smtClean="0"/>
+            <a:rPr lang="en-GB" i="1" dirty="0" err="1"/>
             <a:t>MemoryError</a:t>
           </a:r>
           <a:endParaRPr lang="en-GB" dirty="0"/>
@@ -5443,14 +5338,13 @@
         <a:p>
           <a:pPr rtl="0"/>
           <a:r>
-            <a:rPr lang="en-GB" dirty="0" err="1" smtClean="0"/>
+            <a:rPr lang="en-GB" dirty="0" err="1"/>
             <a:t>Os</a:t>
           </a:r>
           <a:r>
-            <a:rPr lang="en-GB" dirty="0" smtClean="0"/>
+            <a:rPr lang="en-GB" dirty="0"/>
             <a:t> and Glob (internal batch management packages)</a:t>
           </a:r>
-          <a:endParaRPr lang="en-GB" dirty="0"/>
         </a:p>
       </dgm:t>
     </dgm:pt>
@@ -5485,10 +5379,9 @@
         <a:p>
           <a:pPr rtl="0"/>
           <a:r>
-            <a:rPr lang="en-GB" dirty="0" smtClean="0"/>
+            <a:rPr lang="en-GB" dirty="0"/>
             <a:t>Loading multiple files at once.</a:t>
           </a:r>
-          <a:endParaRPr lang="en-GB" dirty="0"/>
         </a:p>
       </dgm:t>
     </dgm:pt>
@@ -5522,13 +5415,6 @@
         </dgm:presLayoutVars>
       </dgm:prSet>
       <dgm:spPr/>
-      <dgm:t>
-        <a:bodyPr/>
-        <a:lstStyle/>
-        <a:p>
-          <a:endParaRPr lang="en-US"/>
-        </a:p>
-      </dgm:t>
     </dgm:pt>
     <dgm:pt modelId="{6EDD9FB6-DB80-421A-9D2B-8D8CBEFB11BD}" type="pres">
       <dgm:prSet presAssocID="{0C567FAE-F4A4-418B-861D-0A5BBF37C943}" presName="parentText" presStyleLbl="node1" presStyleIdx="0" presStyleCnt="2">
@@ -5538,13 +5424,6 @@
         </dgm:presLayoutVars>
       </dgm:prSet>
       <dgm:spPr/>
-      <dgm:t>
-        <a:bodyPr/>
-        <a:lstStyle/>
-        <a:p>
-          <a:endParaRPr lang="en-US"/>
-        </a:p>
-      </dgm:t>
     </dgm:pt>
     <dgm:pt modelId="{81410685-02DC-4D03-9E96-9EA62C4B72CD}" type="pres">
       <dgm:prSet presAssocID="{0C567FAE-F4A4-418B-861D-0A5BBF37C943}" presName="childText" presStyleLbl="revTx" presStyleIdx="0" presStyleCnt="2">
@@ -5553,13 +5432,6 @@
         </dgm:presLayoutVars>
       </dgm:prSet>
       <dgm:spPr/>
-      <dgm:t>
-        <a:bodyPr/>
-        <a:lstStyle/>
-        <a:p>
-          <a:endParaRPr lang="en-US"/>
-        </a:p>
-      </dgm:t>
     </dgm:pt>
     <dgm:pt modelId="{7B3D3422-474C-473F-83DD-CFA8DA311B8E}" type="pres">
       <dgm:prSet presAssocID="{56EDC7AF-9770-49A1-BF0C-8F8177268E60}" presName="parentText" presStyleLbl="node1" presStyleIdx="1" presStyleCnt="2">
@@ -5569,13 +5441,6 @@
         </dgm:presLayoutVars>
       </dgm:prSet>
       <dgm:spPr/>
-      <dgm:t>
-        <a:bodyPr/>
-        <a:lstStyle/>
-        <a:p>
-          <a:endParaRPr lang="en-US"/>
-        </a:p>
-      </dgm:t>
     </dgm:pt>
     <dgm:pt modelId="{B4D979C9-DABC-4056-9C7A-B0CE493EC635}" type="pres">
       <dgm:prSet presAssocID="{56EDC7AF-9770-49A1-BF0C-8F8177268E60}" presName="childText" presStyleLbl="revTx" presStyleIdx="1" presStyleCnt="2">
@@ -5584,47 +5449,40 @@
         </dgm:presLayoutVars>
       </dgm:prSet>
       <dgm:spPr/>
-      <dgm:t>
-        <a:bodyPr/>
-        <a:lstStyle/>
-        <a:p>
-          <a:endParaRPr lang="en-US"/>
-        </a:p>
-      </dgm:t>
     </dgm:pt>
   </dgm:ptLst>
   <dgm:cxnLst>
-    <dgm:cxn modelId="{DF58B2F0-9B3E-4D54-8BA3-EDB416C6F103}" srcId="{4CD35A0C-64E0-451D-88F0-2F860C41AC78}" destId="{56EDC7AF-9770-49A1-BF0C-8F8177268E60}" srcOrd="1" destOrd="0" parTransId="{FA3B6633-3C4F-4C8C-8B12-156DAD0BAADA}" sibTransId="{737CF703-D1FA-4F70-A95A-58F7B03CE24D}"/>
+    <dgm:cxn modelId="{6C22C210-9AE6-4B9A-9DFC-707747731B91}" type="presOf" srcId="{EC0C3DB2-55AD-4467-8366-38610FD8BBE2}" destId="{81410685-02DC-4D03-9E96-9EA62C4B72CD}" srcOrd="0" destOrd="4" presId="urn:microsoft.com/office/officeart/2005/8/layout/vList2"/>
+    <dgm:cxn modelId="{83471412-7AF2-413F-80D4-3311E52909EF}" type="presOf" srcId="{56EDC7AF-9770-49A1-BF0C-8F8177268E60}" destId="{7B3D3422-474C-473F-83DD-CFA8DA311B8E}" srcOrd="0" destOrd="0" presId="urn:microsoft.com/office/officeart/2005/8/layout/vList2"/>
+    <dgm:cxn modelId="{82890618-0BDE-44F5-B16A-B891CF75D3A8}" srcId="{FA30989F-3809-4DC2-AC7E-36EBFEB281D4}" destId="{8895D68A-5535-4D27-A79B-BB41AFDC63CD}" srcOrd="1" destOrd="0" parTransId="{56608ADC-5EF3-4DDC-8E43-FEBA88072E8B}" sibTransId="{F00BDC31-DF40-4BE5-B482-D4D74BA2E89B}"/>
+    <dgm:cxn modelId="{962BE01C-10D1-4ECA-AD25-1901784FCB73}" srcId="{0C567FAE-F4A4-418B-861D-0A5BBF37C943}" destId="{2FA0EEFF-B665-4153-8794-97E1423484B0}" srcOrd="1" destOrd="0" parTransId="{B7BD9F60-86F1-4D9F-AB2F-ECFE8DE9F436}" sibTransId="{670FA7B7-9FAB-41F5-B5D0-D4571A885E05}"/>
+    <dgm:cxn modelId="{74DC3E21-B6C4-4999-A757-0820707864DE}" type="presOf" srcId="{8895D68A-5535-4D27-A79B-BB41AFDC63CD}" destId="{B4D979C9-DABC-4056-9C7A-B0CE493EC635}" srcOrd="0" destOrd="6" presId="urn:microsoft.com/office/officeart/2005/8/layout/vList2"/>
+    <dgm:cxn modelId="{B3CFB821-AB7E-4E7B-A98B-D567B24B4163}" srcId="{0C567FAE-F4A4-418B-861D-0A5BBF37C943}" destId="{EC0C3DB2-55AD-4467-8366-38610FD8BBE2}" srcOrd="4" destOrd="0" parTransId="{86266D11-D7EE-4573-92A1-D57C1E87BA37}" sibTransId="{B2B12E72-629E-4060-8EC2-388E7A2B8DA7}"/>
+    <dgm:cxn modelId="{8F889C24-F721-42BD-94C9-DA303AA55C3D}" type="presOf" srcId="{D948322A-FDE1-4F9F-8DCB-79304A065C30}" destId="{81410685-02DC-4D03-9E96-9EA62C4B72CD}" srcOrd="0" destOrd="0" presId="urn:microsoft.com/office/officeart/2005/8/layout/vList2"/>
+    <dgm:cxn modelId="{25284325-1ADA-40BC-B33E-5BCED34388CB}" srcId="{F1D1B3FD-C1B4-4870-9774-4C1D8E6BF21B}" destId="{536C7865-E556-45FD-8B30-D6D8A38C142D}" srcOrd="1" destOrd="0" parTransId="{BBCD4638-C19F-4695-BF74-46E88CB50890}" sibTransId="{2EF221E2-930A-4909-802F-AA9315CBEB6C}"/>
+    <dgm:cxn modelId="{4BAFED3F-E487-4633-A86E-FF4F5CCC8EAB}" srcId="{56EDC7AF-9770-49A1-BF0C-8F8177268E60}" destId="{C4BB35E6-90EF-4AFE-990C-5D53D89D6203}" srcOrd="2" destOrd="0" parTransId="{9D1508F4-B213-4FEE-9CA1-B904E3A316E7}" sibTransId="{41701086-F2E4-4B2D-A354-6350AD5B4A60}"/>
+    <dgm:cxn modelId="{F10DFB46-FF75-4261-B77A-5FC3C1438A5D}" srcId="{0C567FAE-F4A4-418B-861D-0A5BBF37C943}" destId="{EE25FC87-D209-4DC5-9F17-CCC07176003B}" srcOrd="3" destOrd="0" parTransId="{FDAC3A0A-F6FB-4005-A70F-583FB6FF6674}" sibTransId="{22382F95-408D-4F14-B797-4533C19D240A}"/>
+    <dgm:cxn modelId="{1456EA5E-1615-4D01-87DF-4D7859668F75}" srcId="{56EDC7AF-9770-49A1-BF0C-8F8177268E60}" destId="{FA30989F-3809-4DC2-AC7E-36EBFEB281D4}" srcOrd="1" destOrd="0" parTransId="{AFB9FC62-BE99-4D06-949C-ED0827C3BD8C}" sibTransId="{A43CE35E-6BE0-4750-90DE-D646D5208D1F}"/>
+    <dgm:cxn modelId="{06D7E762-0319-4582-82B8-B0EFF63AEE20}" type="presOf" srcId="{2FA0EEFF-B665-4153-8794-97E1423484B0}" destId="{81410685-02DC-4D03-9E96-9EA62C4B72CD}" srcOrd="0" destOrd="1" presId="urn:microsoft.com/office/officeart/2005/8/layout/vList2"/>
+    <dgm:cxn modelId="{37296E6A-B502-4C78-A364-4CEED9CAE7A9}" type="presOf" srcId="{BC9BC7C4-EFF4-4321-8CF1-5351CBD58ACA}" destId="{B4D979C9-DABC-4056-9C7A-B0CE493EC635}" srcOrd="0" destOrd="5" presId="urn:microsoft.com/office/officeart/2005/8/layout/vList2"/>
+    <dgm:cxn modelId="{11DF9D6B-CCA8-4E4F-8778-B446FC96AAB6}" type="presOf" srcId="{EE25FC87-D209-4DC5-9F17-CCC07176003B}" destId="{81410685-02DC-4D03-9E96-9EA62C4B72CD}" srcOrd="0" destOrd="3" presId="urn:microsoft.com/office/officeart/2005/8/layout/vList2"/>
+    <dgm:cxn modelId="{E503AA6D-0A67-472F-89C4-232C10DFE6B5}" type="presOf" srcId="{F72D0028-4C4A-4876-98F9-39C431D13687}" destId="{81410685-02DC-4D03-9E96-9EA62C4B72CD}" srcOrd="0" destOrd="2" presId="urn:microsoft.com/office/officeart/2005/8/layout/vList2"/>
+    <dgm:cxn modelId="{24AB7089-3B7A-4966-AB54-78279B87C21C}" srcId="{F1D1B3FD-C1B4-4870-9774-4C1D8E6BF21B}" destId="{08327AC7-1075-4107-950B-80F81A47DCEF}" srcOrd="2" destOrd="0" parTransId="{8D8CAA6E-FEFB-45B1-9108-2D8CE05D6B18}" sibTransId="{E686F6BE-825F-41FF-83D4-9CCE50B403BF}"/>
+    <dgm:cxn modelId="{DECD798F-33ED-47D7-93EE-8D6000CB3754}" srcId="{0C567FAE-F4A4-418B-861D-0A5BBF37C943}" destId="{F72D0028-4C4A-4876-98F9-39C431D13687}" srcOrd="2" destOrd="0" parTransId="{FACFE506-0562-463E-B15E-64905FC769B5}" sibTransId="{FA69146A-BA09-42C9-91D5-9AEA55C49C4E}"/>
+    <dgm:cxn modelId="{CD2F9E90-E5EE-47C3-8FBA-EACD25FE243B}" srcId="{FA30989F-3809-4DC2-AC7E-36EBFEB281D4}" destId="{BC9BC7C4-EFF4-4321-8CF1-5351CBD58ACA}" srcOrd="0" destOrd="0" parTransId="{A6399E0A-3DAD-4FE4-A586-DDD3D11013D6}" sibTransId="{9369D7FA-FEC2-4FEE-8EF7-E397316D0CAF}"/>
+    <dgm:cxn modelId="{58420C97-E38A-473A-9941-DDAFDE9DA233}" srcId="{F1D1B3FD-C1B4-4870-9774-4C1D8E6BF21B}" destId="{F9E4C2C9-3187-42F3-9A9F-13390A60283A}" srcOrd="0" destOrd="0" parTransId="{F2EA5F86-1946-43DD-8743-0967B2F741DF}" sibTransId="{DDAE19E8-C458-437B-9D3B-E3C044BA3E35}"/>
+    <dgm:cxn modelId="{FF47599B-09A4-4338-A313-DF17E46E6E9F}" type="presOf" srcId="{C4BB35E6-90EF-4AFE-990C-5D53D89D6203}" destId="{B4D979C9-DABC-4056-9C7A-B0CE493EC635}" srcOrd="0" destOrd="7" presId="urn:microsoft.com/office/officeart/2005/8/layout/vList2"/>
+    <dgm:cxn modelId="{51F7C4A1-DA8E-43D6-ADAD-89AE4C85BCB8}" type="presOf" srcId="{F9E4C2C9-3187-42F3-9A9F-13390A60283A}" destId="{B4D979C9-DABC-4056-9C7A-B0CE493EC635}" srcOrd="0" destOrd="1" presId="urn:microsoft.com/office/officeart/2005/8/layout/vList2"/>
     <dgm:cxn modelId="{591C72B8-EC0B-4195-8FDA-0A40A0A46519}" type="presOf" srcId="{FA30989F-3809-4DC2-AC7E-36EBFEB281D4}" destId="{B4D979C9-DABC-4056-9C7A-B0CE493EC635}" srcOrd="0" destOrd="4" presId="urn:microsoft.com/office/officeart/2005/8/layout/vList2"/>
-    <dgm:cxn modelId="{092A40F8-9047-4444-B036-A5759A09EBA8}" type="presOf" srcId="{4CD35A0C-64E0-451D-88F0-2F860C41AC78}" destId="{F479FD79-F166-4626-94C7-41E1A1A0D38F}" srcOrd="0" destOrd="0" presId="urn:microsoft.com/office/officeart/2005/8/layout/vList2"/>
+    <dgm:cxn modelId="{3D5AFFC2-FB42-44A4-8E9B-F732FF678081}" srcId="{0C567FAE-F4A4-418B-861D-0A5BBF37C943}" destId="{D948322A-FDE1-4F9F-8DCB-79304A065C30}" srcOrd="0" destOrd="0" parTransId="{97330382-C601-49BF-BAA4-30E80CEA683C}" sibTransId="{C9D429FA-1688-4229-9161-8EBF686EDAD2}"/>
+    <dgm:cxn modelId="{0D4527C8-7D25-4EDF-B88B-FF148012C211}" type="presOf" srcId="{08327AC7-1075-4107-950B-80F81A47DCEF}" destId="{B4D979C9-DABC-4056-9C7A-B0CE493EC635}" srcOrd="0" destOrd="3" presId="urn:microsoft.com/office/officeart/2005/8/layout/vList2"/>
+    <dgm:cxn modelId="{4411E9DB-E7DD-4646-A5E9-B65780995F75}" srcId="{56EDC7AF-9770-49A1-BF0C-8F8177268E60}" destId="{F1D1B3FD-C1B4-4870-9774-4C1D8E6BF21B}" srcOrd="0" destOrd="0" parTransId="{06D71036-B549-45C4-A65A-11DAD57273F8}" sibTransId="{E1FBC78F-6DC6-4009-93B6-6BE997A31FDA}"/>
+    <dgm:cxn modelId="{605C63E2-BC7A-4169-9BFB-781B35FFEB59}" type="presOf" srcId="{0C567FAE-F4A4-418B-861D-0A5BBF37C943}" destId="{6EDD9FB6-DB80-421A-9D2B-8D8CBEFB11BD}" srcOrd="0" destOrd="0" presId="urn:microsoft.com/office/officeart/2005/8/layout/vList2"/>
+    <dgm:cxn modelId="{F4A2AFE8-DE5F-47E5-A579-695898A8A675}" srcId="{4CD35A0C-64E0-451D-88F0-2F860C41AC78}" destId="{0C567FAE-F4A4-418B-861D-0A5BBF37C943}" srcOrd="0" destOrd="0" parTransId="{D3595820-BD04-4EA1-A69C-52A9177ABB68}" sibTransId="{2DE0F394-CEDB-471B-9553-96D0DA9EDBDA}"/>
     <dgm:cxn modelId="{DC8E7BEC-BFF3-4E52-8429-6258DB83777B}" type="presOf" srcId="{F1D1B3FD-C1B4-4870-9774-4C1D8E6BF21B}" destId="{B4D979C9-DABC-4056-9C7A-B0CE493EC635}" srcOrd="0" destOrd="0" presId="urn:microsoft.com/office/officeart/2005/8/layout/vList2"/>
     <dgm:cxn modelId="{A0C43FF0-A35D-4BF5-9172-4CCAFA8EDB67}" type="presOf" srcId="{536C7865-E556-45FD-8B30-D6D8A38C142D}" destId="{B4D979C9-DABC-4056-9C7A-B0CE493EC635}" srcOrd="0" destOrd="2" presId="urn:microsoft.com/office/officeart/2005/8/layout/vList2"/>
-    <dgm:cxn modelId="{B3CFB821-AB7E-4E7B-A98B-D567B24B4163}" srcId="{0C567FAE-F4A4-418B-861D-0A5BBF37C943}" destId="{EC0C3DB2-55AD-4467-8366-38610FD8BBE2}" srcOrd="4" destOrd="0" parTransId="{86266D11-D7EE-4573-92A1-D57C1E87BA37}" sibTransId="{B2B12E72-629E-4060-8EC2-388E7A2B8DA7}"/>
-    <dgm:cxn modelId="{24AB7089-3B7A-4966-AB54-78279B87C21C}" srcId="{F1D1B3FD-C1B4-4870-9774-4C1D8E6BF21B}" destId="{08327AC7-1075-4107-950B-80F81A47DCEF}" srcOrd="2" destOrd="0" parTransId="{8D8CAA6E-FEFB-45B1-9108-2D8CE05D6B18}" sibTransId="{E686F6BE-825F-41FF-83D4-9CCE50B403BF}"/>
-    <dgm:cxn modelId="{4411E9DB-E7DD-4646-A5E9-B65780995F75}" srcId="{56EDC7AF-9770-49A1-BF0C-8F8177268E60}" destId="{F1D1B3FD-C1B4-4870-9774-4C1D8E6BF21B}" srcOrd="0" destOrd="0" parTransId="{06D71036-B549-45C4-A65A-11DAD57273F8}" sibTransId="{E1FBC78F-6DC6-4009-93B6-6BE997A31FDA}"/>
-    <dgm:cxn modelId="{CD2F9E90-E5EE-47C3-8FBA-EACD25FE243B}" srcId="{FA30989F-3809-4DC2-AC7E-36EBFEB281D4}" destId="{BC9BC7C4-EFF4-4321-8CF1-5351CBD58ACA}" srcOrd="0" destOrd="0" parTransId="{A6399E0A-3DAD-4FE4-A586-DDD3D11013D6}" sibTransId="{9369D7FA-FEC2-4FEE-8EF7-E397316D0CAF}"/>
-    <dgm:cxn modelId="{E503AA6D-0A67-472F-89C4-232C10DFE6B5}" type="presOf" srcId="{F72D0028-4C4A-4876-98F9-39C431D13687}" destId="{81410685-02DC-4D03-9E96-9EA62C4B72CD}" srcOrd="0" destOrd="2" presId="urn:microsoft.com/office/officeart/2005/8/layout/vList2"/>
-    <dgm:cxn modelId="{F10DFB46-FF75-4261-B77A-5FC3C1438A5D}" srcId="{0C567FAE-F4A4-418B-861D-0A5BBF37C943}" destId="{EE25FC87-D209-4DC5-9F17-CCC07176003B}" srcOrd="3" destOrd="0" parTransId="{FDAC3A0A-F6FB-4005-A70F-583FB6FF6674}" sibTransId="{22382F95-408D-4F14-B797-4533C19D240A}"/>
-    <dgm:cxn modelId="{962BE01C-10D1-4ECA-AD25-1901784FCB73}" srcId="{0C567FAE-F4A4-418B-861D-0A5BBF37C943}" destId="{2FA0EEFF-B665-4153-8794-97E1423484B0}" srcOrd="1" destOrd="0" parTransId="{B7BD9F60-86F1-4D9F-AB2F-ECFE8DE9F436}" sibTransId="{670FA7B7-9FAB-41F5-B5D0-D4571A885E05}"/>
-    <dgm:cxn modelId="{605C63E2-BC7A-4169-9BFB-781B35FFEB59}" type="presOf" srcId="{0C567FAE-F4A4-418B-861D-0A5BBF37C943}" destId="{6EDD9FB6-DB80-421A-9D2B-8D8CBEFB11BD}" srcOrd="0" destOrd="0" presId="urn:microsoft.com/office/officeart/2005/8/layout/vList2"/>
-    <dgm:cxn modelId="{06D7E762-0319-4582-82B8-B0EFF63AEE20}" type="presOf" srcId="{2FA0EEFF-B665-4153-8794-97E1423484B0}" destId="{81410685-02DC-4D03-9E96-9EA62C4B72CD}" srcOrd="0" destOrd="1" presId="urn:microsoft.com/office/officeart/2005/8/layout/vList2"/>
-    <dgm:cxn modelId="{6C22C210-9AE6-4B9A-9DFC-707747731B91}" type="presOf" srcId="{EC0C3DB2-55AD-4467-8366-38610FD8BBE2}" destId="{81410685-02DC-4D03-9E96-9EA62C4B72CD}" srcOrd="0" destOrd="4" presId="urn:microsoft.com/office/officeart/2005/8/layout/vList2"/>
-    <dgm:cxn modelId="{DECD798F-33ED-47D7-93EE-8D6000CB3754}" srcId="{0C567FAE-F4A4-418B-861D-0A5BBF37C943}" destId="{F72D0028-4C4A-4876-98F9-39C431D13687}" srcOrd="2" destOrd="0" parTransId="{FACFE506-0562-463E-B15E-64905FC769B5}" sibTransId="{FA69146A-BA09-42C9-91D5-9AEA55C49C4E}"/>
-    <dgm:cxn modelId="{51F7C4A1-DA8E-43D6-ADAD-89AE4C85BCB8}" type="presOf" srcId="{F9E4C2C9-3187-42F3-9A9F-13390A60283A}" destId="{B4D979C9-DABC-4056-9C7A-B0CE493EC635}" srcOrd="0" destOrd="1" presId="urn:microsoft.com/office/officeart/2005/8/layout/vList2"/>
-    <dgm:cxn modelId="{25284325-1ADA-40BC-B33E-5BCED34388CB}" srcId="{F1D1B3FD-C1B4-4870-9774-4C1D8E6BF21B}" destId="{536C7865-E556-45FD-8B30-D6D8A38C142D}" srcOrd="1" destOrd="0" parTransId="{BBCD4638-C19F-4695-BF74-46E88CB50890}" sibTransId="{2EF221E2-930A-4909-802F-AA9315CBEB6C}"/>
-    <dgm:cxn modelId="{1456EA5E-1615-4D01-87DF-4D7859668F75}" srcId="{56EDC7AF-9770-49A1-BF0C-8F8177268E60}" destId="{FA30989F-3809-4DC2-AC7E-36EBFEB281D4}" srcOrd="1" destOrd="0" parTransId="{AFB9FC62-BE99-4D06-949C-ED0827C3BD8C}" sibTransId="{A43CE35E-6BE0-4750-90DE-D646D5208D1F}"/>
-    <dgm:cxn modelId="{8F889C24-F721-42BD-94C9-DA303AA55C3D}" type="presOf" srcId="{D948322A-FDE1-4F9F-8DCB-79304A065C30}" destId="{81410685-02DC-4D03-9E96-9EA62C4B72CD}" srcOrd="0" destOrd="0" presId="urn:microsoft.com/office/officeart/2005/8/layout/vList2"/>
-    <dgm:cxn modelId="{FF47599B-09A4-4338-A313-DF17E46E6E9F}" type="presOf" srcId="{C4BB35E6-90EF-4AFE-990C-5D53D89D6203}" destId="{B4D979C9-DABC-4056-9C7A-B0CE493EC635}" srcOrd="0" destOrd="7" presId="urn:microsoft.com/office/officeart/2005/8/layout/vList2"/>
-    <dgm:cxn modelId="{3D5AFFC2-FB42-44A4-8E9B-F732FF678081}" srcId="{0C567FAE-F4A4-418B-861D-0A5BBF37C943}" destId="{D948322A-FDE1-4F9F-8DCB-79304A065C30}" srcOrd="0" destOrd="0" parTransId="{97330382-C601-49BF-BAA4-30E80CEA683C}" sibTransId="{C9D429FA-1688-4229-9161-8EBF686EDAD2}"/>
-    <dgm:cxn modelId="{58420C97-E38A-473A-9941-DDAFDE9DA233}" srcId="{F1D1B3FD-C1B4-4870-9774-4C1D8E6BF21B}" destId="{F9E4C2C9-3187-42F3-9A9F-13390A60283A}" srcOrd="0" destOrd="0" parTransId="{F2EA5F86-1946-43DD-8743-0967B2F741DF}" sibTransId="{DDAE19E8-C458-437B-9D3B-E3C044BA3E35}"/>
-    <dgm:cxn modelId="{83471412-7AF2-413F-80D4-3311E52909EF}" type="presOf" srcId="{56EDC7AF-9770-49A1-BF0C-8F8177268E60}" destId="{7B3D3422-474C-473F-83DD-CFA8DA311B8E}" srcOrd="0" destOrd="0" presId="urn:microsoft.com/office/officeart/2005/8/layout/vList2"/>
-    <dgm:cxn modelId="{74DC3E21-B6C4-4999-A757-0820707864DE}" type="presOf" srcId="{8895D68A-5535-4D27-A79B-BB41AFDC63CD}" destId="{B4D979C9-DABC-4056-9C7A-B0CE493EC635}" srcOrd="0" destOrd="6" presId="urn:microsoft.com/office/officeart/2005/8/layout/vList2"/>
-    <dgm:cxn modelId="{4BAFED3F-E487-4633-A86E-FF4F5CCC8EAB}" srcId="{56EDC7AF-9770-49A1-BF0C-8F8177268E60}" destId="{C4BB35E6-90EF-4AFE-990C-5D53D89D6203}" srcOrd="2" destOrd="0" parTransId="{9D1508F4-B213-4FEE-9CA1-B904E3A316E7}" sibTransId="{41701086-F2E4-4B2D-A354-6350AD5B4A60}"/>
-    <dgm:cxn modelId="{11DF9D6B-CCA8-4E4F-8778-B446FC96AAB6}" type="presOf" srcId="{EE25FC87-D209-4DC5-9F17-CCC07176003B}" destId="{81410685-02DC-4D03-9E96-9EA62C4B72CD}" srcOrd="0" destOrd="3" presId="urn:microsoft.com/office/officeart/2005/8/layout/vList2"/>
-    <dgm:cxn modelId="{82890618-0BDE-44F5-B16A-B891CF75D3A8}" srcId="{FA30989F-3809-4DC2-AC7E-36EBFEB281D4}" destId="{8895D68A-5535-4D27-A79B-BB41AFDC63CD}" srcOrd="1" destOrd="0" parTransId="{56608ADC-5EF3-4DDC-8E43-FEBA88072E8B}" sibTransId="{F00BDC31-DF40-4BE5-B482-D4D74BA2E89B}"/>
-    <dgm:cxn modelId="{0D4527C8-7D25-4EDF-B88B-FF148012C211}" type="presOf" srcId="{08327AC7-1075-4107-950B-80F81A47DCEF}" destId="{B4D979C9-DABC-4056-9C7A-B0CE493EC635}" srcOrd="0" destOrd="3" presId="urn:microsoft.com/office/officeart/2005/8/layout/vList2"/>
-    <dgm:cxn modelId="{37296E6A-B502-4C78-A364-4CEED9CAE7A9}" type="presOf" srcId="{BC9BC7C4-EFF4-4321-8CF1-5351CBD58ACA}" destId="{B4D979C9-DABC-4056-9C7A-B0CE493EC635}" srcOrd="0" destOrd="5" presId="urn:microsoft.com/office/officeart/2005/8/layout/vList2"/>
-    <dgm:cxn modelId="{F4A2AFE8-DE5F-47E5-A579-695898A8A675}" srcId="{4CD35A0C-64E0-451D-88F0-2F860C41AC78}" destId="{0C567FAE-F4A4-418B-861D-0A5BBF37C943}" srcOrd="0" destOrd="0" parTransId="{D3595820-BD04-4EA1-A69C-52A9177ABB68}" sibTransId="{2DE0F394-CEDB-471B-9553-96D0DA9EDBDA}"/>
+    <dgm:cxn modelId="{DF58B2F0-9B3E-4D54-8BA3-EDB416C6F103}" srcId="{4CD35A0C-64E0-451D-88F0-2F860C41AC78}" destId="{56EDC7AF-9770-49A1-BF0C-8F8177268E60}" srcOrd="1" destOrd="0" parTransId="{FA3B6633-3C4F-4C8C-8B12-156DAD0BAADA}" sibTransId="{737CF703-D1FA-4F70-A95A-58F7B03CE24D}"/>
+    <dgm:cxn modelId="{092A40F8-9047-4444-B036-A5759A09EBA8}" type="presOf" srcId="{4CD35A0C-64E0-451D-88F0-2F860C41AC78}" destId="{F479FD79-F166-4626-94C7-41E1A1A0D38F}" srcOrd="0" destOrd="0" presId="urn:microsoft.com/office/officeart/2005/8/layout/vList2"/>
     <dgm:cxn modelId="{48051BF9-4BBA-4B39-B37E-995CD63A04BD}" type="presParOf" srcId="{F479FD79-F166-4626-94C7-41E1A1A0D38F}" destId="{6EDD9FB6-DB80-421A-9D2B-8D8CBEFB11BD}" srcOrd="0" destOrd="0" presId="urn:microsoft.com/office/officeart/2005/8/layout/vList2"/>
     <dgm:cxn modelId="{6BF2C00B-83D2-4498-A50E-A78CBBA4534C}" type="presParOf" srcId="{F479FD79-F166-4626-94C7-41E1A1A0D38F}" destId="{81410685-02DC-4D03-9E96-9EA62C4B72CD}" srcOrd="1" destOrd="0" presId="urn:microsoft.com/office/officeart/2005/8/layout/vList2"/>
     <dgm:cxn modelId="{37F43EB5-C038-4125-8008-CC73391B4E8B}" type="presParOf" srcId="{F479FD79-F166-4626-94C7-41E1A1A0D38F}" destId="{7B3D3422-474C-473F-83DD-CFA8DA311B8E}" srcOrd="2" destOrd="0" presId="urn:microsoft.com/office/officeart/2005/8/layout/vList2"/>
@@ -5662,25 +5520,25 @@
         <a:lstStyle/>
         <a:p>
           <a:r>
-            <a:rPr lang="en-US" dirty="0" smtClean="0"/>
+            <a:rPr lang="en-US" dirty="0"/>
             <a:t>Quick to use</a:t>
           </a:r>
         </a:p>
         <a:p>
           <a:r>
-            <a:rPr lang="en-US" dirty="0" smtClean="0"/>
+            <a:rPr lang="en-US" dirty="0"/>
             <a:t>Good for 1D signals</a:t>
           </a:r>
         </a:p>
         <a:p>
           <a:r>
-            <a:rPr lang="en-US" dirty="0" smtClean="0"/>
+            <a:rPr lang="en-US" dirty="0"/>
             <a:t>Interactive</a:t>
           </a:r>
         </a:p>
         <a:p>
           <a:r>
-            <a:rPr lang="en-US" dirty="0" smtClean="0"/>
+            <a:rPr lang="en-US" dirty="0"/>
             <a:t>Useful function (background subtraction, manual interpolation, peak finding tools…)</a:t>
           </a:r>
         </a:p>
@@ -5716,46 +5574,41 @@
         <a:lstStyle/>
         <a:p>
           <a:r>
-            <a:rPr lang="en-US" dirty="0" smtClean="0"/>
+            <a:rPr lang="en-US" dirty="0"/>
             <a:t>Slows down during batch processing</a:t>
           </a:r>
         </a:p>
         <a:p>
           <a:r>
-            <a:rPr lang="en-US" dirty="0" smtClean="0"/>
+            <a:rPr lang="en-US" dirty="0"/>
             <a:t>Advanced functionalities are harder than in Python</a:t>
           </a:r>
         </a:p>
         <a:p>
           <a:r>
-            <a:rPr lang="en-US" dirty="0" smtClean="0"/>
+            <a:rPr lang="en-US" dirty="0"/>
             <a:t>Limited documentation</a:t>
           </a:r>
         </a:p>
         <a:p>
           <a:r>
-            <a:rPr lang="en-US" dirty="0" smtClean="0"/>
-            <a:t>Pricey </a:t>
+            <a:rPr lang="en-US" dirty="0"/>
+            <a:t>Pricey (license only works in “</a:t>
           </a:r>
           <a:r>
-            <a:rPr lang="en-US" dirty="0" smtClean="0"/>
-            <a:t>(license only works in “</a:t>
-          </a:r>
-          <a:r>
-            <a:rPr lang="en-US" dirty="0" err="1" smtClean="0"/>
+            <a:rPr lang="en-US" dirty="0" err="1"/>
             <a:t>Eduroam</a:t>
           </a:r>
           <a:r>
-            <a:rPr lang="en-US" dirty="0" smtClean="0"/>
+            <a:rPr lang="en-US" dirty="0"/>
             <a:t>”)</a:t>
           </a:r>
         </a:p>
         <a:p>
           <a:r>
-            <a:rPr lang="en-US" dirty="0" smtClean="0"/>
+            <a:rPr lang="en-US" dirty="0"/>
             <a:t>Black box tools (most of them)</a:t>
           </a:r>
-          <a:endParaRPr lang="en-US" dirty="0"/>
         </a:p>
       </dgm:t>
     </dgm:pt>
@@ -5790,13 +5643,6 @@
         </dgm:presLayoutVars>
       </dgm:prSet>
       <dgm:spPr/>
-      <dgm:t>
-        <a:bodyPr/>
-        <a:lstStyle/>
-        <a:p>
-          <a:endParaRPr lang="en-US"/>
-        </a:p>
-      </dgm:t>
     </dgm:pt>
     <dgm:pt modelId="{E0E6D924-DEA9-4EDF-A43E-2839753EB4BC}" type="pres">
       <dgm:prSet presAssocID="{10309434-1756-4F63-AE7B-9B138476D7DB}" presName="upArrow" presStyleLbl="node1" presStyleIdx="0" presStyleCnt="2"/>
@@ -5810,13 +5656,6 @@
         </dgm:presLayoutVars>
       </dgm:prSet>
       <dgm:spPr/>
-      <dgm:t>
-        <a:bodyPr/>
-        <a:lstStyle/>
-        <a:p>
-          <a:endParaRPr lang="en-US"/>
-        </a:p>
-      </dgm:t>
     </dgm:pt>
     <dgm:pt modelId="{6D891882-8F57-420C-B930-DE18FFE51C3A}" type="pres">
       <dgm:prSet presAssocID="{02A23726-BEE5-4F9C-9B39-83BF1A31F078}" presName="downArrow" presStyleLbl="node1" presStyleIdx="1" presStyleCnt="2"/>
@@ -5837,21 +5676,14 @@
         </dgm:presLayoutVars>
       </dgm:prSet>
       <dgm:spPr/>
-      <dgm:t>
-        <a:bodyPr/>
-        <a:lstStyle/>
-        <a:p>
-          <a:endParaRPr lang="en-US"/>
-        </a:p>
-      </dgm:t>
     </dgm:pt>
   </dgm:ptLst>
   <dgm:cxnLst>
     <dgm:cxn modelId="{F3F4160E-DF45-4CEB-BA3B-D3227B150376}" srcId="{7D39B4E0-9B33-4D24-87FA-3B591245A589}" destId="{10309434-1756-4F63-AE7B-9B138476D7DB}" srcOrd="0" destOrd="0" parTransId="{FCCCA8BD-E60B-4377-A37D-BA1928A1E387}" sibTransId="{EECB3E1A-6979-437E-A833-3C9F8C745F34}"/>
-    <dgm:cxn modelId="{0B3312F9-D275-4C2D-A8C3-338C30D680FA}" type="presOf" srcId="{02A23726-BEE5-4F9C-9B39-83BF1A31F078}" destId="{A07EB14B-8EA9-4B92-B30A-EEE0BECD1AB1}" srcOrd="0" destOrd="0" presId="urn:microsoft.com/office/officeart/2005/8/layout/arrow4"/>
+    <dgm:cxn modelId="{F7FEDF27-FBFF-4C49-9C1C-C37A2503627F}" type="presOf" srcId="{7D39B4E0-9B33-4D24-87FA-3B591245A589}" destId="{FE1D002E-0B45-4C42-8A45-52D2594AB508}" srcOrd="0" destOrd="0" presId="urn:microsoft.com/office/officeart/2005/8/layout/arrow4"/>
     <dgm:cxn modelId="{FC93B284-240A-425A-B8FE-37B1D2F69C89}" srcId="{7D39B4E0-9B33-4D24-87FA-3B591245A589}" destId="{02A23726-BEE5-4F9C-9B39-83BF1A31F078}" srcOrd="1" destOrd="0" parTransId="{5881AD5A-39F3-4AC7-983F-71AC440AD6B0}" sibTransId="{52E98C26-63B8-4B67-9ED0-B72F58C31049}"/>
     <dgm:cxn modelId="{DC203E92-FA81-4C0E-877B-08F416B90384}" type="presOf" srcId="{10309434-1756-4F63-AE7B-9B138476D7DB}" destId="{A02225BA-7625-4903-8B15-71FE127874EA}" srcOrd="0" destOrd="0" presId="urn:microsoft.com/office/officeart/2005/8/layout/arrow4"/>
-    <dgm:cxn modelId="{F7FEDF27-FBFF-4C49-9C1C-C37A2503627F}" type="presOf" srcId="{7D39B4E0-9B33-4D24-87FA-3B591245A589}" destId="{FE1D002E-0B45-4C42-8A45-52D2594AB508}" srcOrd="0" destOrd="0" presId="urn:microsoft.com/office/officeart/2005/8/layout/arrow4"/>
+    <dgm:cxn modelId="{0B3312F9-D275-4C2D-A8C3-338C30D680FA}" type="presOf" srcId="{02A23726-BEE5-4F9C-9B39-83BF1A31F078}" destId="{A07EB14B-8EA9-4B92-B30A-EEE0BECD1AB1}" srcOrd="0" destOrd="0" presId="urn:microsoft.com/office/officeart/2005/8/layout/arrow4"/>
     <dgm:cxn modelId="{21820939-9447-405D-B275-821BD3D1EF35}" type="presParOf" srcId="{FE1D002E-0B45-4C42-8A45-52D2594AB508}" destId="{E0E6D924-DEA9-4EDF-A43E-2839753EB4BC}" srcOrd="0" destOrd="0" presId="urn:microsoft.com/office/officeart/2005/8/layout/arrow4"/>
     <dgm:cxn modelId="{FC1C472D-B210-4EC4-B076-A84595E5D44A}" type="presParOf" srcId="{FE1D002E-0B45-4C42-8A45-52D2594AB508}" destId="{A02225BA-7625-4903-8B15-71FE127874EA}" srcOrd="1" destOrd="0" presId="urn:microsoft.com/office/officeart/2005/8/layout/arrow4"/>
     <dgm:cxn modelId="{83C054AE-674B-49AA-8268-D7613E07C15F}" type="presParOf" srcId="{FE1D002E-0B45-4C42-8A45-52D2594AB508}" destId="{6D891882-8F57-420C-B930-DE18FFE51C3A}" srcOrd="2" destOrd="0" presId="urn:microsoft.com/office/officeart/2005/8/layout/arrow4"/>
@@ -5890,10 +5722,9 @@
         <a:p>
           <a:pPr rtl="0"/>
           <a:r>
-            <a:rPr lang="en-GB" smtClean="0"/>
+            <a:rPr lang="en-GB"/>
             <a:t>Packages used</a:t>
           </a:r>
-          <a:endParaRPr lang="en-GB"/>
         </a:p>
       </dgm:t>
     </dgm:pt>
@@ -5928,21 +5759,20 @@
         <a:p>
           <a:pPr rtl="0"/>
           <a:r>
-            <a:rPr lang="en-GB" dirty="0" err="1" smtClean="0"/>
+            <a:rPr lang="en-GB" dirty="0" err="1"/>
             <a:t>LumiSpy</a:t>
           </a:r>
           <a:r>
-            <a:rPr lang="en-GB" dirty="0" smtClean="0"/>
+            <a:rPr lang="en-GB" dirty="0"/>
             <a:t> package (multidimensional data</a:t>
           </a:r>
           <a:br>
-            <a:rPr lang="en-GB" dirty="0" smtClean="0"/>
+            <a:rPr lang="en-GB" dirty="0"/>
           </a:br>
           <a:r>
-            <a:rPr lang="en-GB" dirty="0" smtClean="0"/>
+            <a:rPr lang="en-GB" dirty="0"/>
             <a:t>analysis tools for luminescence)</a:t>
           </a:r>
-          <a:endParaRPr lang="en-GB" dirty="0"/>
         </a:p>
       </dgm:t>
     </dgm:pt>
@@ -5977,25 +5807,24 @@
         <a:p>
           <a:pPr rtl="0"/>
           <a:r>
-            <a:rPr lang="en-GB" dirty="0" smtClean="0"/>
+            <a:rPr lang="en-GB" dirty="0"/>
             <a:t>Anaconda included packages</a:t>
           </a:r>
           <a:br>
-            <a:rPr lang="en-GB" dirty="0" smtClean="0"/>
+            <a:rPr lang="en-GB" dirty="0"/>
           </a:br>
           <a:r>
-            <a:rPr lang="en-GB" dirty="0" smtClean="0"/>
+            <a:rPr lang="en-GB" dirty="0"/>
             <a:t>(e.g. </a:t>
           </a:r>
           <a:r>
-            <a:rPr lang="en-GB" dirty="0" err="1" smtClean="0"/>
+            <a:rPr lang="en-GB" dirty="0" err="1"/>
             <a:t>Scipy</a:t>
           </a:r>
           <a:r>
-            <a:rPr lang="en-GB" dirty="0" smtClean="0"/>
+            <a:rPr lang="en-GB" dirty="0"/>
             <a:t> for model fitting, numpy for matrices…)</a:t>
           </a:r>
-          <a:endParaRPr lang="en-GB" dirty="0"/>
         </a:p>
       </dgm:t>
     </dgm:pt>
@@ -6030,10 +5859,9 @@
         <a:p>
           <a:pPr rtl="0"/>
           <a:r>
-            <a:rPr lang="en-GB" smtClean="0"/>
+            <a:rPr lang="en-GB"/>
             <a:t>Tutorials</a:t>
           </a:r>
-          <a:endParaRPr lang="en-GB"/>
         </a:p>
       </dgm:t>
     </dgm:pt>
@@ -6068,10 +5896,9 @@
         <a:p>
           <a:pPr rtl="0"/>
           <a:r>
-            <a:rPr lang="en-GB" dirty="0" smtClean="0"/>
+            <a:rPr lang="en-GB" dirty="0"/>
             <a:t>Loading multidimensional data</a:t>
           </a:r>
-          <a:endParaRPr lang="en-GB" dirty="0"/>
         </a:p>
       </dgm:t>
     </dgm:pt>
@@ -6174,10 +6001,9 @@
         <a:p>
           <a:pPr rtl="0"/>
           <a:r>
-            <a:rPr lang="en-GB" dirty="0" smtClean="0"/>
+            <a:rPr lang="en-GB" dirty="0"/>
             <a:t>Plotting data interactively</a:t>
           </a:r>
-          <a:endParaRPr lang="en-GB" dirty="0"/>
         </a:p>
       </dgm:t>
     </dgm:pt>
@@ -6212,10 +6038,9 @@
         <a:p>
           <a:pPr rtl="0"/>
           <a:r>
-            <a:rPr lang="en-GB" dirty="0" smtClean="0"/>
+            <a:rPr lang="en-GB" dirty="0"/>
             <a:t>Fitting and getting a model for luminescence data</a:t>
           </a:r>
-          <a:endParaRPr lang="en-GB" dirty="0"/>
         </a:p>
       </dgm:t>
     </dgm:pt>
@@ -6250,10 +6075,9 @@
         <a:p>
           <a:pPr rtl="0"/>
           <a:r>
-            <a:rPr lang="en-GB" dirty="0" smtClean="0"/>
+            <a:rPr lang="en-GB" dirty="0"/>
             <a:t>Segmentation based on fitting</a:t>
           </a:r>
-          <a:endParaRPr lang="en-GB" dirty="0"/>
         </a:p>
       </dgm:t>
     </dgm:pt>
@@ -6288,10 +6112,9 @@
         <a:p>
           <a:pPr rtl="0"/>
           <a:r>
-            <a:rPr lang="en-GB" dirty="0" smtClean="0"/>
+            <a:rPr lang="en-GB" dirty="0"/>
             <a:t>Plotting modelled data</a:t>
           </a:r>
-          <a:endParaRPr lang="en-GB" dirty="0"/>
         </a:p>
       </dgm:t>
     </dgm:pt>
@@ -6325,13 +6148,6 @@
         </dgm:presLayoutVars>
       </dgm:prSet>
       <dgm:spPr/>
-      <dgm:t>
-        <a:bodyPr/>
-        <a:lstStyle/>
-        <a:p>
-          <a:endParaRPr lang="en-US"/>
-        </a:p>
-      </dgm:t>
     </dgm:pt>
     <dgm:pt modelId="{AB52C397-E932-4545-A33C-B511597A7E65}" type="pres">
       <dgm:prSet presAssocID="{53CEC0E8-97B5-4C1F-87AF-2E70C6F84EC3}" presName="parentText" presStyleLbl="node1" presStyleIdx="0" presStyleCnt="2">
@@ -6341,13 +6157,6 @@
         </dgm:presLayoutVars>
       </dgm:prSet>
       <dgm:spPr/>
-      <dgm:t>
-        <a:bodyPr/>
-        <a:lstStyle/>
-        <a:p>
-          <a:endParaRPr lang="en-US"/>
-        </a:p>
-      </dgm:t>
     </dgm:pt>
     <dgm:pt modelId="{4B04598E-490B-4391-AEDC-BA254843D353}" type="pres">
       <dgm:prSet presAssocID="{53CEC0E8-97B5-4C1F-87AF-2E70C6F84EC3}" presName="childText" presStyleLbl="revTx" presStyleIdx="0" presStyleCnt="2">
@@ -6356,13 +6165,6 @@
         </dgm:presLayoutVars>
       </dgm:prSet>
       <dgm:spPr/>
-      <dgm:t>
-        <a:bodyPr/>
-        <a:lstStyle/>
-        <a:p>
-          <a:endParaRPr lang="en-US"/>
-        </a:p>
-      </dgm:t>
     </dgm:pt>
     <dgm:pt modelId="{423A27E0-D392-4C08-94FF-62F4AB278C05}" type="pres">
       <dgm:prSet presAssocID="{3ABED481-AFA0-4A23-A82B-33EEEE5757AD}" presName="parentText" presStyleLbl="node1" presStyleIdx="1" presStyleCnt="2">
@@ -6372,13 +6174,6 @@
         </dgm:presLayoutVars>
       </dgm:prSet>
       <dgm:spPr/>
-      <dgm:t>
-        <a:bodyPr/>
-        <a:lstStyle/>
-        <a:p>
-          <a:endParaRPr lang="en-US"/>
-        </a:p>
-      </dgm:t>
     </dgm:pt>
     <dgm:pt modelId="{4EAFDB41-14F9-4E85-8CB2-58892103B849}" type="pres">
       <dgm:prSet presAssocID="{3ABED481-AFA0-4A23-A82B-33EEEE5757AD}" presName="childText" presStyleLbl="revTx" presStyleIdx="1" presStyleCnt="2">
@@ -6387,39 +6182,32 @@
         </dgm:presLayoutVars>
       </dgm:prSet>
       <dgm:spPr/>
-      <dgm:t>
-        <a:bodyPr/>
-        <a:lstStyle/>
-        <a:p>
-          <a:endParaRPr lang="en-US"/>
-        </a:p>
-      </dgm:t>
     </dgm:pt>
   </dgm:ptLst>
   <dgm:cxnLst>
+    <dgm:cxn modelId="{D1407500-09E9-40A3-813B-46D78E3BA330}" srcId="{53CEC0E8-97B5-4C1F-87AF-2E70C6F84EC3}" destId="{55B25D96-2D21-47AD-8638-E3F1A5AE2112}" srcOrd="2" destOrd="0" parTransId="{592C4685-A85F-4307-A5FC-FD76FC9BB7AD}" sibTransId="{84469BCA-2066-41E7-9634-513B7EDBFD75}"/>
+    <dgm:cxn modelId="{5D7A0A05-732B-41B0-B45B-3E472D8E3BA6}" srcId="{3ABED481-AFA0-4A23-A82B-33EEEE5757AD}" destId="{C4F9D335-4914-42C1-B50C-32C723E660EC}" srcOrd="4" destOrd="0" parTransId="{54613E67-89DB-446C-8C60-2372AADE02F8}" sibTransId="{702DB4D9-DFAA-4B74-8164-BC87B938FB8C}"/>
+    <dgm:cxn modelId="{9621CD0C-C2A1-4C59-B934-CE5E234396F5}" srcId="{BDDCCAB8-FB37-49BC-A5BF-B70B673201DB}" destId="{53CEC0E8-97B5-4C1F-87AF-2E70C6F84EC3}" srcOrd="0" destOrd="0" parTransId="{AE304E3B-C8B1-4CCD-A492-5D2B3449429D}" sibTransId="{2DF17C94-2A66-48A3-8EC1-9A297F2026EA}"/>
+    <dgm:cxn modelId="{528CEF13-6AFF-46E7-A87E-B871D9BCA1A0}" type="presOf" srcId="{3ABED481-AFA0-4A23-A82B-33EEEE5757AD}" destId="{423A27E0-D392-4C08-94FF-62F4AB278C05}" srcOrd="0" destOrd="0" presId="urn:microsoft.com/office/officeart/2005/8/layout/vList2"/>
+    <dgm:cxn modelId="{1709CF31-9FDF-4E22-8DF8-51617D179187}" type="presOf" srcId="{47771F1E-CE8C-4A61-BC38-ABC5A85E3122}" destId="{4EAFDB41-14F9-4E85-8CB2-58892103B849}" srcOrd="0" destOrd="2" presId="urn:microsoft.com/office/officeart/2005/8/layout/vList2"/>
+    <dgm:cxn modelId="{43A9634B-B3DF-441C-86C5-098E58070B65}" srcId="{3ABED481-AFA0-4A23-A82B-33EEEE5757AD}" destId="{9F453A0C-C248-4394-AC10-453A87BB339C}" srcOrd="1" destOrd="0" parTransId="{4F61B0FE-0878-44FC-83E4-48DC5E69356D}" sibTransId="{4730025B-1CB2-40FF-B057-3F64A7651D96}"/>
+    <dgm:cxn modelId="{2A52874D-3F1C-4ABF-87B3-B6B41179BC9F}" type="presOf" srcId="{292C70A3-A970-43EC-84D9-E4E9B81AA2A5}" destId="{4B04598E-490B-4391-AEDC-BA254843D353}" srcOrd="0" destOrd="1" presId="urn:microsoft.com/office/officeart/2005/8/layout/vList2"/>
+    <dgm:cxn modelId="{A5BB5A66-4500-4557-9996-A69B01FFAD4B}" srcId="{3ABED481-AFA0-4A23-A82B-33EEEE5757AD}" destId="{77A13185-F30B-4B39-AE4B-7A6CE41B59A0}" srcOrd="3" destOrd="0" parTransId="{E7BE850B-37DD-4E5B-A7FC-2F7359B823AE}" sibTransId="{F86588FA-F3EB-48D2-B7EE-513A1BA634C7}"/>
+    <dgm:cxn modelId="{91341A70-9EE2-421D-B739-EDDA8BD0AC04}" srcId="{3ABED481-AFA0-4A23-A82B-33EEEE5757AD}" destId="{47771F1E-CE8C-4A61-BC38-ABC5A85E3122}" srcOrd="2" destOrd="0" parTransId="{18471378-5ED5-49F2-AED7-9ECEB418B576}" sibTransId="{AD6EC848-526A-46CF-8FE3-0F51A4BE110E}"/>
+    <dgm:cxn modelId="{48AD5D76-92EC-49D4-AAAB-F51A3437052E}" type="presOf" srcId="{55B25D96-2D21-47AD-8638-E3F1A5AE2112}" destId="{4B04598E-490B-4391-AEDC-BA254843D353}" srcOrd="0" destOrd="2" presId="urn:microsoft.com/office/officeart/2005/8/layout/vList2"/>
+    <dgm:cxn modelId="{B33DE377-8977-48F4-A686-7EAE3C80910E}" type="presOf" srcId="{8F2F7E8E-D7F5-4953-9311-06E890B4B2D2}" destId="{4EAFDB41-14F9-4E85-8CB2-58892103B849}" srcOrd="0" destOrd="0" presId="urn:microsoft.com/office/officeart/2005/8/layout/vList2"/>
+    <dgm:cxn modelId="{56503080-1E17-49A0-AC9B-81BD892AB87F}" type="presOf" srcId="{0890DC44-3197-4140-A214-8CD96ECBB706}" destId="{4B04598E-490B-4391-AEDC-BA254843D353}" srcOrd="0" destOrd="3" presId="urn:microsoft.com/office/officeart/2005/8/layout/vList2"/>
+    <dgm:cxn modelId="{46C1D58C-0DC9-4141-A46C-9DFADFFAF42C}" srcId="{BDDCCAB8-FB37-49BC-A5BF-B70B673201DB}" destId="{3ABED481-AFA0-4A23-A82B-33EEEE5757AD}" srcOrd="1" destOrd="0" parTransId="{30E15229-0764-4FA5-9A93-4D39249630E3}" sibTransId="{091AB744-1D6C-4D93-96BF-BE330998E8BA}"/>
+    <dgm:cxn modelId="{A75C1298-AD40-4FE7-B66E-19730224F1FD}" type="presOf" srcId="{9F453A0C-C248-4394-AC10-453A87BB339C}" destId="{4EAFDB41-14F9-4E85-8CB2-58892103B849}" srcOrd="0" destOrd="1" presId="urn:microsoft.com/office/officeart/2005/8/layout/vList2"/>
+    <dgm:cxn modelId="{EA540699-C3A5-42C1-B32C-9E74A2D23706}" srcId="{53CEC0E8-97B5-4C1F-87AF-2E70C6F84EC3}" destId="{292C70A3-A970-43EC-84D9-E4E9B81AA2A5}" srcOrd="1" destOrd="0" parTransId="{1EED8005-CF38-493D-A27A-0E3A4B320892}" sibTransId="{3EFDD755-9C65-49FA-87AC-AB54792F0C97}"/>
     <dgm:cxn modelId="{0B00AAAB-2E4D-49FB-B128-F9B25B00E142}" type="presOf" srcId="{BDDCCAB8-FB37-49BC-A5BF-B70B673201DB}" destId="{1275BEDC-9766-49CE-93E4-F3BE33EA7A2E}" srcOrd="0" destOrd="0" presId="urn:microsoft.com/office/officeart/2005/8/layout/vList2"/>
-    <dgm:cxn modelId="{1709CF31-9FDF-4E22-8DF8-51617D179187}" type="presOf" srcId="{47771F1E-CE8C-4A61-BC38-ABC5A85E3122}" destId="{4EAFDB41-14F9-4E85-8CB2-58892103B849}" srcOrd="0" destOrd="2" presId="urn:microsoft.com/office/officeart/2005/8/layout/vList2"/>
-    <dgm:cxn modelId="{528CEF13-6AFF-46E7-A87E-B871D9BCA1A0}" type="presOf" srcId="{3ABED481-AFA0-4A23-A82B-33EEEE5757AD}" destId="{423A27E0-D392-4C08-94FF-62F4AB278C05}" srcOrd="0" destOrd="0" presId="urn:microsoft.com/office/officeart/2005/8/layout/vList2"/>
-    <dgm:cxn modelId="{48AD5D76-92EC-49D4-AAAB-F51A3437052E}" type="presOf" srcId="{55B25D96-2D21-47AD-8638-E3F1A5AE2112}" destId="{4B04598E-490B-4391-AEDC-BA254843D353}" srcOrd="0" destOrd="2" presId="urn:microsoft.com/office/officeart/2005/8/layout/vList2"/>
+    <dgm:cxn modelId="{B6F5CFBC-F541-4DFA-83E7-31DEECA7ED66}" type="presOf" srcId="{C4F9D335-4914-42C1-B50C-32C723E660EC}" destId="{4EAFDB41-14F9-4E85-8CB2-58892103B849}" srcOrd="0" destOrd="4" presId="urn:microsoft.com/office/officeart/2005/8/layout/vList2"/>
+    <dgm:cxn modelId="{B8880ACD-29A4-489D-BD4A-52F4AADF3C48}" srcId="{3ABED481-AFA0-4A23-A82B-33EEEE5757AD}" destId="{8F2F7E8E-D7F5-4953-9311-06E890B4B2D2}" srcOrd="0" destOrd="0" parTransId="{31BBB85E-6852-4057-B564-6C21B785DC36}" sibTransId="{8925D85F-EE7F-4398-866D-560077C2D8C2}"/>
+    <dgm:cxn modelId="{049A33DA-1B69-4378-927C-30882AC2B9B0}" type="presOf" srcId="{53CEC0E8-97B5-4C1F-87AF-2E70C6F84EC3}" destId="{AB52C397-E932-4545-A33C-B511597A7E65}" srcOrd="0" destOrd="0" presId="urn:microsoft.com/office/officeart/2005/8/layout/vList2"/>
+    <dgm:cxn modelId="{914661E7-1E54-4AA3-9F59-97BFA37D6610}" type="presOf" srcId="{77A13185-F30B-4B39-AE4B-7A6CE41B59A0}" destId="{4EAFDB41-14F9-4E85-8CB2-58892103B849}" srcOrd="0" destOrd="3" presId="urn:microsoft.com/office/officeart/2005/8/layout/vList2"/>
+    <dgm:cxn modelId="{3C6DFAEA-6343-4473-BDE1-E65C1A45E79A}" type="presOf" srcId="{486B4AA5-0F5C-46CD-91BA-D11264D37F0A}" destId="{4B04598E-490B-4391-AEDC-BA254843D353}" srcOrd="0" destOrd="0" presId="urn:microsoft.com/office/officeart/2005/8/layout/vList2"/>
+    <dgm:cxn modelId="{7CEF61F8-55CF-4C77-BACB-80E76E862350}" srcId="{53CEC0E8-97B5-4C1F-87AF-2E70C6F84EC3}" destId="{0890DC44-3197-4140-A214-8CD96ECBB706}" srcOrd="3" destOrd="0" parTransId="{B9BEB5D8-E142-43AB-98BE-EC155C74D92C}" sibTransId="{9CB9BEF2-68EC-478A-8913-59AD5781AF35}"/>
     <dgm:cxn modelId="{1BF9E9FC-B1A8-480A-A87C-A98F992B8C06}" srcId="{53CEC0E8-97B5-4C1F-87AF-2E70C6F84EC3}" destId="{486B4AA5-0F5C-46CD-91BA-D11264D37F0A}" srcOrd="0" destOrd="0" parTransId="{9D7F67C3-CBE1-4BC6-9E3E-FB1691B3C05C}" sibTransId="{5EF2A8CC-B075-4808-A577-DFA240825A2F}"/>
-    <dgm:cxn modelId="{56503080-1E17-49A0-AC9B-81BD892AB87F}" type="presOf" srcId="{0890DC44-3197-4140-A214-8CD96ECBB706}" destId="{4B04598E-490B-4391-AEDC-BA254843D353}" srcOrd="0" destOrd="3" presId="urn:microsoft.com/office/officeart/2005/8/layout/vList2"/>
-    <dgm:cxn modelId="{A75C1298-AD40-4FE7-B66E-19730224F1FD}" type="presOf" srcId="{9F453A0C-C248-4394-AC10-453A87BB339C}" destId="{4EAFDB41-14F9-4E85-8CB2-58892103B849}" srcOrd="0" destOrd="1" presId="urn:microsoft.com/office/officeart/2005/8/layout/vList2"/>
-    <dgm:cxn modelId="{91341A70-9EE2-421D-B739-EDDA8BD0AC04}" srcId="{3ABED481-AFA0-4A23-A82B-33EEEE5757AD}" destId="{47771F1E-CE8C-4A61-BC38-ABC5A85E3122}" srcOrd="2" destOrd="0" parTransId="{18471378-5ED5-49F2-AED7-9ECEB418B576}" sibTransId="{AD6EC848-526A-46CF-8FE3-0F51A4BE110E}"/>
-    <dgm:cxn modelId="{049A33DA-1B69-4378-927C-30882AC2B9B0}" type="presOf" srcId="{53CEC0E8-97B5-4C1F-87AF-2E70C6F84EC3}" destId="{AB52C397-E932-4545-A33C-B511597A7E65}" srcOrd="0" destOrd="0" presId="urn:microsoft.com/office/officeart/2005/8/layout/vList2"/>
-    <dgm:cxn modelId="{46C1D58C-0DC9-4141-A46C-9DFADFFAF42C}" srcId="{BDDCCAB8-FB37-49BC-A5BF-B70B673201DB}" destId="{3ABED481-AFA0-4A23-A82B-33EEEE5757AD}" srcOrd="1" destOrd="0" parTransId="{30E15229-0764-4FA5-9A93-4D39249630E3}" sibTransId="{091AB744-1D6C-4D93-96BF-BE330998E8BA}"/>
-    <dgm:cxn modelId="{2A52874D-3F1C-4ABF-87B3-B6B41179BC9F}" type="presOf" srcId="{292C70A3-A970-43EC-84D9-E4E9B81AA2A5}" destId="{4B04598E-490B-4391-AEDC-BA254843D353}" srcOrd="0" destOrd="1" presId="urn:microsoft.com/office/officeart/2005/8/layout/vList2"/>
-    <dgm:cxn modelId="{43A9634B-B3DF-441C-86C5-098E58070B65}" srcId="{3ABED481-AFA0-4A23-A82B-33EEEE5757AD}" destId="{9F453A0C-C248-4394-AC10-453A87BB339C}" srcOrd="1" destOrd="0" parTransId="{4F61B0FE-0878-44FC-83E4-48DC5E69356D}" sibTransId="{4730025B-1CB2-40FF-B057-3F64A7651D96}"/>
-    <dgm:cxn modelId="{914661E7-1E54-4AA3-9F59-97BFA37D6610}" type="presOf" srcId="{77A13185-F30B-4B39-AE4B-7A6CE41B59A0}" destId="{4EAFDB41-14F9-4E85-8CB2-58892103B849}" srcOrd="0" destOrd="3" presId="urn:microsoft.com/office/officeart/2005/8/layout/vList2"/>
-    <dgm:cxn modelId="{7CEF61F8-55CF-4C77-BACB-80E76E862350}" srcId="{53CEC0E8-97B5-4C1F-87AF-2E70C6F84EC3}" destId="{0890DC44-3197-4140-A214-8CD96ECBB706}" srcOrd="3" destOrd="0" parTransId="{B9BEB5D8-E142-43AB-98BE-EC155C74D92C}" sibTransId="{9CB9BEF2-68EC-478A-8913-59AD5781AF35}"/>
-    <dgm:cxn modelId="{EA540699-C3A5-42C1-B32C-9E74A2D23706}" srcId="{53CEC0E8-97B5-4C1F-87AF-2E70C6F84EC3}" destId="{292C70A3-A970-43EC-84D9-E4E9B81AA2A5}" srcOrd="1" destOrd="0" parTransId="{1EED8005-CF38-493D-A27A-0E3A4B320892}" sibTransId="{3EFDD755-9C65-49FA-87AC-AB54792F0C97}"/>
-    <dgm:cxn modelId="{B33DE377-8977-48F4-A686-7EAE3C80910E}" type="presOf" srcId="{8F2F7E8E-D7F5-4953-9311-06E890B4B2D2}" destId="{4EAFDB41-14F9-4E85-8CB2-58892103B849}" srcOrd="0" destOrd="0" presId="urn:microsoft.com/office/officeart/2005/8/layout/vList2"/>
-    <dgm:cxn modelId="{D1407500-09E9-40A3-813B-46D78E3BA330}" srcId="{53CEC0E8-97B5-4C1F-87AF-2E70C6F84EC3}" destId="{55B25D96-2D21-47AD-8638-E3F1A5AE2112}" srcOrd="2" destOrd="0" parTransId="{592C4685-A85F-4307-A5FC-FD76FC9BB7AD}" sibTransId="{84469BCA-2066-41E7-9634-513B7EDBFD75}"/>
-    <dgm:cxn modelId="{B6F5CFBC-F541-4DFA-83E7-31DEECA7ED66}" type="presOf" srcId="{C4F9D335-4914-42C1-B50C-32C723E660EC}" destId="{4EAFDB41-14F9-4E85-8CB2-58892103B849}" srcOrd="0" destOrd="4" presId="urn:microsoft.com/office/officeart/2005/8/layout/vList2"/>
-    <dgm:cxn modelId="{5D7A0A05-732B-41B0-B45B-3E472D8E3BA6}" srcId="{3ABED481-AFA0-4A23-A82B-33EEEE5757AD}" destId="{C4F9D335-4914-42C1-B50C-32C723E660EC}" srcOrd="4" destOrd="0" parTransId="{54613E67-89DB-446C-8C60-2372AADE02F8}" sibTransId="{702DB4D9-DFAA-4B74-8164-BC87B938FB8C}"/>
-    <dgm:cxn modelId="{B8880ACD-29A4-489D-BD4A-52F4AADF3C48}" srcId="{3ABED481-AFA0-4A23-A82B-33EEEE5757AD}" destId="{8F2F7E8E-D7F5-4953-9311-06E890B4B2D2}" srcOrd="0" destOrd="0" parTransId="{31BBB85E-6852-4057-B564-6C21B785DC36}" sibTransId="{8925D85F-EE7F-4398-866D-560077C2D8C2}"/>
-    <dgm:cxn modelId="{3C6DFAEA-6343-4473-BDE1-E65C1A45E79A}" type="presOf" srcId="{486B4AA5-0F5C-46CD-91BA-D11264D37F0A}" destId="{4B04598E-490B-4391-AEDC-BA254843D353}" srcOrd="0" destOrd="0" presId="urn:microsoft.com/office/officeart/2005/8/layout/vList2"/>
-    <dgm:cxn modelId="{A5BB5A66-4500-4557-9996-A69B01FFAD4B}" srcId="{3ABED481-AFA0-4A23-A82B-33EEEE5757AD}" destId="{77A13185-F30B-4B39-AE4B-7A6CE41B59A0}" srcOrd="3" destOrd="0" parTransId="{E7BE850B-37DD-4E5B-A7FC-2F7359B823AE}" sibTransId="{F86588FA-F3EB-48D2-B7EE-513A1BA634C7}"/>
-    <dgm:cxn modelId="{9621CD0C-C2A1-4C59-B934-CE5E234396F5}" srcId="{BDDCCAB8-FB37-49BC-A5BF-B70B673201DB}" destId="{53CEC0E8-97B5-4C1F-87AF-2E70C6F84EC3}" srcOrd="0" destOrd="0" parTransId="{AE304E3B-C8B1-4CCD-A492-5D2B3449429D}" sibTransId="{2DF17C94-2A66-48A3-8EC1-9A297F2026EA}"/>
     <dgm:cxn modelId="{73BA58B7-D520-4FA1-A5CA-E3363420B60F}" type="presParOf" srcId="{1275BEDC-9766-49CE-93E4-F3BE33EA7A2E}" destId="{AB52C397-E932-4545-A33C-B511597A7E65}" srcOrd="0" destOrd="0" presId="urn:microsoft.com/office/officeart/2005/8/layout/vList2"/>
     <dgm:cxn modelId="{E5657085-DDDB-4829-A312-F3E6AF312F90}" type="presParOf" srcId="{1275BEDC-9766-49CE-93E4-F3BE33EA7A2E}" destId="{4B04598E-490B-4391-AEDC-BA254843D353}" srcOrd="1" destOrd="0" presId="urn:microsoft.com/office/officeart/2005/8/layout/vList2"/>
     <dgm:cxn modelId="{1BCA81E6-1D60-4C35-A7B6-6DEA2CA368F7}" type="presParOf" srcId="{1275BEDC-9766-49CE-93E4-F3BE33EA7A2E}" destId="{423A27E0-D392-4C08-94FF-62F4AB278C05}" srcOrd="2" destOrd="0" presId="urn:microsoft.com/office/officeart/2005/8/layout/vList2"/>
@@ -6497,7 +6285,7 @@
         </a:bodyPr>
         <a:lstStyle/>
         <a:p>
-          <a:pPr lvl="0" algn="l" defTabSz="1289050" rtl="0">
+          <a:pPr marL="0" lvl="0" indent="0" algn="l" defTabSz="1289050" rtl="0">
             <a:lnSpc>
               <a:spcPct val="90000"/>
             </a:lnSpc>
@@ -6507,9 +6295,10 @@
             <a:spcAft>
               <a:spcPct val="35000"/>
             </a:spcAft>
+            <a:buNone/>
           </a:pPr>
           <a:r>
-            <a:rPr lang="en-GB" sz="2900" kern="1200" dirty="0" smtClean="0">
+            <a:rPr lang="en-GB" sz="2900" kern="1200" dirty="0">
               <a:solidFill>
                 <a:schemeClr val="accent4"/>
               </a:solidFill>
@@ -6518,14 +6307,11 @@
             <a:t>for</a:t>
           </a:r>
           <a:r>
-            <a:rPr lang="en-GB" sz="2900" kern="1200" dirty="0" smtClean="0">
+            <a:rPr lang="en-GB" sz="2900" kern="1200" dirty="0">
               <a:latin typeface="Consolas" panose="020B0609020204030204" pitchFamily="49" charset="0"/>
             </a:rPr>
             <a:t> part = 1:</a:t>
           </a:r>
-          <a:endParaRPr lang="en-GB" sz="2900" kern="1200" dirty="0">
-            <a:latin typeface="Consolas" panose="020B0609020204030204" pitchFamily="49" charset="0"/>
-          </a:endParaRPr>
         </a:p>
       </dsp:txBody>
       <dsp:txXfrm>
@@ -6580,29 +6366,26 @@
             <a:spcAft>
               <a:spcPct val="20000"/>
             </a:spcAft>
-            <a:buChar char="••"/>
+            <a:buChar char="•"/>
           </a:pPr>
           <a:r>
-            <a:rPr lang="en-GB" sz="2300" kern="1200" dirty="0" smtClean="0">
+            <a:rPr lang="en-GB" sz="2300" kern="1200" dirty="0">
               <a:latin typeface="Consolas" panose="020B0609020204030204" pitchFamily="49" charset="0"/>
             </a:rPr>
             <a:t>Download and install </a:t>
           </a:r>
           <a:r>
-            <a:rPr lang="en-GB" sz="2300" kern="1200" dirty="0" err="1" smtClean="0">
+            <a:rPr lang="en-GB" sz="2300" kern="1200" dirty="0" err="1">
               <a:latin typeface="Consolas" panose="020B0609020204030204" pitchFamily="49" charset="0"/>
             </a:rPr>
             <a:t>Spyder</a:t>
           </a:r>
           <a:r>
-            <a:rPr lang="en-GB" sz="2300" kern="1200" dirty="0" smtClean="0">
+            <a:rPr lang="en-GB" sz="2300" kern="1200" dirty="0">
               <a:latin typeface="Consolas" panose="020B0609020204030204" pitchFamily="49" charset="0"/>
             </a:rPr>
             <a:t> (normally installed with Anaconda, already done in Tom’s practical)</a:t>
           </a:r>
-          <a:endParaRPr lang="en-GB" sz="2300" kern="1200" dirty="0">
-            <a:latin typeface="Consolas" panose="020B0609020204030204" pitchFamily="49" charset="0"/>
-          </a:endParaRPr>
         </a:p>
         <a:p>
           <a:pPr marL="228600" lvl="1" indent="-228600" algn="l" defTabSz="1022350" rtl="0">
@@ -6615,7 +6398,7 @@
             <a:spcAft>
               <a:spcPct val="20000"/>
             </a:spcAft>
-            <a:buChar char="••"/>
+            <a:buChar char="•"/>
           </a:pPr>
           <a:endParaRPr lang="en-GB" sz="2300" kern="1200" dirty="0">
             <a:latin typeface="Consolas" panose="020B0609020204030204" pitchFamily="49" charset="0"/>
@@ -6681,7 +6464,7 @@
         </a:bodyPr>
         <a:lstStyle/>
         <a:p>
-          <a:pPr lvl="0" algn="l" defTabSz="1289050" rtl="0">
+          <a:pPr marL="0" lvl="0" indent="0" algn="l" defTabSz="1289050" rtl="0">
             <a:lnSpc>
               <a:spcPct val="90000"/>
             </a:lnSpc>
@@ -6691,9 +6474,10 @@
             <a:spcAft>
               <a:spcPct val="35000"/>
             </a:spcAft>
+            <a:buNone/>
           </a:pPr>
           <a:r>
-            <a:rPr lang="en-GB" sz="2900" kern="1200" dirty="0" smtClean="0">
+            <a:rPr lang="en-GB" sz="2900" kern="1200" dirty="0">
               <a:solidFill>
                 <a:schemeClr val="accent4"/>
               </a:solidFill>
@@ -6702,14 +6486,11 @@
             <a:t>for</a:t>
           </a:r>
           <a:r>
-            <a:rPr lang="en-GB" sz="2900" kern="1200" dirty="0" smtClean="0">
+            <a:rPr lang="en-GB" sz="2900" kern="1200" dirty="0">
               <a:latin typeface="Consolas" panose="020B0609020204030204" pitchFamily="49" charset="0"/>
             </a:rPr>
             <a:t> part = 2:</a:t>
           </a:r>
-          <a:endParaRPr lang="en-GB" sz="2900" kern="1200" dirty="0">
-            <a:latin typeface="Consolas" panose="020B0609020204030204" pitchFamily="49" charset="0"/>
-          </a:endParaRPr>
         </a:p>
       </dsp:txBody>
       <dsp:txXfrm>
@@ -6764,41 +6545,38 @@
             <a:spcAft>
               <a:spcPct val="20000"/>
             </a:spcAft>
-            <a:buChar char="••"/>
+            <a:buChar char="•"/>
           </a:pPr>
           <a:r>
-            <a:rPr lang="en-GB" sz="2300" kern="1200" dirty="0" smtClean="0">
+            <a:rPr lang="en-GB" sz="2300" kern="1200" dirty="0">
               <a:latin typeface="Consolas" panose="020B0609020204030204" pitchFamily="49" charset="0"/>
             </a:rPr>
             <a:t>Load </a:t>
           </a:r>
           <a:r>
-            <a:rPr lang="en-GB" sz="2300" kern="1200" dirty="0" err="1" smtClean="0">
+            <a:rPr lang="en-GB" sz="2300" kern="1200" dirty="0" err="1">
               <a:latin typeface="Consolas" panose="020B0609020204030204" pitchFamily="49" charset="0"/>
             </a:rPr>
             <a:t>Jupyter</a:t>
           </a:r>
           <a:r>
-            <a:rPr lang="en-GB" sz="2300" kern="1200" dirty="0" smtClean="0">
+            <a:rPr lang="en-GB" sz="2300" kern="1200" dirty="0">
               <a:latin typeface="Consolas" panose="020B0609020204030204" pitchFamily="49" charset="0"/>
             </a:rPr>
             <a:t> lab (or </a:t>
           </a:r>
           <a:r>
-            <a:rPr lang="en-GB" sz="2300" kern="1200" dirty="0" err="1" smtClean="0">
+            <a:rPr lang="en-GB" sz="2300" kern="1200" dirty="0" err="1">
               <a:latin typeface="Consolas" panose="020B0609020204030204" pitchFamily="49" charset="0"/>
             </a:rPr>
             <a:t>Jupyter</a:t>
           </a:r>
           <a:r>
-            <a:rPr lang="en-GB" sz="2300" kern="1200" dirty="0" smtClean="0">
+            <a:rPr lang="en-GB" sz="2300" kern="1200" dirty="0">
               <a:latin typeface="Consolas" panose="020B0609020204030204" pitchFamily="49" charset="0"/>
             </a:rPr>
             <a:t> notebook)</a:t>
           </a:r>
-          <a:endParaRPr lang="en-GB" sz="2300" kern="1200" dirty="0">
-            <a:latin typeface="Consolas" panose="020B0609020204030204" pitchFamily="49" charset="0"/>
-          </a:endParaRPr>
         </a:p>
         <a:p>
           <a:pPr marL="228600" lvl="1" indent="-228600" algn="l" defTabSz="1022350" rtl="0">
@@ -6811,17 +6589,14 @@
             <a:spcAft>
               <a:spcPct val="20000"/>
             </a:spcAft>
-            <a:buChar char="••"/>
+            <a:buChar char="•"/>
           </a:pPr>
           <a:r>
-            <a:rPr lang="en-GB" sz="2300" kern="1200" dirty="0" smtClean="0">
+            <a:rPr lang="en-GB" sz="2300" kern="1200" dirty="0">
               <a:latin typeface="Consolas" panose="020B0609020204030204" pitchFamily="49" charset="0"/>
             </a:rPr>
             <a:t>Create a GitHub account (if done with @cam.ac.uk email you get PRO features)</a:t>
           </a:r>
-          <a:endParaRPr lang="en-GB" sz="2300" kern="1200" dirty="0">
-            <a:latin typeface="Consolas" panose="020B0609020204030204" pitchFamily="49" charset="0"/>
-          </a:endParaRPr>
         </a:p>
         <a:p>
           <a:pPr marL="228600" lvl="1" indent="-228600" algn="l" defTabSz="1022350" rtl="0">
@@ -6834,17 +6609,14 @@
             <a:spcAft>
               <a:spcPct val="20000"/>
             </a:spcAft>
-            <a:buChar char="••"/>
+            <a:buChar char="•"/>
           </a:pPr>
           <a:r>
-            <a:rPr lang="en-GB" sz="2300" kern="1200" dirty="0" smtClean="0">
+            <a:rPr lang="en-GB" sz="2300" kern="1200" dirty="0">
               <a:latin typeface="Consolas" panose="020B0609020204030204" pitchFamily="49" charset="0"/>
             </a:rPr>
             <a:t>Download GitHub desktop and log in with your username</a:t>
           </a:r>
-          <a:endParaRPr lang="en-GB" sz="2300" kern="1200" dirty="0">
-            <a:latin typeface="Consolas" panose="020B0609020204030204" pitchFamily="49" charset="0"/>
-          </a:endParaRPr>
         </a:p>
       </dsp:txBody>
       <dsp:txXfrm>
@@ -6918,7 +6690,7 @@
         </a:bodyPr>
         <a:lstStyle/>
         <a:p>
-          <a:pPr lvl="0" algn="l" defTabSz="1200150" rtl="0">
+          <a:pPr marL="0" lvl="0" indent="0" algn="l" defTabSz="1200150" rtl="0">
             <a:lnSpc>
               <a:spcPct val="90000"/>
             </a:lnSpc>
@@ -6928,12 +6700,12 @@
             <a:spcAft>
               <a:spcPct val="35000"/>
             </a:spcAft>
+            <a:buNone/>
           </a:pPr>
           <a:r>
-            <a:rPr lang="en-GB" sz="2700" kern="1200" smtClean="0"/>
+            <a:rPr lang="en-GB" sz="2700" kern="1200"/>
             <a:t>Packages used</a:t>
           </a:r>
-          <a:endParaRPr lang="en-GB" sz="2700" kern="1200"/>
         </a:p>
       </dsp:txBody>
       <dsp:txXfrm>
@@ -6988,10 +6760,10 @@
             <a:spcAft>
               <a:spcPct val="20000"/>
             </a:spcAft>
-            <a:buChar char="••"/>
+            <a:buChar char="•"/>
           </a:pPr>
           <a:r>
-            <a:rPr lang="en-US" sz="2100" kern="1200" dirty="0" err="1" smtClean="0"/>
+            <a:rPr lang="en-US" sz="2100" kern="1200" dirty="0" err="1"/>
             <a:t>sklearn.linear_model</a:t>
           </a:r>
           <a:endParaRPr lang="en-GB" sz="2100" kern="1200" dirty="0"/>
@@ -7007,13 +6779,12 @@
             <a:spcAft>
               <a:spcPct val="20000"/>
             </a:spcAft>
-            <a:buChar char="••"/>
+            <a:buChar char="•"/>
           </a:pPr>
           <a:r>
-            <a:rPr lang="en-GB" sz="2100" kern="1200" dirty="0" smtClean="0"/>
+            <a:rPr lang="en-GB" sz="2100" kern="1200" dirty="0"/>
             <a:t>pandas</a:t>
           </a:r>
-          <a:endParaRPr lang="en-GB" sz="2100" kern="1200" dirty="0"/>
         </a:p>
         <a:p>
           <a:pPr marL="228600" lvl="1" indent="-228600" algn="l" defTabSz="933450" rtl="0">
@@ -7026,7 +6797,7 @@
             <a:spcAft>
               <a:spcPct val="20000"/>
             </a:spcAft>
-            <a:buChar char="••"/>
+            <a:buChar char="•"/>
           </a:pPr>
           <a:endParaRPr lang="en-GB" sz="2100" kern="1200" dirty="0"/>
         </a:p>
@@ -7041,7 +6812,7 @@
             <a:spcAft>
               <a:spcPct val="20000"/>
             </a:spcAft>
-            <a:buChar char="••"/>
+            <a:buChar char="•"/>
           </a:pPr>
           <a:endParaRPr lang="en-GB" sz="2100" kern="1200" dirty="0"/>
         </a:p>
@@ -7105,7 +6876,7 @@
         </a:bodyPr>
         <a:lstStyle/>
         <a:p>
-          <a:pPr lvl="0" algn="l" defTabSz="1200150" rtl="0">
+          <a:pPr marL="0" lvl="0" indent="0" algn="l" defTabSz="1200150" rtl="0">
             <a:lnSpc>
               <a:spcPct val="90000"/>
             </a:lnSpc>
@@ -7115,12 +6886,12 @@
             <a:spcAft>
               <a:spcPct val="35000"/>
             </a:spcAft>
+            <a:buNone/>
           </a:pPr>
           <a:r>
-            <a:rPr lang="en-GB" sz="2700" kern="1200" smtClean="0"/>
+            <a:rPr lang="en-GB" sz="2700" kern="1200"/>
             <a:t>Tutorials</a:t>
           </a:r>
-          <a:endParaRPr lang="en-GB" sz="2700" kern="1200"/>
         </a:p>
       </dsp:txBody>
       <dsp:txXfrm>
@@ -7175,13 +6946,12 @@
             <a:spcAft>
               <a:spcPct val="20000"/>
             </a:spcAft>
-            <a:buChar char="••"/>
+            <a:buChar char="•"/>
           </a:pPr>
           <a:r>
-            <a:rPr lang="en-GB" sz="2100" kern="1200" dirty="0" smtClean="0"/>
+            <a:rPr lang="en-GB" sz="2100" kern="1200" dirty="0"/>
             <a:t>Fitting different arbitrary models to model historical temperature in Cambridge and predict future temperature</a:t>
           </a:r>
-          <a:endParaRPr lang="en-GB" sz="2100" kern="1200" dirty="0"/>
         </a:p>
         <a:p>
           <a:pPr marL="228600" lvl="1" indent="-228600" algn="l" defTabSz="933450" rtl="0">
@@ -7194,13 +6964,12 @@
             <a:spcAft>
               <a:spcPct val="20000"/>
             </a:spcAft>
-            <a:buChar char="••"/>
+            <a:buChar char="•"/>
           </a:pPr>
           <a:r>
-            <a:rPr lang="en-GB" sz="2100" kern="1200" dirty="0" smtClean="0"/>
+            <a:rPr lang="en-GB" sz="2100" kern="1200" dirty="0"/>
             <a:t>Manual fitting</a:t>
           </a:r>
-          <a:endParaRPr lang="en-GB" sz="2100" kern="1200" dirty="0"/>
         </a:p>
         <a:p>
           <a:pPr marL="228600" lvl="1" indent="-228600" algn="l" defTabSz="933450" rtl="0">
@@ -7213,13 +6982,12 @@
             <a:spcAft>
               <a:spcPct val="20000"/>
             </a:spcAft>
-            <a:buChar char="••"/>
+            <a:buChar char="•"/>
           </a:pPr>
           <a:r>
-            <a:rPr lang="en-GB" sz="2100" kern="1200" dirty="0" smtClean="0"/>
+            <a:rPr lang="en-GB" sz="2100" kern="1200" dirty="0"/>
             <a:t>Sinusoidal fitting</a:t>
           </a:r>
-          <a:endParaRPr lang="en-GB" sz="2100" kern="1200" dirty="0"/>
         </a:p>
         <a:p>
           <a:pPr marL="228600" lvl="1" indent="-228600" algn="l" defTabSz="933450" rtl="0">
@@ -7232,13 +7000,12 @@
             <a:spcAft>
               <a:spcPct val="20000"/>
             </a:spcAft>
-            <a:buChar char="••"/>
+            <a:buChar char="•"/>
           </a:pPr>
           <a:r>
-            <a:rPr lang="en-GB" sz="2100" kern="1200" dirty="0" smtClean="0"/>
+            <a:rPr lang="en-GB" sz="2100" kern="1200" dirty="0"/>
             <a:t>Secular fitting</a:t>
           </a:r>
-          <a:endParaRPr lang="en-GB" sz="2100" kern="1200" dirty="0"/>
         </a:p>
         <a:p>
           <a:pPr marL="228600" lvl="1" indent="-228600" algn="l" defTabSz="933450" rtl="0">
@@ -7251,13 +7018,12 @@
             <a:spcAft>
               <a:spcPct val="20000"/>
             </a:spcAft>
-            <a:buChar char="••"/>
+            <a:buChar char="•"/>
           </a:pPr>
           <a:r>
-            <a:rPr lang="en-GB" sz="2100" kern="1200" dirty="0" smtClean="0"/>
+            <a:rPr lang="en-GB" sz="2100" kern="1200" dirty="0"/>
             <a:t>Error analysis and parameter space interpretation</a:t>
           </a:r>
-          <a:endParaRPr lang="en-GB" sz="2100" kern="1200" dirty="0"/>
         </a:p>
       </dsp:txBody>
       <dsp:txXfrm>
@@ -7331,7 +7097,7 @@
         </a:bodyPr>
         <a:lstStyle/>
         <a:p>
-          <a:pPr lvl="0" algn="l" defTabSz="844550" rtl="0">
+          <a:pPr marL="0" lvl="0" indent="0" algn="l" defTabSz="844550" rtl="0">
             <a:lnSpc>
               <a:spcPct val="90000"/>
             </a:lnSpc>
@@ -7341,12 +7107,12 @@
             <a:spcAft>
               <a:spcPct val="35000"/>
             </a:spcAft>
+            <a:buNone/>
           </a:pPr>
           <a:r>
-            <a:rPr lang="en-GB" sz="1900" kern="1200" smtClean="0"/>
+            <a:rPr lang="en-GB" sz="1900" kern="1200"/>
             <a:t>Packages used</a:t>
           </a:r>
-          <a:endParaRPr lang="en-GB" sz="1900" kern="1200"/>
         </a:p>
       </dsp:txBody>
       <dsp:txXfrm>
@@ -7401,13 +7167,12 @@
             <a:spcAft>
               <a:spcPct val="20000"/>
             </a:spcAft>
-            <a:buChar char="••"/>
+            <a:buChar char="•"/>
           </a:pPr>
           <a:r>
-            <a:rPr lang="en-GB" sz="1500" kern="1200" smtClean="0"/>
+            <a:rPr lang="en-GB" sz="1500" kern="1200"/>
             <a:t>Pandas (using dataframes == excel sheets for managing data)</a:t>
           </a:r>
-          <a:endParaRPr lang="en-GB" sz="1500" kern="1200"/>
         </a:p>
         <a:p>
           <a:pPr marL="114300" lvl="1" indent="-114300" algn="l" defTabSz="666750" rtl="0">
@@ -7420,17 +7185,16 @@
             <a:spcAft>
               <a:spcPct val="20000"/>
             </a:spcAft>
-            <a:buChar char="••"/>
+            <a:buChar char="•"/>
           </a:pPr>
           <a:r>
-            <a:rPr lang="en-GB" sz="1500" kern="1200" dirty="0" err="1" smtClean="0"/>
+            <a:rPr lang="en-GB" sz="1500" kern="1200" dirty="0" err="1"/>
             <a:t>Dask</a:t>
           </a:r>
           <a:r>
-            <a:rPr lang="en-GB" sz="1500" kern="1200" dirty="0" smtClean="0"/>
+            <a:rPr lang="en-GB" sz="1500" kern="1200" dirty="0"/>
             <a:t> (numpy for huge datasets)</a:t>
           </a:r>
-          <a:endParaRPr lang="en-GB" sz="1500" kern="1200" dirty="0"/>
         </a:p>
         <a:p>
           <a:pPr marL="114300" lvl="1" indent="-114300" algn="l" defTabSz="666750" rtl="0">
@@ -7443,17 +7207,16 @@
             <a:spcAft>
               <a:spcPct val="20000"/>
             </a:spcAft>
-            <a:buChar char="••"/>
+            <a:buChar char="•"/>
           </a:pPr>
           <a:r>
-            <a:rPr lang="en-GB" sz="1500" kern="1200" dirty="0" err="1" smtClean="0"/>
+            <a:rPr lang="en-GB" sz="1500" kern="1200" dirty="0" err="1"/>
             <a:t>Os</a:t>
           </a:r>
           <a:r>
-            <a:rPr lang="en-GB" sz="1500" kern="1200" dirty="0" smtClean="0"/>
+            <a:rPr lang="en-GB" sz="1500" kern="1200" dirty="0"/>
             <a:t> and Glob (internal batch management packages)</a:t>
           </a:r>
-          <a:endParaRPr lang="en-GB" sz="1500" kern="1200" dirty="0"/>
         </a:p>
         <a:p>
           <a:pPr marL="114300" lvl="1" indent="-114300" algn="l" defTabSz="666750" rtl="0">
@@ -7466,7 +7229,7 @@
             <a:spcAft>
               <a:spcPct val="20000"/>
             </a:spcAft>
-            <a:buChar char="••"/>
+            <a:buChar char="•"/>
           </a:pPr>
           <a:endParaRPr lang="en-GB" sz="1500" kern="1200" dirty="0"/>
         </a:p>
@@ -7481,7 +7244,7 @@
             <a:spcAft>
               <a:spcPct val="20000"/>
             </a:spcAft>
-            <a:buChar char="••"/>
+            <a:buChar char="•"/>
           </a:pPr>
           <a:endParaRPr lang="en-GB" sz="1500" kern="1200" dirty="0"/>
         </a:p>
@@ -7545,7 +7308,7 @@
         </a:bodyPr>
         <a:lstStyle/>
         <a:p>
-          <a:pPr lvl="0" algn="l" defTabSz="844550" rtl="0">
+          <a:pPr marL="0" lvl="0" indent="0" algn="l" defTabSz="844550" rtl="0">
             <a:lnSpc>
               <a:spcPct val="90000"/>
             </a:lnSpc>
@@ -7555,12 +7318,12 @@
             <a:spcAft>
               <a:spcPct val="35000"/>
             </a:spcAft>
+            <a:buNone/>
           </a:pPr>
           <a:r>
-            <a:rPr lang="en-GB" sz="1900" kern="1200" smtClean="0"/>
+            <a:rPr lang="en-GB" sz="1900" kern="1200"/>
             <a:t>Tutorials</a:t>
           </a:r>
-          <a:endParaRPr lang="en-GB" sz="1900" kern="1200"/>
         </a:p>
       </dsp:txBody>
       <dsp:txXfrm>
@@ -7615,13 +7378,12 @@
             <a:spcAft>
               <a:spcPct val="20000"/>
             </a:spcAft>
-            <a:buChar char="••"/>
+            <a:buChar char="•"/>
           </a:pPr>
           <a:r>
-            <a:rPr lang="en-GB" sz="1500" kern="1200" smtClean="0"/>
+            <a:rPr lang="en-GB" sz="1500" kern="1200"/>
             <a:t>Simple pre-processing techniques to reduce loaded data</a:t>
           </a:r>
-          <a:endParaRPr lang="en-GB" sz="1500" kern="1200"/>
         </a:p>
         <a:p>
           <a:pPr marL="228600" lvl="2" indent="-114300" algn="l" defTabSz="666750" rtl="0">
@@ -7634,13 +7396,12 @@
             <a:spcAft>
               <a:spcPct val="20000"/>
             </a:spcAft>
-            <a:buChar char="••"/>
+            <a:buChar char="•"/>
           </a:pPr>
           <a:r>
-            <a:rPr lang="en-GB" sz="1500" kern="1200" dirty="0" smtClean="0"/>
+            <a:rPr lang="en-GB" sz="1500" kern="1200" dirty="0"/>
             <a:t>Binning</a:t>
           </a:r>
-          <a:endParaRPr lang="en-GB" sz="1500" kern="1200" dirty="0"/>
         </a:p>
         <a:p>
           <a:pPr marL="228600" lvl="2" indent="-114300" algn="l" defTabSz="666750" rtl="0">
@@ -7653,13 +7414,12 @@
             <a:spcAft>
               <a:spcPct val="20000"/>
             </a:spcAft>
-            <a:buChar char="••"/>
+            <a:buChar char="•"/>
           </a:pPr>
           <a:r>
-            <a:rPr lang="en-GB" sz="1500" kern="1200" smtClean="0"/>
+            <a:rPr lang="en-GB" sz="1500" kern="1200"/>
             <a:t>Sampling (with pandas)</a:t>
           </a:r>
-          <a:endParaRPr lang="en-GB" sz="1500" kern="1200"/>
         </a:p>
         <a:p>
           <a:pPr marL="228600" lvl="2" indent="-114300" algn="l" defTabSz="666750" rtl="0">
@@ -7672,13 +7432,12 @@
             <a:spcAft>
               <a:spcPct val="20000"/>
             </a:spcAft>
-            <a:buChar char="••"/>
+            <a:buChar char="•"/>
           </a:pPr>
           <a:r>
-            <a:rPr lang="en-GB" sz="1500" kern="1200" smtClean="0"/>
+            <a:rPr lang="en-GB" sz="1500" kern="1200"/>
             <a:t>Lazy data (with dask)</a:t>
           </a:r>
-          <a:endParaRPr lang="en-GB" sz="1500" kern="1200"/>
         </a:p>
         <a:p>
           <a:pPr marL="114300" lvl="1" indent="-114300" algn="l" defTabSz="666750" rtl="0">
@@ -7691,13 +7450,12 @@
             <a:spcAft>
               <a:spcPct val="20000"/>
             </a:spcAft>
-            <a:buChar char="••"/>
+            <a:buChar char="•"/>
           </a:pPr>
           <a:r>
-            <a:rPr lang="en-GB" sz="1500" kern="1200" smtClean="0"/>
+            <a:rPr lang="en-GB" sz="1500" kern="1200"/>
             <a:t>Advanced tools to load large files</a:t>
           </a:r>
-          <a:endParaRPr lang="en-GB" sz="1500" kern="1200"/>
         </a:p>
         <a:p>
           <a:pPr marL="228600" lvl="2" indent="-114300" algn="l" defTabSz="666750" rtl="0">
@@ -7710,21 +7468,20 @@
             <a:spcAft>
               <a:spcPct val="20000"/>
             </a:spcAft>
-            <a:buChar char="••"/>
+            <a:buChar char="•"/>
           </a:pPr>
           <a:r>
-            <a:rPr lang="en-GB" sz="1500" kern="1200" dirty="0" smtClean="0"/>
+            <a:rPr lang="en-GB" sz="1500" kern="1200" dirty="0"/>
             <a:t>Using remote desktops/clusters with large RAM memories (e.g. Google </a:t>
           </a:r>
           <a:r>
-            <a:rPr lang="en-GB" sz="1500" kern="1200" dirty="0" err="1" smtClean="0"/>
+            <a:rPr lang="en-GB" sz="1500" kern="1200" dirty="0" err="1"/>
             <a:t>Colab</a:t>
           </a:r>
           <a:r>
-            <a:rPr lang="en-GB" sz="1500" kern="1200" dirty="0" smtClean="0"/>
+            <a:rPr lang="en-GB" sz="1500" kern="1200" dirty="0"/>
             <a:t> for machine learning projects)</a:t>
           </a:r>
-          <a:endParaRPr lang="en-GB" sz="1500" kern="1200" dirty="0"/>
         </a:p>
         <a:p>
           <a:pPr marL="228600" lvl="2" indent="-114300" algn="l" defTabSz="666750" rtl="0">
@@ -7737,30 +7494,30 @@
             <a:spcAft>
               <a:spcPct val="20000"/>
             </a:spcAft>
-            <a:buChar char="••"/>
+            <a:buChar char="•"/>
           </a:pPr>
           <a:r>
-            <a:rPr lang="en-GB" sz="1500" kern="1200" dirty="0" smtClean="0"/>
+            <a:rPr lang="en-GB" sz="1500" kern="1200" dirty="0"/>
             <a:t>Releasing memory in Python (tricky but doable in </a:t>
           </a:r>
           <a:r>
-            <a:rPr lang="en-GB" sz="1500" kern="1200" dirty="0" err="1" smtClean="0"/>
+            <a:rPr lang="en-GB" sz="1500" kern="1200" dirty="0" err="1"/>
             <a:t>iPython</a:t>
           </a:r>
           <a:r>
-            <a:rPr lang="en-GB" sz="1500" kern="1200" dirty="0" smtClean="0"/>
+            <a:rPr lang="en-GB" sz="1500" kern="1200" dirty="0"/>
             <a:t>/</a:t>
           </a:r>
           <a:r>
-            <a:rPr lang="en-GB" sz="1500" kern="1200" dirty="0" err="1" smtClean="0"/>
+            <a:rPr lang="en-GB" sz="1500" kern="1200" dirty="0" err="1"/>
             <a:t>Jupyter</a:t>
           </a:r>
           <a:r>
-            <a:rPr lang="en-GB" sz="1500" kern="1200" dirty="0" smtClean="0"/>
+            <a:rPr lang="en-GB" sz="1500" kern="1200" dirty="0"/>
             <a:t> notebooks using magic commands) to avoid </a:t>
           </a:r>
           <a:r>
-            <a:rPr lang="en-GB" sz="1500" i="1" kern="1200" dirty="0" err="1" smtClean="0"/>
+            <a:rPr lang="en-GB" sz="1500" i="1" kern="1200" dirty="0" err="1"/>
             <a:t>MemoryError</a:t>
           </a:r>
           <a:endParaRPr lang="en-GB" sz="1500" kern="1200" dirty="0"/>
@@ -7776,13 +7533,12 @@
             <a:spcAft>
               <a:spcPct val="20000"/>
             </a:spcAft>
-            <a:buChar char="••"/>
+            <a:buChar char="•"/>
           </a:pPr>
           <a:r>
-            <a:rPr lang="en-GB" sz="1500" kern="1200" dirty="0" smtClean="0"/>
+            <a:rPr lang="en-GB" sz="1500" kern="1200" dirty="0"/>
             <a:t>Loading multiple files at once.</a:t>
           </a:r>
-          <a:endParaRPr lang="en-GB" sz="1500" kern="1200" dirty="0"/>
         </a:p>
       </dsp:txBody>
       <dsp:txXfrm>
@@ -7888,7 +7644,7 @@
         </a:bodyPr>
         <a:lstStyle/>
         <a:p>
-          <a:pPr lvl="0" algn="l" defTabSz="933450">
+          <a:pPr marL="0" lvl="0" indent="0" algn="l" defTabSz="933450">
             <a:lnSpc>
               <a:spcPct val="90000"/>
             </a:lnSpc>
@@ -7898,14 +7654,15 @@
             <a:spcAft>
               <a:spcPct val="35000"/>
             </a:spcAft>
+            <a:buNone/>
           </a:pPr>
           <a:r>
-            <a:rPr lang="en-US" sz="2100" kern="1200" dirty="0" smtClean="0"/>
+            <a:rPr lang="en-US" sz="2100" kern="1200" dirty="0"/>
             <a:t>Quick to use</a:t>
           </a:r>
         </a:p>
         <a:p>
-          <a:pPr lvl="0" algn="l" defTabSz="933450">
+          <a:pPr marL="0" lvl="0" indent="0" algn="l" defTabSz="933450">
             <a:lnSpc>
               <a:spcPct val="90000"/>
             </a:lnSpc>
@@ -7915,14 +7672,15 @@
             <a:spcAft>
               <a:spcPct val="35000"/>
             </a:spcAft>
+            <a:buNone/>
           </a:pPr>
           <a:r>
-            <a:rPr lang="en-US" sz="2100" kern="1200" dirty="0" smtClean="0"/>
+            <a:rPr lang="en-US" sz="2100" kern="1200" dirty="0"/>
             <a:t>Good for 1D signals</a:t>
           </a:r>
         </a:p>
         <a:p>
-          <a:pPr lvl="0" algn="l" defTabSz="933450">
+          <a:pPr marL="0" lvl="0" indent="0" algn="l" defTabSz="933450">
             <a:lnSpc>
               <a:spcPct val="90000"/>
             </a:lnSpc>
@@ -7932,14 +7690,15 @@
             <a:spcAft>
               <a:spcPct val="35000"/>
             </a:spcAft>
+            <a:buNone/>
           </a:pPr>
           <a:r>
-            <a:rPr lang="en-US" sz="2100" kern="1200" dirty="0" smtClean="0"/>
+            <a:rPr lang="en-US" sz="2100" kern="1200" dirty="0"/>
             <a:t>Interactive</a:t>
           </a:r>
         </a:p>
         <a:p>
-          <a:pPr lvl="0" algn="l" defTabSz="933450">
+          <a:pPr marL="0" lvl="0" indent="0" algn="l" defTabSz="933450">
             <a:lnSpc>
               <a:spcPct val="90000"/>
             </a:lnSpc>
@@ -7949,9 +7708,10 @@
             <a:spcAft>
               <a:spcPct val="35000"/>
             </a:spcAft>
+            <a:buNone/>
           </a:pPr>
           <a:r>
-            <a:rPr lang="en-US" sz="2100" kern="1200" dirty="0" smtClean="0"/>
+            <a:rPr lang="en-US" sz="2100" kern="1200" dirty="0"/>
             <a:t>Useful function (background subtraction, manual interpolation, peak finding tools…)</a:t>
           </a:r>
         </a:p>
@@ -8035,7 +7795,7 @@
         </a:bodyPr>
         <a:lstStyle/>
         <a:p>
-          <a:pPr lvl="0" algn="l" defTabSz="933450">
+          <a:pPr marL="0" lvl="0" indent="0" algn="l" defTabSz="933450">
             <a:lnSpc>
               <a:spcPct val="90000"/>
             </a:lnSpc>
@@ -8045,14 +7805,15 @@
             <a:spcAft>
               <a:spcPct val="35000"/>
             </a:spcAft>
+            <a:buNone/>
           </a:pPr>
           <a:r>
-            <a:rPr lang="en-US" sz="2100" kern="1200" dirty="0" smtClean="0"/>
+            <a:rPr lang="en-US" sz="2100" kern="1200" dirty="0"/>
             <a:t>Slows down during batch processing</a:t>
           </a:r>
         </a:p>
         <a:p>
-          <a:pPr lvl="0" algn="l" defTabSz="933450">
+          <a:pPr marL="0" lvl="0" indent="0" algn="l" defTabSz="933450">
             <a:lnSpc>
               <a:spcPct val="90000"/>
             </a:lnSpc>
@@ -8062,14 +7823,15 @@
             <a:spcAft>
               <a:spcPct val="35000"/>
             </a:spcAft>
+            <a:buNone/>
           </a:pPr>
           <a:r>
-            <a:rPr lang="en-US" sz="2100" kern="1200" dirty="0" smtClean="0"/>
+            <a:rPr lang="en-US" sz="2100" kern="1200" dirty="0"/>
             <a:t>Advanced functionalities are harder than in Python</a:t>
           </a:r>
         </a:p>
         <a:p>
-          <a:pPr lvl="0" algn="l" defTabSz="933450">
+          <a:pPr marL="0" lvl="0" indent="0" algn="l" defTabSz="933450">
             <a:lnSpc>
               <a:spcPct val="90000"/>
             </a:lnSpc>
@@ -8079,14 +7841,15 @@
             <a:spcAft>
               <a:spcPct val="35000"/>
             </a:spcAft>
+            <a:buNone/>
           </a:pPr>
           <a:r>
-            <a:rPr lang="en-US" sz="2100" kern="1200" dirty="0" smtClean="0"/>
+            <a:rPr lang="en-US" sz="2100" kern="1200" dirty="0"/>
             <a:t>Limited documentation</a:t>
           </a:r>
         </a:p>
         <a:p>
-          <a:pPr lvl="0" algn="l" defTabSz="933450">
+          <a:pPr marL="0" lvl="0" indent="0" algn="l" defTabSz="933450">
             <a:lnSpc>
               <a:spcPct val="90000"/>
             </a:lnSpc>
@@ -8096,26 +7859,23 @@
             <a:spcAft>
               <a:spcPct val="35000"/>
             </a:spcAft>
+            <a:buNone/>
           </a:pPr>
           <a:r>
-            <a:rPr lang="en-US" sz="2100" kern="1200" dirty="0" smtClean="0"/>
-            <a:t>Pricey </a:t>
+            <a:rPr lang="en-US" sz="2100" kern="1200" dirty="0"/>
+            <a:t>Pricey (license only works in “</a:t>
           </a:r>
           <a:r>
-            <a:rPr lang="en-US" sz="2100" kern="1200" dirty="0" smtClean="0"/>
-            <a:t>(license only works in “</a:t>
-          </a:r>
-          <a:r>
-            <a:rPr lang="en-US" sz="2100" kern="1200" dirty="0" err="1" smtClean="0"/>
+            <a:rPr lang="en-US" sz="2100" kern="1200" dirty="0" err="1"/>
             <a:t>Eduroam</a:t>
           </a:r>
           <a:r>
-            <a:rPr lang="en-US" sz="2100" kern="1200" dirty="0" smtClean="0"/>
+            <a:rPr lang="en-US" sz="2100" kern="1200" dirty="0"/>
             <a:t>”)</a:t>
           </a:r>
         </a:p>
         <a:p>
-          <a:pPr lvl="0" algn="l" defTabSz="933450">
+          <a:pPr marL="0" lvl="0" indent="0" algn="l" defTabSz="933450">
             <a:lnSpc>
               <a:spcPct val="90000"/>
             </a:lnSpc>
@@ -8125,12 +7885,12 @@
             <a:spcAft>
               <a:spcPct val="35000"/>
             </a:spcAft>
+            <a:buNone/>
           </a:pPr>
           <a:r>
-            <a:rPr lang="en-US" sz="2100" kern="1200" dirty="0" smtClean="0"/>
+            <a:rPr lang="en-US" sz="2100" kern="1200" dirty="0"/>
             <a:t>Black box tools (most of them)</a:t>
           </a:r>
-          <a:endParaRPr lang="en-US" sz="2100" kern="1200" dirty="0"/>
         </a:p>
       </dsp:txBody>
       <dsp:txXfrm>
@@ -8204,7 +7964,7 @@
         </a:bodyPr>
         <a:lstStyle/>
         <a:p>
-          <a:pPr lvl="0" algn="l" defTabSz="1111250" rtl="0">
+          <a:pPr marL="0" lvl="0" indent="0" algn="l" defTabSz="1111250" rtl="0">
             <a:lnSpc>
               <a:spcPct val="90000"/>
             </a:lnSpc>
@@ -8214,12 +7974,12 @@
             <a:spcAft>
               <a:spcPct val="35000"/>
             </a:spcAft>
+            <a:buNone/>
           </a:pPr>
           <a:r>
-            <a:rPr lang="en-GB" sz="2500" kern="1200" smtClean="0"/>
+            <a:rPr lang="en-GB" sz="2500" kern="1200"/>
             <a:t>Packages used</a:t>
           </a:r>
-          <a:endParaRPr lang="en-GB" sz="2500" kern="1200"/>
         </a:p>
       </dsp:txBody>
       <dsp:txXfrm>
@@ -8274,24 +8034,23 @@
             <a:spcAft>
               <a:spcPct val="20000"/>
             </a:spcAft>
-            <a:buChar char="••"/>
+            <a:buChar char="•"/>
           </a:pPr>
           <a:r>
-            <a:rPr lang="en-GB" sz="2000" kern="1200" dirty="0" err="1" smtClean="0"/>
+            <a:rPr lang="en-GB" sz="2000" kern="1200" dirty="0" err="1"/>
             <a:t>LumiSpy</a:t>
           </a:r>
           <a:r>
-            <a:rPr lang="en-GB" sz="2000" kern="1200" dirty="0" smtClean="0"/>
+            <a:rPr lang="en-GB" sz="2000" kern="1200" dirty="0"/>
             <a:t> package (multidimensional data</a:t>
           </a:r>
           <a:br>
-            <a:rPr lang="en-GB" sz="2000" kern="1200" dirty="0" smtClean="0"/>
+            <a:rPr lang="en-GB" sz="2000" kern="1200" dirty="0"/>
           </a:br>
           <a:r>
-            <a:rPr lang="en-GB" sz="2000" kern="1200" dirty="0" smtClean="0"/>
+            <a:rPr lang="en-GB" sz="2000" kern="1200" dirty="0"/>
             <a:t>analysis tools for luminescence)</a:t>
           </a:r>
-          <a:endParaRPr lang="en-GB" sz="2000" kern="1200" dirty="0"/>
         </a:p>
         <a:p>
           <a:pPr marL="228600" lvl="1" indent="-228600" algn="l" defTabSz="889000" rtl="0">
@@ -8304,28 +8063,27 @@
             <a:spcAft>
               <a:spcPct val="20000"/>
             </a:spcAft>
-            <a:buChar char="••"/>
+            <a:buChar char="•"/>
           </a:pPr>
           <a:r>
-            <a:rPr lang="en-GB" sz="2000" kern="1200" dirty="0" smtClean="0"/>
+            <a:rPr lang="en-GB" sz="2000" kern="1200" dirty="0"/>
             <a:t>Anaconda included packages</a:t>
           </a:r>
           <a:br>
-            <a:rPr lang="en-GB" sz="2000" kern="1200" dirty="0" smtClean="0"/>
+            <a:rPr lang="en-GB" sz="2000" kern="1200" dirty="0"/>
           </a:br>
           <a:r>
-            <a:rPr lang="en-GB" sz="2000" kern="1200" dirty="0" smtClean="0"/>
+            <a:rPr lang="en-GB" sz="2000" kern="1200" dirty="0"/>
             <a:t>(e.g. </a:t>
           </a:r>
           <a:r>
-            <a:rPr lang="en-GB" sz="2000" kern="1200" dirty="0" err="1" smtClean="0"/>
+            <a:rPr lang="en-GB" sz="2000" kern="1200" dirty="0" err="1"/>
             <a:t>Scipy</a:t>
           </a:r>
           <a:r>
-            <a:rPr lang="en-GB" sz="2000" kern="1200" dirty="0" smtClean="0"/>
+            <a:rPr lang="en-GB" sz="2000" kern="1200" dirty="0"/>
             <a:t> for model fitting, numpy for matrices…)</a:t>
           </a:r>
-          <a:endParaRPr lang="en-GB" sz="2000" kern="1200" dirty="0"/>
         </a:p>
         <a:p>
           <a:pPr marL="228600" lvl="1" indent="-228600" algn="l" defTabSz="889000" rtl="0">
@@ -8338,7 +8096,7 @@
             <a:spcAft>
               <a:spcPct val="20000"/>
             </a:spcAft>
-            <a:buChar char="••"/>
+            <a:buChar char="•"/>
           </a:pPr>
           <a:endParaRPr lang="en-GB" sz="2000" kern="1200" dirty="0"/>
         </a:p>
@@ -8353,7 +8111,7 @@
             <a:spcAft>
               <a:spcPct val="20000"/>
             </a:spcAft>
-            <a:buChar char="••"/>
+            <a:buChar char="•"/>
           </a:pPr>
           <a:endParaRPr lang="en-GB" sz="2000" kern="1200" dirty="0"/>
         </a:p>
@@ -8417,7 +8175,7 @@
         </a:bodyPr>
         <a:lstStyle/>
         <a:p>
-          <a:pPr lvl="0" algn="l" defTabSz="1111250" rtl="0">
+          <a:pPr marL="0" lvl="0" indent="0" algn="l" defTabSz="1111250" rtl="0">
             <a:lnSpc>
               <a:spcPct val="90000"/>
             </a:lnSpc>
@@ -8427,12 +8185,12 @@
             <a:spcAft>
               <a:spcPct val="35000"/>
             </a:spcAft>
+            <a:buNone/>
           </a:pPr>
           <a:r>
-            <a:rPr lang="en-GB" sz="2500" kern="1200" smtClean="0"/>
+            <a:rPr lang="en-GB" sz="2500" kern="1200"/>
             <a:t>Tutorials</a:t>
           </a:r>
-          <a:endParaRPr lang="en-GB" sz="2500" kern="1200"/>
         </a:p>
       </dsp:txBody>
       <dsp:txXfrm>
@@ -8487,13 +8245,12 @@
             <a:spcAft>
               <a:spcPct val="20000"/>
             </a:spcAft>
-            <a:buChar char="••"/>
+            <a:buChar char="•"/>
           </a:pPr>
           <a:r>
-            <a:rPr lang="en-GB" sz="2000" kern="1200" dirty="0" smtClean="0"/>
+            <a:rPr lang="en-GB" sz="2000" kern="1200" dirty="0"/>
             <a:t>Loading multidimensional data</a:t>
           </a:r>
-          <a:endParaRPr lang="en-GB" sz="2000" kern="1200" dirty="0"/>
         </a:p>
         <a:p>
           <a:pPr marL="228600" lvl="1" indent="-228600" algn="l" defTabSz="889000" rtl="0">
@@ -8506,13 +8263,12 @@
             <a:spcAft>
               <a:spcPct val="20000"/>
             </a:spcAft>
-            <a:buChar char="••"/>
+            <a:buChar char="•"/>
           </a:pPr>
           <a:r>
-            <a:rPr lang="en-GB" sz="2000" kern="1200" dirty="0" smtClean="0"/>
+            <a:rPr lang="en-GB" sz="2000" kern="1200" dirty="0"/>
             <a:t>Plotting data interactively</a:t>
           </a:r>
-          <a:endParaRPr lang="en-GB" sz="2000" kern="1200" dirty="0"/>
         </a:p>
         <a:p>
           <a:pPr marL="228600" lvl="1" indent="-228600" algn="l" defTabSz="889000" rtl="0">
@@ -8525,13 +8281,12 @@
             <a:spcAft>
               <a:spcPct val="20000"/>
             </a:spcAft>
-            <a:buChar char="••"/>
+            <a:buChar char="•"/>
           </a:pPr>
           <a:r>
-            <a:rPr lang="en-GB" sz="2000" kern="1200" dirty="0" smtClean="0"/>
+            <a:rPr lang="en-GB" sz="2000" kern="1200" dirty="0"/>
             <a:t>Fitting and getting a model for luminescence data</a:t>
           </a:r>
-          <a:endParaRPr lang="en-GB" sz="2000" kern="1200" dirty="0"/>
         </a:p>
         <a:p>
           <a:pPr marL="228600" lvl="1" indent="-228600" algn="l" defTabSz="889000" rtl="0">
@@ -8544,13 +8299,12 @@
             <a:spcAft>
               <a:spcPct val="20000"/>
             </a:spcAft>
-            <a:buChar char="••"/>
+            <a:buChar char="•"/>
           </a:pPr>
           <a:r>
-            <a:rPr lang="en-GB" sz="2000" kern="1200" dirty="0" smtClean="0"/>
+            <a:rPr lang="en-GB" sz="2000" kern="1200" dirty="0"/>
             <a:t>Plotting modelled data</a:t>
           </a:r>
-          <a:endParaRPr lang="en-GB" sz="2000" kern="1200" dirty="0"/>
         </a:p>
         <a:p>
           <a:pPr marL="228600" lvl="1" indent="-228600" algn="l" defTabSz="889000" rtl="0">
@@ -8563,13 +8317,12 @@
             <a:spcAft>
               <a:spcPct val="20000"/>
             </a:spcAft>
-            <a:buChar char="••"/>
+            <a:buChar char="•"/>
           </a:pPr>
           <a:r>
-            <a:rPr lang="en-GB" sz="2000" kern="1200" dirty="0" smtClean="0"/>
+            <a:rPr lang="en-GB" sz="2000" kern="1200" dirty="0"/>
             <a:t>Segmentation based on fitting</a:t>
           </a:r>
-          <a:endParaRPr lang="en-GB" sz="2000" kern="1200" dirty="0"/>
         </a:p>
       </dsp:txBody>
       <dsp:txXfrm>
@@ -14766,7 +14519,7 @@
           <a:p>
             <a:fld id="{CC35E14B-0B02-4A9E-B3E2-26245172F2BB}" type="datetimeFigureOut">
               <a:rPr lang="en-GB" smtClean="0"/>
-              <a:t>06/12/2021</a:t>
+              <a:t>04/03/2025</a:t>
             </a:fld>
             <a:endParaRPr lang="en-GB"/>
           </a:p>
@@ -14931,7 +14684,7 @@
           <a:p>
             <a:fld id="{0C42F4A7-12F1-454B-8FC7-F151C4CD6D5D}" type="datetimeFigureOut">
               <a:rPr lang="en-GB" smtClean="0"/>
-              <a:t>06/12/2021</a:t>
+              <a:t>04/03/2025</a:t>
             </a:fld>
             <a:endParaRPr lang="en-GB"/>
           </a:p>
@@ -15244,10 +14997,9 @@
           <a:lstStyle/>
           <a:p>
             <a:r>
-              <a:rPr lang="en-GB" dirty="0" smtClean="0"/>
+              <a:rPr lang="en-GB" dirty="0"/>
               <a:t>https://www.youtube.com/watch?v=PBI2Rz-ZOxU</a:t>
             </a:r>
-            <a:endParaRPr lang="en-GB" dirty="0"/>
           </a:p>
         </p:txBody>
       </p:sp>
@@ -15351,7 +15103,7 @@
           </a:lstStyle>
           <a:p>
             <a:r>
-              <a:rPr lang="en-US" smtClean="0"/>
+              <a:rPr lang="en-US"/>
               <a:t>Click to edit Master title style</a:t>
             </a:r>
             <a:endParaRPr lang="en-US" dirty="0"/>
@@ -15507,7 +15259,7 @@
           <a:lstStyle/>
           <a:p>
             <a:r>
-              <a:rPr lang="en-US" smtClean="0"/>
+              <a:rPr lang="en-US"/>
               <a:t>Click to edit Master title style</a:t>
             </a:r>
             <a:endParaRPr lang="en-US" dirty="0"/>
@@ -15531,35 +15283,35 @@
           <a:p>
             <a:pPr lvl="0"/>
             <a:r>
-              <a:rPr lang="en-US" smtClean="0"/>
+              <a:rPr lang="en-US"/>
               <a:t>Edit Master text styles</a:t>
             </a:r>
           </a:p>
           <a:p>
             <a:pPr lvl="1"/>
             <a:r>
-              <a:rPr lang="en-US" smtClean="0"/>
+              <a:rPr lang="en-US"/>
               <a:t>Second level</a:t>
             </a:r>
           </a:p>
           <a:p>
             <a:pPr lvl="2"/>
             <a:r>
-              <a:rPr lang="en-US" smtClean="0"/>
+              <a:rPr lang="en-US"/>
               <a:t>Third level</a:t>
             </a:r>
           </a:p>
           <a:p>
             <a:pPr lvl="3"/>
             <a:r>
-              <a:rPr lang="en-US" smtClean="0"/>
+              <a:rPr lang="en-US"/>
               <a:t>Fourth level</a:t>
             </a:r>
           </a:p>
           <a:p>
             <a:pPr lvl="4"/>
             <a:r>
-              <a:rPr lang="en-US" smtClean="0"/>
+              <a:rPr lang="en-US"/>
               <a:t>Fifth level</a:t>
             </a:r>
             <a:endParaRPr lang="en-US" dirty="0"/>
@@ -15792,7 +15544,7 @@
           <a:lstStyle/>
           <a:p>
             <a:r>
-              <a:rPr lang="en-US" smtClean="0"/>
+              <a:rPr lang="en-US"/>
               <a:t>Click to edit Master title style</a:t>
             </a:r>
             <a:endParaRPr lang="en-US" dirty="0"/>
@@ -15816,35 +15568,35 @@
           <a:p>
             <a:pPr lvl="0"/>
             <a:r>
-              <a:rPr lang="en-US" smtClean="0"/>
+              <a:rPr lang="en-US"/>
               <a:t>Edit Master text styles</a:t>
             </a:r>
           </a:p>
           <a:p>
             <a:pPr lvl="1"/>
             <a:r>
-              <a:rPr lang="en-US" smtClean="0"/>
+              <a:rPr lang="en-US"/>
               <a:t>Second level</a:t>
             </a:r>
           </a:p>
           <a:p>
             <a:pPr lvl="2"/>
             <a:r>
-              <a:rPr lang="en-US" smtClean="0"/>
+              <a:rPr lang="en-US"/>
               <a:t>Third level</a:t>
             </a:r>
           </a:p>
           <a:p>
             <a:pPr lvl="3"/>
             <a:r>
-              <a:rPr lang="en-US" smtClean="0"/>
+              <a:rPr lang="en-US"/>
               <a:t>Fourth level</a:t>
             </a:r>
           </a:p>
           <a:p>
             <a:pPr lvl="4"/>
             <a:r>
-              <a:rPr lang="en-US" smtClean="0"/>
+              <a:rPr lang="en-US"/>
               <a:t>Fifth level</a:t>
             </a:r>
             <a:endParaRPr lang="en-US" dirty="0"/>
@@ -15943,7 +15695,7 @@
           </a:lstStyle>
           <a:p>
             <a:r>
-              <a:rPr lang="en-US" smtClean="0"/>
+              <a:rPr lang="en-US"/>
               <a:t>Click to edit Master title style</a:t>
             </a:r>
             <a:endParaRPr lang="en-US" dirty="0"/>
@@ -16063,7 +15815,7 @@
           <a:p>
             <a:pPr lvl="0"/>
             <a:r>
-              <a:rPr lang="en-US" smtClean="0"/>
+              <a:rPr lang="en-US"/>
               <a:t>Edit Master text styles</a:t>
             </a:r>
           </a:p>
@@ -16134,7 +15886,7 @@
           <a:lstStyle/>
           <a:p>
             <a:r>
-              <a:rPr lang="en-US" smtClean="0"/>
+              <a:rPr lang="en-US"/>
               <a:t>Click to edit Master title style</a:t>
             </a:r>
             <a:endParaRPr lang="en-US" dirty="0"/>
@@ -16163,35 +15915,35 @@
           <a:p>
             <a:pPr lvl="0"/>
             <a:r>
-              <a:rPr lang="en-US" smtClean="0"/>
+              <a:rPr lang="en-US"/>
               <a:t>Edit Master text styles</a:t>
             </a:r>
           </a:p>
           <a:p>
             <a:pPr lvl="1"/>
             <a:r>
-              <a:rPr lang="en-US" smtClean="0"/>
+              <a:rPr lang="en-US"/>
               <a:t>Second level</a:t>
             </a:r>
           </a:p>
           <a:p>
             <a:pPr lvl="2"/>
             <a:r>
-              <a:rPr lang="en-US" smtClean="0"/>
+              <a:rPr lang="en-US"/>
               <a:t>Third level</a:t>
             </a:r>
           </a:p>
           <a:p>
             <a:pPr lvl="3"/>
             <a:r>
-              <a:rPr lang="en-US" smtClean="0"/>
+              <a:rPr lang="en-US"/>
               <a:t>Fourth level</a:t>
             </a:r>
           </a:p>
           <a:p>
             <a:pPr lvl="4"/>
             <a:r>
-              <a:rPr lang="en-US" smtClean="0"/>
+              <a:rPr lang="en-US"/>
               <a:t>Fifth level</a:t>
             </a:r>
             <a:endParaRPr lang="en-US" dirty="0"/>
@@ -16220,35 +15972,35 @@
           <a:p>
             <a:pPr lvl="0"/>
             <a:r>
-              <a:rPr lang="en-US" smtClean="0"/>
+              <a:rPr lang="en-US"/>
               <a:t>Edit Master text styles</a:t>
             </a:r>
           </a:p>
           <a:p>
             <a:pPr lvl="1"/>
             <a:r>
-              <a:rPr lang="en-US" smtClean="0"/>
+              <a:rPr lang="en-US"/>
               <a:t>Second level</a:t>
             </a:r>
           </a:p>
           <a:p>
             <a:pPr lvl="2"/>
             <a:r>
-              <a:rPr lang="en-US" smtClean="0"/>
+              <a:rPr lang="en-US"/>
               <a:t>Third level</a:t>
             </a:r>
           </a:p>
           <a:p>
             <a:pPr lvl="3"/>
             <a:r>
-              <a:rPr lang="en-US" smtClean="0"/>
+              <a:rPr lang="en-US"/>
               <a:t>Fourth level</a:t>
             </a:r>
           </a:p>
           <a:p>
             <a:pPr lvl="4"/>
             <a:r>
-              <a:rPr lang="en-US" smtClean="0"/>
+              <a:rPr lang="en-US"/>
               <a:t>Fifth level</a:t>
             </a:r>
             <a:endParaRPr lang="en-US" dirty="0"/>
@@ -16370,7 +16122,7 @@
           <a:p>
             <a:pPr lvl="0"/>
             <a:r>
-              <a:rPr lang="en-US" smtClean="0"/>
+              <a:rPr lang="en-US"/>
               <a:t>Edit Master text styles</a:t>
             </a:r>
           </a:p>
@@ -16398,35 +16150,35 @@
           <a:p>
             <a:pPr lvl="0"/>
             <a:r>
-              <a:rPr lang="en-US" smtClean="0"/>
+              <a:rPr lang="en-US"/>
               <a:t>Edit Master text styles</a:t>
             </a:r>
           </a:p>
           <a:p>
             <a:pPr lvl="1"/>
             <a:r>
-              <a:rPr lang="en-US" smtClean="0"/>
+              <a:rPr lang="en-US"/>
               <a:t>Second level</a:t>
             </a:r>
           </a:p>
           <a:p>
             <a:pPr lvl="2"/>
             <a:r>
-              <a:rPr lang="en-US" smtClean="0"/>
+              <a:rPr lang="en-US"/>
               <a:t>Third level</a:t>
             </a:r>
           </a:p>
           <a:p>
             <a:pPr lvl="3"/>
             <a:r>
-              <a:rPr lang="en-US" smtClean="0"/>
+              <a:rPr lang="en-US"/>
               <a:t>Fourth level</a:t>
             </a:r>
           </a:p>
           <a:p>
             <a:pPr lvl="4"/>
             <a:r>
-              <a:rPr lang="en-US" smtClean="0"/>
+              <a:rPr lang="en-US"/>
               <a:t>Fifth level</a:t>
             </a:r>
             <a:endParaRPr lang="en-US" dirty="0"/>
@@ -16459,35 +16211,35 @@
           <a:p>
             <a:pPr lvl="0"/>
             <a:r>
-              <a:rPr lang="en-US" smtClean="0"/>
+              <a:rPr lang="en-US"/>
               <a:t>Edit Master text styles</a:t>
             </a:r>
           </a:p>
           <a:p>
             <a:pPr lvl="1"/>
             <a:r>
-              <a:rPr lang="en-US" smtClean="0"/>
+              <a:rPr lang="en-US"/>
               <a:t>Second level</a:t>
             </a:r>
           </a:p>
           <a:p>
             <a:pPr lvl="2"/>
             <a:r>
-              <a:rPr lang="en-US" smtClean="0"/>
+              <a:rPr lang="en-US"/>
               <a:t>Third level</a:t>
             </a:r>
           </a:p>
           <a:p>
             <a:pPr lvl="3"/>
             <a:r>
-              <a:rPr lang="en-US" smtClean="0"/>
+              <a:rPr lang="en-US"/>
               <a:t>Fourth level</a:t>
             </a:r>
           </a:p>
           <a:p>
             <a:pPr lvl="4"/>
             <a:r>
-              <a:rPr lang="en-US" smtClean="0"/>
+              <a:rPr lang="en-US"/>
               <a:t>Fifth level</a:t>
             </a:r>
             <a:endParaRPr lang="en-US" dirty="0"/>
@@ -16561,7 +16313,7 @@
           <a:p>
             <a:pPr lvl="0"/>
             <a:r>
-              <a:rPr lang="en-US" smtClean="0"/>
+              <a:rPr lang="en-US"/>
               <a:t>Edit Master text styles</a:t>
             </a:r>
           </a:p>
@@ -16606,7 +16358,7 @@
           <a:lstStyle/>
           <a:p>
             <a:r>
-              <a:rPr lang="en-US" smtClean="0"/>
+              <a:rPr lang="en-US"/>
               <a:t>Click to edit Master title style</a:t>
             </a:r>
             <a:endParaRPr lang="en-US" dirty="0"/>
@@ -16654,7 +16406,7 @@
           <a:lstStyle/>
           <a:p>
             <a:r>
-              <a:rPr lang="en-US" smtClean="0"/>
+              <a:rPr lang="en-US"/>
               <a:t>Click to edit Master title style</a:t>
             </a:r>
             <a:endParaRPr lang="en-US" dirty="0"/>
@@ -16834,7 +16586,7 @@
           </a:lstStyle>
           <a:p>
             <a:r>
-              <a:rPr lang="en-US" smtClean="0"/>
+              <a:rPr lang="en-US"/>
               <a:t>Click to edit Master title style</a:t>
             </a:r>
             <a:endParaRPr lang="en-US" dirty="0"/>
@@ -16913,35 +16665,35 @@
           <a:p>
             <a:pPr lvl="0"/>
             <a:r>
-              <a:rPr lang="en-US" smtClean="0"/>
+              <a:rPr lang="en-US"/>
               <a:t>Edit Master text styles</a:t>
             </a:r>
           </a:p>
           <a:p>
             <a:pPr lvl="1"/>
             <a:r>
-              <a:rPr lang="en-US" smtClean="0"/>
+              <a:rPr lang="en-US"/>
               <a:t>Second level</a:t>
             </a:r>
           </a:p>
           <a:p>
             <a:pPr lvl="2"/>
             <a:r>
-              <a:rPr lang="en-US" smtClean="0"/>
+              <a:rPr lang="en-US"/>
               <a:t>Third level</a:t>
             </a:r>
           </a:p>
           <a:p>
             <a:pPr lvl="3"/>
             <a:r>
-              <a:rPr lang="en-US" smtClean="0"/>
+              <a:rPr lang="en-US"/>
               <a:t>Fourth level</a:t>
             </a:r>
           </a:p>
           <a:p>
             <a:pPr lvl="4"/>
             <a:r>
-              <a:rPr lang="en-US" smtClean="0"/>
+              <a:rPr lang="en-US"/>
               <a:t>Fifth level</a:t>
             </a:r>
             <a:endParaRPr lang="en-US" dirty="0"/>
@@ -17013,7 +16765,7 @@
           <a:p>
             <a:pPr lvl="0"/>
             <a:r>
-              <a:rPr lang="en-US" smtClean="0"/>
+              <a:rPr lang="en-US"/>
               <a:t>Edit Master text styles</a:t>
             </a:r>
           </a:p>
@@ -17144,7 +16896,7 @@
           </a:lstStyle>
           <a:p>
             <a:r>
-              <a:rPr lang="en-US" smtClean="0"/>
+              <a:rPr lang="en-US"/>
               <a:t>Click to edit Master title style</a:t>
             </a:r>
             <a:endParaRPr lang="en-US" dirty="0"/>
@@ -17221,7 +16973,7 @@
           </a:lstStyle>
           <a:p>
             <a:r>
-              <a:rPr lang="en-US" smtClean="0"/>
+              <a:rPr lang="en-US"/>
               <a:t>Click icon to add picture</a:t>
             </a:r>
             <a:endParaRPr lang="en-US" dirty="0"/>
@@ -17293,7 +17045,7 @@
           <a:p>
             <a:pPr lvl="0"/>
             <a:r>
-              <a:rPr lang="en-US" smtClean="0"/>
+              <a:rPr lang="en-US"/>
               <a:t>Edit Master text styles</a:t>
             </a:r>
           </a:p>
@@ -17396,7 +17148,7 @@
           <a:lstStyle/>
           <a:p>
             <a:r>
-              <a:rPr lang="en-US" smtClean="0"/>
+              <a:rPr lang="en-US"/>
               <a:t>Click to edit Master title style</a:t>
             </a:r>
             <a:endParaRPr lang="en-US" dirty="0"/>
@@ -17430,35 +17182,35 @@
           <a:p>
             <a:pPr lvl="0"/>
             <a:r>
-              <a:rPr lang="en-US" smtClean="0"/>
+              <a:rPr lang="en-US"/>
               <a:t>Edit Master text styles</a:t>
             </a:r>
           </a:p>
           <a:p>
             <a:pPr lvl="1"/>
             <a:r>
-              <a:rPr lang="en-US" smtClean="0"/>
+              <a:rPr lang="en-US"/>
               <a:t>Second level</a:t>
             </a:r>
           </a:p>
           <a:p>
             <a:pPr lvl="2"/>
             <a:r>
-              <a:rPr lang="en-US" smtClean="0"/>
+              <a:rPr lang="en-US"/>
               <a:t>Third level</a:t>
             </a:r>
           </a:p>
           <a:p>
             <a:pPr lvl="3"/>
             <a:r>
-              <a:rPr lang="en-US" smtClean="0"/>
+              <a:rPr lang="en-US"/>
               <a:t>Fourth level</a:t>
             </a:r>
           </a:p>
           <a:p>
             <a:pPr lvl="4"/>
             <a:r>
-              <a:rPr lang="en-US" smtClean="0"/>
+              <a:rPr lang="en-US"/>
               <a:t>Fifth level</a:t>
             </a:r>
             <a:endParaRPr lang="en-US" dirty="0"/>
@@ -17533,7 +17285,7 @@
           <a:lstStyle/>
           <a:p>
             <a:r>
-              <a:rPr lang="en-GB" sz="1100" dirty="0" smtClean="0">
+              <a:rPr lang="en-GB" sz="1100" dirty="0">
                 <a:solidFill>
                   <a:srgbClr val="85B09A"/>
                 </a:solidFill>
@@ -17541,7 +17293,7 @@
               <a:t>By </a:t>
             </a:r>
             <a:r>
-              <a:rPr lang="en-GB" sz="1100" i="0" dirty="0" smtClean="0">
+              <a:rPr lang="en-GB" sz="1100" i="0" dirty="0">
                 <a:solidFill>
                   <a:srgbClr val="85B09A"/>
                 </a:solidFill>
@@ -17549,7 +17301,7 @@
               <a:t>Jordi Ferrer Orri</a:t>
             </a:r>
             <a:r>
-              <a:rPr lang="en-GB" sz="1100" dirty="0" smtClean="0">
+              <a:rPr lang="en-GB" sz="1100" dirty="0">
                 <a:solidFill>
                   <a:srgbClr val="85B09A"/>
                 </a:solidFill>
@@ -17557,7 +17309,7 @@
               <a:t> -</a:t>
             </a:r>
             <a:r>
-              <a:rPr lang="en-GB" sz="1100" baseline="0" dirty="0" smtClean="0">
+              <a:rPr lang="en-GB" sz="1100" baseline="0" dirty="0">
                 <a:solidFill>
                   <a:srgbClr val="85B09A"/>
                 </a:solidFill>
@@ -17565,18 +17317,13 @@
               <a:t> </a:t>
             </a:r>
             <a:r>
-              <a:rPr lang="en-GB" sz="1100" dirty="0" smtClean="0">
+              <a:rPr lang="en-GB" sz="1100" dirty="0">
                 <a:solidFill>
                   <a:srgbClr val="85B09A"/>
                 </a:solidFill>
               </a:rPr>
               <a:t>jf631@cam.ac.uk</a:t>
             </a:r>
-            <a:endParaRPr lang="en-GB" sz="1100" dirty="0">
-              <a:solidFill>
-                <a:srgbClr val="85B09A"/>
-              </a:solidFill>
-            </a:endParaRPr>
           </a:p>
         </p:txBody>
       </p:sp>
@@ -17966,13 +17713,8 @@
           <a:p>
             <a:r>
               <a:rPr lang="en-GB" dirty="0"/>
-              <a:t>Python </a:t>
+              <a:t>Python Workshop part II</a:t>
             </a:r>
-            <a:r>
-              <a:rPr lang="en-GB" dirty="0" smtClean="0"/>
-              <a:t>Workshop part II</a:t>
-            </a:r>
-            <a:endParaRPr lang="en-GB" dirty="0"/>
           </a:p>
         </p:txBody>
       </p:sp>
@@ -18005,32 +17747,23 @@
           <a:lstStyle/>
           <a:p>
             <a:r>
-              <a:rPr lang="en-GB" dirty="0" smtClean="0"/>
-              <a:t>Fitting, large data</a:t>
-            </a:r>
-            <a:r>
               <a:rPr lang="en-GB" dirty="0"/>
-              <a:t> </a:t>
-            </a:r>
-            <a:r>
-              <a:rPr lang="en-GB" dirty="0" smtClean="0"/>
-              <a:t>and GitHub</a:t>
+              <a:t>Fitting, large data and GitHub</a:t>
             </a:r>
           </a:p>
           <a:p>
             <a:r>
-              <a:rPr lang="en-GB" dirty="0" smtClean="0"/>
+              <a:rPr lang="en-GB" dirty="0"/>
               <a:t>By </a:t>
             </a:r>
             <a:r>
-              <a:rPr lang="en-GB" b="1" dirty="0" smtClean="0"/>
+              <a:rPr lang="en-GB" b="1" dirty="0"/>
               <a:t>Jordi Ferrer Orri </a:t>
             </a:r>
             <a:r>
-              <a:rPr lang="en-GB" dirty="0" smtClean="0"/>
+              <a:rPr lang="en-GB" dirty="0"/>
               <a:t>(jf631@cam.ac.uk)</a:t>
             </a:r>
-            <a:endParaRPr lang="en-GB" dirty="0"/>
           </a:p>
         </p:txBody>
       </p:sp>
@@ -18044,13 +17777,6 @@
   <p:clrMapOvr>
     <a:masterClrMapping/>
   </p:clrMapOvr>
-  <p:timing>
-    <p:tnLst>
-      <p:par>
-        <p:cTn id="1" dur="indefinite" restart="never" nodeType="tmRoot"/>
-      </p:par>
-    </p:tnLst>
-  </p:timing>
 </p:sld>
 </file>
 
@@ -18089,10 +17815,9 @@
           <a:lstStyle/>
           <a:p>
             <a:r>
-              <a:rPr lang="en-GB" dirty="0" smtClean="0"/>
-              <a:t>Your go!</a:t>
+              <a:rPr lang="en-GB" dirty="0"/>
+              <a:t>Example shown first</a:t>
             </a:r>
-            <a:endParaRPr lang="en-GB" dirty="0"/>
           </a:p>
         </p:txBody>
       </p:sp>
@@ -18108,244 +17833,125 @@
         </p:nvSpPr>
         <p:spPr/>
         <p:txBody>
-          <a:bodyPr>
-            <a:normAutofit lnSpcReduction="10000"/>
-          </a:bodyPr>
+          <a:bodyPr/>
           <a:lstStyle/>
           <a:p>
-            <a:pPr marL="0" indent="0">
-              <a:buNone/>
-            </a:pPr>
             <a:r>
-              <a:rPr lang="en-GB" dirty="0" smtClean="0"/>
-              <a:t>Because you want to edit a repository that is not yours, you need to copy/</a:t>
-            </a:r>
-            <a:r>
-              <a:rPr lang="en-GB" b="1" dirty="0" smtClean="0"/>
-              <a:t>fork </a:t>
-            </a:r>
-            <a:r>
-              <a:rPr lang="en-GB" dirty="0" smtClean="0"/>
-              <a:t>and then apply changes. </a:t>
+              <a:rPr lang="en-GB" dirty="0"/>
+              <a:t>I will edit my personal GitHub repository (because it is mine, the process is simpler, no need for forking)</a:t>
             </a:r>
           </a:p>
           <a:p>
-            <a:pPr marL="342900" indent="-342900">
-              <a:buFont typeface="+mj-lt"/>
-              <a:buAutoNum type="arabicPeriod"/>
-            </a:pPr>
+            <a:pPr lvl="1"/>
             <a:r>
-              <a:rPr lang="en-GB" dirty="0" smtClean="0"/>
-              <a:t>Go to the example repository in </a:t>
+              <a:rPr lang="en-GB" dirty="0">
+                <a:hlinkClick r:id="rId2"/>
+              </a:rPr>
+              <a:t>https://github.com/jordiferrero/nanoDTC</a:t>
             </a:r>
+            <a:endParaRPr lang="en-GB" dirty="0"/>
+          </a:p>
+          <a:p>
             <a:r>
-              <a:rPr lang="en-GB" i="1" dirty="0" err="1" smtClean="0"/>
-              <a:t>jordiferrero</a:t>
-            </a:r>
-            <a:r>
-              <a:rPr lang="en-GB" i="1" dirty="0" smtClean="0"/>
-              <a:t>/NanoDTC</a:t>
+              <a:rPr lang="en-GB" dirty="0"/>
+              <a:t>I have realised an error in my code (spelling mistake)!</a:t>
             </a:r>
           </a:p>
           <a:p>
-            <a:pPr marL="342900" indent="-342900">
-              <a:buFont typeface="+mj-lt"/>
-              <a:buAutoNum type="arabicPeriod"/>
-            </a:pPr>
             <a:r>
-              <a:rPr lang="en-GB" dirty="0" smtClean="0"/>
-              <a:t>Check for issues (or add one you want to work on)</a:t>
+              <a:rPr lang="en-GB" dirty="0"/>
+              <a:t>Files are already in my computer (show how local folder == GitHub cloud folder)</a:t>
             </a:r>
           </a:p>
           <a:p>
-            <a:pPr marL="342900" indent="-342900">
-              <a:buFont typeface="+mj-lt"/>
-              <a:buAutoNum type="arabicPeriod"/>
-            </a:pPr>
             <a:r>
-              <a:rPr lang="en-GB" b="1" dirty="0" smtClean="0"/>
-              <a:t>Fork</a:t>
-            </a:r>
-            <a:r>
-              <a:rPr lang="en-GB" dirty="0" smtClean="0"/>
-              <a:t> repository (so it becomes </a:t>
-            </a:r>
-            <a:r>
-              <a:rPr lang="en-GB" i="1" dirty="0" err="1" smtClean="0"/>
-              <a:t>user_name</a:t>
-            </a:r>
-            <a:r>
-              <a:rPr lang="en-GB" i="1" dirty="0" smtClean="0"/>
-              <a:t>/NanoDTC</a:t>
-            </a:r>
-            <a:r>
-              <a:rPr lang="en-GB" dirty="0" smtClean="0"/>
-              <a:t>)</a:t>
+              <a:rPr lang="en-GB" dirty="0"/>
+              <a:t>Edit locally my file (apply changes)</a:t>
             </a:r>
           </a:p>
           <a:p>
-            <a:pPr marL="571500" lvl="1" indent="-342900">
-              <a:buFont typeface="+mj-lt"/>
-              <a:buAutoNum type="arabicPeriod"/>
-            </a:pPr>
             <a:r>
-              <a:rPr lang="en-GB" dirty="0" smtClean="0"/>
-              <a:t>Sometimes you also need to </a:t>
+              <a:rPr lang="en-GB" dirty="0"/>
+              <a:t>Load GitHub desktop (or run </a:t>
             </a:r>
             <a:r>
-              <a:rPr lang="en-GB" b="1" dirty="0" smtClean="0"/>
-              <a:t>create a new branch (1 branch = 1 issue)</a:t>
+              <a:rPr lang="en-GB" i="1" dirty="0"/>
+              <a:t>git diff</a:t>
             </a:r>
             <a:r>
-              <a:rPr lang="en-GB" dirty="0" smtClean="0"/>
-              <a:t> to solve different issues simultaneously. The default branch is the </a:t>
+              <a:rPr lang="en-GB" dirty="0"/>
+              <a:t>) </a:t>
             </a:r>
             <a:r>
-              <a:rPr lang="en-GB" i="1" dirty="0" smtClean="0"/>
-              <a:t>master</a:t>
-            </a:r>
-            <a:r>
-              <a:rPr lang="en-GB" dirty="0" smtClean="0"/>
-              <a:t> branch</a:t>
-            </a:r>
-            <a:endParaRPr lang="en-GB" b="1" dirty="0" smtClean="0"/>
-          </a:p>
-          <a:p>
-            <a:pPr marL="342900" indent="-342900">
-              <a:buFont typeface="+mj-lt"/>
-              <a:buAutoNum type="arabicPeriod"/>
-            </a:pPr>
-            <a:r>
-              <a:rPr lang="en-GB" dirty="0" smtClean="0"/>
-              <a:t>Clone your personal branch (either the master or the </a:t>
-            </a:r>
-            <a:r>
-              <a:rPr lang="en-GB" dirty="0" err="1" smtClean="0"/>
-              <a:t>new_issue_branch</a:t>
-            </a:r>
-            <a:r>
-              <a:rPr lang="en-GB" dirty="0" smtClean="0"/>
-              <a:t>) using GitHub desktop (notice it is saved in the </a:t>
-            </a:r>
-            <a:r>
-              <a:rPr lang="en-GB" i="1" dirty="0" smtClean="0"/>
-              <a:t>Documents/</a:t>
-            </a:r>
-            <a:r>
-              <a:rPr lang="en-GB" i="1" dirty="0" err="1" smtClean="0"/>
-              <a:t>Github</a:t>
-            </a:r>
-            <a:r>
-              <a:rPr lang="en-GB" i="1" dirty="0" smtClean="0"/>
-              <a:t>/</a:t>
-            </a:r>
-            <a:r>
-              <a:rPr lang="en-GB" i="1" dirty="0" err="1" smtClean="0"/>
-              <a:t>user_name</a:t>
-            </a:r>
-            <a:r>
-              <a:rPr lang="en-GB" dirty="0" smtClean="0"/>
-              <a:t> folder) and now you can edit files in your computer</a:t>
+              <a:rPr lang="en-GB" dirty="0">
+                <a:sym typeface="Wingdings" panose="05000000000000000000" pitchFamily="2" charset="2"/>
+              </a:rPr>
+              <a:t> shows differences</a:t>
             </a:r>
           </a:p>
           <a:p>
-            <a:pPr marL="342900" indent="-342900">
-              <a:buFont typeface="+mj-lt"/>
-              <a:buAutoNum type="arabicPeriod"/>
-            </a:pPr>
             <a:r>
-              <a:rPr lang="en-GB" dirty="0" smtClean="0"/>
-              <a:t>WORK ON THE ISSUE by changing files</a:t>
+              <a:rPr lang="en-GB" b="1" dirty="0">
+                <a:sym typeface="Wingdings" panose="05000000000000000000" pitchFamily="2" charset="2"/>
+              </a:rPr>
+              <a:t>Commit changes</a:t>
             </a:r>
           </a:p>
           <a:p>
-            <a:pPr marL="342900" indent="-342900">
-              <a:buFont typeface="+mj-lt"/>
-              <a:buAutoNum type="arabicPeriod"/>
-            </a:pPr>
             <a:r>
-              <a:rPr lang="en-GB" b="1" dirty="0" smtClean="0"/>
-              <a:t>Commit + Push</a:t>
+              <a:rPr lang="en-GB" b="1" dirty="0">
+                <a:sym typeface="Wingdings" panose="05000000000000000000" pitchFamily="2" charset="2"/>
+              </a:rPr>
+              <a:t>Push changes </a:t>
             </a:r>
             <a:r>
-              <a:rPr lang="en-GB" dirty="0" smtClean="0"/>
-              <a:t> files to your personal repository</a:t>
+              <a:rPr lang="en-GB" dirty="0">
+                <a:sym typeface="Wingdings" panose="05000000000000000000" pitchFamily="2" charset="2"/>
+              </a:rPr>
+              <a:t>(loaded on the cloud)</a:t>
             </a:r>
           </a:p>
           <a:p>
-            <a:pPr marL="342900" indent="-342900">
-              <a:buFont typeface="+mj-lt"/>
-              <a:buAutoNum type="arabicPeriod"/>
-            </a:pPr>
             <a:r>
-              <a:rPr lang="en-GB" dirty="0" smtClean="0"/>
-              <a:t>Check you GitHub </a:t>
-            </a:r>
-            <a:r>
-              <a:rPr lang="en-GB" dirty="0" smtClean="0">
+              <a:rPr lang="en-GB" dirty="0">
                 <a:sym typeface="Wingdings" panose="05000000000000000000" pitchFamily="2" charset="2"/>
               </a:rPr>
-              <a:t> changes have been uploaded!</a:t>
+              <a:t>Imagine I had a second computer with the same local folder, now it is outdated…</a:t>
             </a:r>
           </a:p>
           <a:p>
-            <a:pPr marL="342900" indent="-342900">
-              <a:buFont typeface="+mj-lt"/>
-              <a:buAutoNum type="arabicPeriod"/>
-            </a:pPr>
+            <a:pPr lvl="1"/>
             <a:r>
-              <a:rPr lang="en-GB" dirty="0" smtClean="0">
+              <a:rPr lang="en-GB" dirty="0">
                 <a:sym typeface="Wingdings" panose="05000000000000000000" pitchFamily="2" charset="2"/>
               </a:rPr>
-              <a:t>Now you are ready to </a:t>
+              <a:t>I would need to </a:t>
             </a:r>
             <a:r>
-              <a:rPr lang="en-GB" b="1" dirty="0" smtClean="0">
+              <a:rPr lang="en-GB" b="1" dirty="0">
                 <a:sym typeface="Wingdings" panose="05000000000000000000" pitchFamily="2" charset="2"/>
               </a:rPr>
-              <a:t>pull request</a:t>
+              <a:t>pull changes</a:t>
             </a:r>
             <a:r>
-              <a:rPr lang="en-GB" dirty="0" smtClean="0">
+              <a:rPr lang="en-GB" dirty="0">
                 <a:sym typeface="Wingdings" panose="05000000000000000000" pitchFamily="2" charset="2"/>
               </a:rPr>
-              <a:t> your changes to the original repository 🎉!</a:t>
+              <a:t> to get the latest version form GitHub</a:t>
             </a:r>
-            <a:endParaRPr lang="en-GB" dirty="0" smtClean="0"/>
-          </a:p>
-          <a:p>
-            <a:pPr marL="342900" indent="-342900">
-              <a:buFont typeface="+mj-lt"/>
-              <a:buAutoNum type="arabicPeriod"/>
-            </a:pPr>
-            <a:endParaRPr lang="en-GB" dirty="0" smtClean="0"/>
-          </a:p>
-          <a:p>
-            <a:pPr marL="342900" indent="-342900">
-              <a:buFont typeface="+mj-lt"/>
-              <a:buAutoNum type="arabicPeriod"/>
-            </a:pPr>
-            <a:endParaRPr lang="en-GB" dirty="0"/>
           </a:p>
         </p:txBody>
       </p:sp>
     </p:spTree>
     <p:extLst>
       <p:ext uri="{BB962C8B-B14F-4D97-AF65-F5344CB8AC3E}">
-        <p14:creationId xmlns:p14="http://schemas.microsoft.com/office/powerpoint/2010/main" val="2480092888"/>
+        <p14:creationId xmlns:p14="http://schemas.microsoft.com/office/powerpoint/2010/main" val="2047594229"/>
       </p:ext>
     </p:extLst>
   </p:cSld>
   <p:clrMapOvr>
     <a:masterClrMapping/>
   </p:clrMapOvr>
-  <p:timing>
-    <p:tnLst>
-      <p:par>
-        <p:cTn id="1" dur="indefinite" restart="never" nodeType="tmRoot"/>
-      </p:par>
-    </p:tnLst>
-  </p:timing>
 </p:sld>
 </file>
 
@@ -18384,10 +17990,9 @@
           <a:lstStyle/>
           <a:p>
             <a:r>
-              <a:rPr lang="en-GB" dirty="0" smtClean="0"/>
-              <a:t>YOUR CONTRIBUTION!</a:t>
+              <a:rPr lang="en-GB" dirty="0"/>
+              <a:t>Your go!</a:t>
             </a:r>
-            <a:endParaRPr lang="en-GB" dirty="0"/>
           </a:p>
         </p:txBody>
       </p:sp>
@@ -18403,31 +18008,79 @@
         </p:nvSpPr>
         <p:spPr/>
         <p:txBody>
-          <a:bodyPr/>
+          <a:bodyPr>
+            <a:normAutofit lnSpcReduction="10000"/>
+          </a:bodyPr>
           <a:lstStyle/>
+          <a:p>
+            <a:pPr marL="0" indent="0">
+              <a:buNone/>
+            </a:pPr>
+            <a:r>
+              <a:rPr lang="en-GB" dirty="0"/>
+              <a:t>Because you want to edit a repository that is not yours, you need to copy/</a:t>
+            </a:r>
+            <a:r>
+              <a:rPr lang="en-GB" b="1" dirty="0"/>
+              <a:t>fork </a:t>
+            </a:r>
+            <a:r>
+              <a:rPr lang="en-GB" dirty="0"/>
+              <a:t>and then apply changes. </a:t>
+            </a:r>
+          </a:p>
           <a:p>
             <a:pPr marL="342900" indent="-342900">
               <a:buFont typeface="+mj-lt"/>
               <a:buAutoNum type="arabicPeriod"/>
             </a:pPr>
             <a:r>
-              <a:rPr lang="en-GB" dirty="0" smtClean="0"/>
-              <a:t>From GitHub create a </a:t>
+              <a:rPr lang="en-GB" dirty="0"/>
+              <a:t>Go to the example repository in </a:t>
             </a:r>
             <a:r>
-              <a:rPr lang="en-GB" b="1" dirty="0" smtClean="0"/>
-              <a:t>pull request</a:t>
+              <a:rPr lang="en-GB" i="1" dirty="0" err="1"/>
+              <a:t>jordiferrero</a:t>
             </a:r>
-            <a:endParaRPr lang="en-GB" dirty="0" smtClean="0"/>
+            <a:r>
+              <a:rPr lang="en-GB" i="1" dirty="0"/>
+              <a:t>/NanoDTC</a:t>
+            </a:r>
           </a:p>
           <a:p>
-            <a:pPr marL="571500" lvl="1" indent="-342900">
+            <a:pPr marL="342900" indent="-342900">
               <a:buFont typeface="+mj-lt"/>
               <a:buAutoNum type="arabicPeriod"/>
             </a:pPr>
             <a:r>
-              <a:rPr lang="en-GB" dirty="0" smtClean="0"/>
-              <a:t>Select the original branch (with your changes, by default master) and the repository and branch you want to change</a:t>
+              <a:rPr lang="en-GB" dirty="0"/>
+              <a:t>Check for issues (or add one you want to work on)</a:t>
+            </a:r>
+          </a:p>
+          <a:p>
+            <a:pPr marL="342900" indent="-342900">
+              <a:buFont typeface="+mj-lt"/>
+              <a:buAutoNum type="arabicPeriod"/>
+            </a:pPr>
+            <a:r>
+              <a:rPr lang="en-GB" b="1" dirty="0"/>
+              <a:t>Fork</a:t>
+            </a:r>
+            <a:r>
+              <a:rPr lang="en-GB" dirty="0"/>
+              <a:t> repository (so it becomes </a:t>
+            </a:r>
+            <a:r>
+              <a:rPr lang="en-GB" i="1" dirty="0" err="1"/>
+              <a:t>user_name</a:t>
+            </a:r>
+            <a:r>
+              <a:rPr lang="en-GB" i="1" dirty="0"/>
+              <a:t>/NanoDTC</a:t>
+            </a:r>
+            <a:r>
+              <a:rPr lang="en-GB" dirty="0"/>
+              <a:t>)</a:t>
             </a:r>
           </a:p>
           <a:p>
@@ -18436,18 +18089,63 @@
               <a:buAutoNum type="arabicPeriod"/>
             </a:pPr>
             <a:r>
-              <a:rPr lang="en-GB" dirty="0" smtClean="0"/>
-              <a:t>Describe which changes you are adding</a:t>
+              <a:rPr lang="en-GB" dirty="0"/>
+              <a:t>Sometimes you also need to </a:t>
             </a:r>
+            <a:r>
+              <a:rPr lang="en-GB" b="1" dirty="0"/>
+              <a:t>create a new branch (1 branch = 1 issue)</a:t>
+            </a:r>
+            <a:r>
+              <a:rPr lang="en-GB" dirty="0"/>
+              <a:t> to solve different issues simultaneously. The default branch is the </a:t>
+            </a:r>
+            <a:r>
+              <a:rPr lang="en-GB" i="1" dirty="0"/>
+              <a:t>master</a:t>
+            </a:r>
+            <a:r>
+              <a:rPr lang="en-GB" dirty="0"/>
+              <a:t> branch</a:t>
+            </a:r>
+            <a:endParaRPr lang="en-GB" b="1" dirty="0"/>
           </a:p>
           <a:p>
-            <a:pPr marL="571500" lvl="1" indent="-342900">
+            <a:pPr marL="342900" indent="-342900">
               <a:buFont typeface="+mj-lt"/>
               <a:buAutoNum type="arabicPeriod"/>
             </a:pPr>
             <a:r>
-              <a:rPr lang="en-GB" dirty="0" smtClean="0"/>
-              <a:t>Reference the issue you are trying to solve</a:t>
+              <a:rPr lang="en-GB" dirty="0"/>
+              <a:t>Clone your personal branch (either the master or the </a:t>
+            </a:r>
+            <a:r>
+              <a:rPr lang="en-GB" dirty="0" err="1"/>
+              <a:t>new_issue_branch</a:t>
+            </a:r>
+            <a:r>
+              <a:rPr lang="en-GB" dirty="0"/>
+              <a:t>) using GitHub desktop (notice it is saved in the </a:t>
+            </a:r>
+            <a:r>
+              <a:rPr lang="en-GB" i="1" dirty="0"/>
+              <a:t>Documents/</a:t>
+            </a:r>
+            <a:r>
+              <a:rPr lang="en-GB" i="1" dirty="0" err="1"/>
+              <a:t>Github</a:t>
+            </a:r>
+            <a:r>
+              <a:rPr lang="en-GB" i="1" dirty="0"/>
+              <a:t>/</a:t>
+            </a:r>
+            <a:r>
+              <a:rPr lang="en-GB" i="1" dirty="0" err="1"/>
+              <a:t>user_name</a:t>
+            </a:r>
+            <a:r>
+              <a:rPr lang="en-GB" dirty="0"/>
+              <a:t> folder) and now you can edit files in your computer</a:t>
             </a:r>
           </a:p>
           <a:p>
@@ -18456,16 +18154,8 @@
               <a:buAutoNum type="arabicPeriod"/>
             </a:pPr>
             <a:r>
-              <a:rPr lang="en-GB" dirty="0" smtClean="0"/>
-              <a:t>Now the responsible person of the main repository can </a:t>
-            </a:r>
-            <a:r>
-              <a:rPr lang="en-GB" b="1" dirty="0" smtClean="0"/>
-              <a:t>accept and merge</a:t>
-            </a:r>
-            <a:r>
-              <a:rPr lang="en-GB" dirty="0" smtClean="0"/>
-              <a:t> your changes or ask for a review.</a:t>
+              <a:rPr lang="en-GB" dirty="0"/>
+              <a:t>WORK ON THE ISSUE by changing files</a:t>
             </a:r>
           </a:p>
           <a:p>
@@ -18474,14 +18164,12 @@
               <a:buAutoNum type="arabicPeriod"/>
             </a:pPr>
             <a:r>
-              <a:rPr lang="en-GB" dirty="0" smtClean="0"/>
-              <a:t>NOTE: Any change you add to your personal repository branch will automatically be updated in your pull request </a:t>
+              <a:rPr lang="en-GB" b="1" dirty="0"/>
+              <a:t>Commit + Push</a:t>
             </a:r>
             <a:r>
-              <a:rPr lang="en-GB" dirty="0" smtClean="0">
-                <a:sym typeface="Wingdings" panose="05000000000000000000" pitchFamily="2" charset="2"/>
-              </a:rPr>
-              <a:t> (that’s why you keep one branch for every different pull request)</a:t>
+              <a:rPr lang="en-GB" dirty="0"/>
+              <a:t> files to your personal repository</a:t>
             </a:r>
           </a:p>
           <a:p>
@@ -18490,64 +18178,14 @@
               <a:buAutoNum type="arabicPeriod"/>
             </a:pPr>
             <a:r>
-              <a:rPr lang="en-GB" dirty="0" smtClean="0">
+              <a:rPr lang="en-GB" dirty="0"/>
+              <a:t>Check you GitHub </a:t>
+            </a:r>
+            <a:r>
+              <a:rPr lang="en-GB" dirty="0">
                 <a:sym typeface="Wingdings" panose="05000000000000000000" pitchFamily="2" charset="2"/>
               </a:rPr>
-              <a:t>After your pull request has been accepted and </a:t>
-            </a:r>
-            <a:r>
-              <a:rPr lang="en-GB" b="1" dirty="0" smtClean="0">
-                <a:sym typeface="Wingdings" panose="05000000000000000000" pitchFamily="2" charset="2"/>
-              </a:rPr>
-              <a:t>merged</a:t>
-            </a:r>
-            <a:r>
-              <a:rPr lang="en-GB" dirty="0" smtClean="0">
-                <a:sym typeface="Wingdings" panose="05000000000000000000" pitchFamily="2" charset="2"/>
-              </a:rPr>
-              <a:t>, you will need to update your personal repository to the newest version of the original/</a:t>
-            </a:r>
-            <a:r>
-              <a:rPr lang="en-GB" b="1" dirty="0" smtClean="0">
-                <a:sym typeface="Wingdings" panose="05000000000000000000" pitchFamily="2" charset="2"/>
-              </a:rPr>
-              <a:t>upstream</a:t>
-            </a:r>
-            <a:r>
-              <a:rPr lang="en-GB" dirty="0" smtClean="0">
-                <a:sym typeface="Wingdings" panose="05000000000000000000" pitchFamily="2" charset="2"/>
-              </a:rPr>
-              <a:t> repository</a:t>
-            </a:r>
-          </a:p>
-          <a:p>
-            <a:pPr marL="571500" lvl="1" indent="-342900">
-              <a:buFont typeface="+mj-lt"/>
-              <a:buAutoNum type="arabicPeriod"/>
-            </a:pPr>
-            <a:r>
-              <a:rPr lang="en-GB" dirty="0" smtClean="0">
-                <a:sym typeface="Wingdings" panose="05000000000000000000" pitchFamily="2" charset="2"/>
-              </a:rPr>
-              <a:t>Go to GitHub desktop</a:t>
-            </a:r>
-          </a:p>
-          <a:p>
-            <a:pPr marL="571500" lvl="1" indent="-342900">
-              <a:buFont typeface="+mj-lt"/>
-              <a:buAutoNum type="arabicPeriod"/>
-            </a:pPr>
-            <a:r>
-              <a:rPr lang="en-GB" dirty="0" smtClean="0">
-                <a:sym typeface="Wingdings" panose="05000000000000000000" pitchFamily="2" charset="2"/>
-              </a:rPr>
-              <a:t>[Branch]  Merge into current branch…  </a:t>
-            </a:r>
-            <a:r>
-              <a:rPr lang="en-GB" b="1" dirty="0" smtClean="0">
-                <a:sym typeface="Wingdings" panose="05000000000000000000" pitchFamily="2" charset="2"/>
-              </a:rPr>
-              <a:t>upstream/master</a:t>
+              <a:t> changes have been uploaded!</a:t>
             </a:r>
           </a:p>
           <a:p>
@@ -18556,34 +18194,51 @@
               <a:buAutoNum type="arabicPeriod"/>
             </a:pPr>
             <a:r>
-              <a:rPr lang="en-GB" dirty="0" smtClean="0">
+              <a:rPr lang="en-GB" dirty="0">
                 <a:sym typeface="Wingdings" panose="05000000000000000000" pitchFamily="2" charset="2"/>
               </a:rPr>
-              <a:t>Start again</a:t>
+              <a:t>Now you are ready to </a:t>
             </a:r>
+            <a:r>
+              <a:rPr lang="en-GB" b="1" dirty="0">
+                <a:sym typeface="Wingdings" panose="05000000000000000000" pitchFamily="2" charset="2"/>
+              </a:rPr>
+              <a:t>pull request</a:t>
+            </a:r>
+            <a:r>
+              <a:rPr lang="en-GB" dirty="0">
+                <a:sym typeface="Wingdings" panose="05000000000000000000" pitchFamily="2" charset="2"/>
+              </a:rPr>
+              <a:t> your changes to the original repository 🎉!</a:t>
+            </a:r>
+            <a:endParaRPr lang="en-GB" dirty="0"/>
           </a:p>
           <a:p>
-            <a:endParaRPr lang="en-GB" dirty="0" smtClean="0"/>
+            <a:pPr marL="342900" indent="-342900">
+              <a:buFont typeface="+mj-lt"/>
+              <a:buAutoNum type="arabicPeriod"/>
+            </a:pPr>
+            <a:endParaRPr lang="en-GB" dirty="0"/>
+          </a:p>
+          <a:p>
+            <a:pPr marL="342900" indent="-342900">
+              <a:buFont typeface="+mj-lt"/>
+              <a:buAutoNum type="arabicPeriod"/>
+            </a:pPr>
+            <a:endParaRPr lang="en-GB" dirty="0"/>
           </a:p>
         </p:txBody>
       </p:sp>
     </p:spTree>
     <p:extLst>
       <p:ext uri="{BB962C8B-B14F-4D97-AF65-F5344CB8AC3E}">
-        <p14:creationId xmlns:p14="http://schemas.microsoft.com/office/powerpoint/2010/main" val="200674352"/>
+        <p14:creationId xmlns:p14="http://schemas.microsoft.com/office/powerpoint/2010/main" val="2480092888"/>
       </p:ext>
     </p:extLst>
   </p:cSld>
   <p:clrMapOvr>
     <a:masterClrMapping/>
   </p:clrMapOvr>
-  <p:timing>
-    <p:tnLst>
-      <p:par>
-        <p:cTn id="1" dur="indefinite" restart="never" nodeType="tmRoot"/>
-      </p:par>
-    </p:tnLst>
-  </p:timing>
 </p:sld>
 </file>
 
@@ -18622,14 +18277,243 @@
           <a:lstStyle/>
           <a:p>
             <a:r>
-              <a:rPr lang="en-GB" dirty="0" err="1" smtClean="0"/>
+              <a:rPr lang="en-GB" dirty="0"/>
+              <a:t>YOUR CONTRIBUTION!</a:t>
+            </a:r>
+          </a:p>
+        </p:txBody>
+      </p:sp>
+      <p:sp>
+        <p:nvSpPr>
+          <p:cNvPr id="3" name="Content Placeholder 2"/>
+          <p:cNvSpPr>
+            <a:spLocks noGrp="1"/>
+          </p:cNvSpPr>
+          <p:nvPr>
+            <p:ph idx="1"/>
+          </p:nvPr>
+        </p:nvSpPr>
+        <p:spPr/>
+        <p:txBody>
+          <a:bodyPr/>
+          <a:lstStyle/>
+          <a:p>
+            <a:pPr marL="342900" indent="-342900">
+              <a:buFont typeface="+mj-lt"/>
+              <a:buAutoNum type="arabicPeriod"/>
+            </a:pPr>
+            <a:r>
+              <a:rPr lang="en-GB" dirty="0"/>
+              <a:t>From GitHub create a </a:t>
+            </a:r>
+            <a:r>
+              <a:rPr lang="en-GB" b="1" dirty="0"/>
+              <a:t>pull request</a:t>
+            </a:r>
+            <a:endParaRPr lang="en-GB" dirty="0"/>
+          </a:p>
+          <a:p>
+            <a:pPr marL="571500" lvl="1" indent="-342900">
+              <a:buFont typeface="+mj-lt"/>
+              <a:buAutoNum type="arabicPeriod"/>
+            </a:pPr>
+            <a:r>
+              <a:rPr lang="en-GB" dirty="0"/>
+              <a:t>Select the original branch (with your changes, by default master) and the repository and branch you want to change</a:t>
+            </a:r>
+          </a:p>
+          <a:p>
+            <a:pPr marL="571500" lvl="1" indent="-342900">
+              <a:buFont typeface="+mj-lt"/>
+              <a:buAutoNum type="arabicPeriod"/>
+            </a:pPr>
+            <a:r>
+              <a:rPr lang="en-GB" dirty="0"/>
+              <a:t>Describe which changes you are adding</a:t>
+            </a:r>
+          </a:p>
+          <a:p>
+            <a:pPr marL="571500" lvl="1" indent="-342900">
+              <a:buFont typeface="+mj-lt"/>
+              <a:buAutoNum type="arabicPeriod"/>
+            </a:pPr>
+            <a:r>
+              <a:rPr lang="en-GB" dirty="0"/>
+              <a:t>Reference the issue you are trying to solve</a:t>
+            </a:r>
+          </a:p>
+          <a:p>
+            <a:pPr marL="342900" indent="-342900">
+              <a:buFont typeface="+mj-lt"/>
+              <a:buAutoNum type="arabicPeriod"/>
+            </a:pPr>
+            <a:r>
+              <a:rPr lang="en-GB" dirty="0"/>
+              <a:t>Now the responsible person of the main repository can </a:t>
+            </a:r>
+            <a:r>
+              <a:rPr lang="en-GB" b="1" dirty="0"/>
+              <a:t>accept and merge</a:t>
+            </a:r>
+            <a:r>
+              <a:rPr lang="en-GB" dirty="0"/>
+              <a:t> your changes or ask for a review.</a:t>
+            </a:r>
+          </a:p>
+          <a:p>
+            <a:pPr marL="342900" indent="-342900">
+              <a:buFont typeface="+mj-lt"/>
+              <a:buAutoNum type="arabicPeriod"/>
+            </a:pPr>
+            <a:r>
+              <a:rPr lang="en-GB" dirty="0"/>
+              <a:t>NOTE: Any change you add to your personal repository branch will automatically be updated in your pull request </a:t>
+            </a:r>
+            <a:r>
+              <a:rPr lang="en-GB" dirty="0">
+                <a:sym typeface="Wingdings" panose="05000000000000000000" pitchFamily="2" charset="2"/>
+              </a:rPr>
+              <a:t> (that’s why you keep one branch for every different pull request)</a:t>
+            </a:r>
+          </a:p>
+          <a:p>
+            <a:pPr marL="342900" indent="-342900">
+              <a:buFont typeface="+mj-lt"/>
+              <a:buAutoNum type="arabicPeriod"/>
+            </a:pPr>
+            <a:r>
+              <a:rPr lang="en-GB" dirty="0">
+                <a:sym typeface="Wingdings" panose="05000000000000000000" pitchFamily="2" charset="2"/>
+              </a:rPr>
+              <a:t>After your pull request has been accepted and </a:t>
+            </a:r>
+            <a:r>
+              <a:rPr lang="en-GB" b="1" dirty="0">
+                <a:sym typeface="Wingdings" panose="05000000000000000000" pitchFamily="2" charset="2"/>
+              </a:rPr>
+              <a:t>merged</a:t>
+            </a:r>
+            <a:r>
+              <a:rPr lang="en-GB" dirty="0">
+                <a:sym typeface="Wingdings" panose="05000000000000000000" pitchFamily="2" charset="2"/>
+              </a:rPr>
+              <a:t>, you will need to update your personal repository to the newest version of the original/</a:t>
+            </a:r>
+            <a:r>
+              <a:rPr lang="en-GB" b="1" dirty="0">
+                <a:sym typeface="Wingdings" panose="05000000000000000000" pitchFamily="2" charset="2"/>
+              </a:rPr>
+              <a:t>upstream</a:t>
+            </a:r>
+            <a:r>
+              <a:rPr lang="en-GB" dirty="0">
+                <a:sym typeface="Wingdings" panose="05000000000000000000" pitchFamily="2" charset="2"/>
+              </a:rPr>
+              <a:t> repository</a:t>
+            </a:r>
+          </a:p>
+          <a:p>
+            <a:pPr marL="571500" lvl="1" indent="-342900">
+              <a:buFont typeface="+mj-lt"/>
+              <a:buAutoNum type="arabicPeriod"/>
+            </a:pPr>
+            <a:r>
+              <a:rPr lang="en-GB" dirty="0">
+                <a:sym typeface="Wingdings" panose="05000000000000000000" pitchFamily="2" charset="2"/>
+              </a:rPr>
+              <a:t>Go to GitHub desktop</a:t>
+            </a:r>
+          </a:p>
+          <a:p>
+            <a:pPr marL="571500" lvl="1" indent="-342900">
+              <a:buFont typeface="+mj-lt"/>
+              <a:buAutoNum type="arabicPeriod"/>
+            </a:pPr>
+            <a:r>
+              <a:rPr lang="en-GB" dirty="0">
+                <a:sym typeface="Wingdings" panose="05000000000000000000" pitchFamily="2" charset="2"/>
+              </a:rPr>
+              <a:t>[Branch]  Merge into current branch…  </a:t>
+            </a:r>
+            <a:r>
+              <a:rPr lang="en-GB" b="1" dirty="0">
+                <a:sym typeface="Wingdings" panose="05000000000000000000" pitchFamily="2" charset="2"/>
+              </a:rPr>
+              <a:t>upstream/master</a:t>
+            </a:r>
+          </a:p>
+          <a:p>
+            <a:pPr marL="342900" indent="-342900">
+              <a:buFont typeface="+mj-lt"/>
+              <a:buAutoNum type="arabicPeriod"/>
+            </a:pPr>
+            <a:r>
+              <a:rPr lang="en-GB" dirty="0">
+                <a:sym typeface="Wingdings" panose="05000000000000000000" pitchFamily="2" charset="2"/>
+              </a:rPr>
+              <a:t>Start again</a:t>
+            </a:r>
+          </a:p>
+          <a:p>
+            <a:endParaRPr lang="en-GB" dirty="0"/>
+          </a:p>
+        </p:txBody>
+      </p:sp>
+    </p:spTree>
+    <p:extLst>
+      <p:ext uri="{BB962C8B-B14F-4D97-AF65-F5344CB8AC3E}">
+        <p14:creationId xmlns:p14="http://schemas.microsoft.com/office/powerpoint/2010/main" val="200674352"/>
+      </p:ext>
+    </p:extLst>
+  </p:cSld>
+  <p:clrMapOvr>
+    <a:masterClrMapping/>
+  </p:clrMapOvr>
+</p:sld>
+</file>
+
+<file path=ppt/slides/slide13.xml><?xml version="1.0" encoding="utf-8"?>
+<p:sld xmlns:a="http://schemas.openxmlformats.org/drawingml/2006/main" xmlns:r="http://schemas.openxmlformats.org/officeDocument/2006/relationships" xmlns:p="http://schemas.openxmlformats.org/presentationml/2006/main">
+  <p:cSld>
+    <p:spTree>
+      <p:nvGrpSpPr>
+        <p:cNvPr id="1" name=""/>
+        <p:cNvGrpSpPr/>
+        <p:nvPr/>
+      </p:nvGrpSpPr>
+      <p:grpSpPr>
+        <a:xfrm>
+          <a:off x="0" y="0"/>
+          <a:ext cx="0" cy="0"/>
+          <a:chOff x="0" y="0"/>
+          <a:chExt cx="0" cy="0"/>
+        </a:xfrm>
+      </p:grpSpPr>
+      <p:sp>
+        <p:nvSpPr>
+          <p:cNvPr id="2" name="Title 1"/>
+          <p:cNvSpPr>
+            <a:spLocks noGrp="1"/>
+          </p:cNvSpPr>
+          <p:nvPr>
+            <p:ph type="title"/>
+          </p:nvPr>
+        </p:nvSpPr>
+        <p:spPr/>
+        <p:txBody>
+          <a:bodyPr>
+            <a:normAutofit fontScale="90000"/>
+          </a:bodyPr>
+          <a:lstStyle/>
+          <a:p>
+            <a:r>
+              <a:rPr lang="en-GB" dirty="0" err="1"/>
               <a:t>Github</a:t>
             </a:r>
             <a:r>
-              <a:rPr lang="en-GB" dirty="0" smtClean="0"/>
+              <a:rPr lang="en-GB" dirty="0"/>
               <a:t> extra</a:t>
             </a:r>
-            <a:endParaRPr lang="en-GB" dirty="0"/>
           </a:p>
         </p:txBody>
       </p:sp>
@@ -18649,53 +18533,53 @@
           <a:lstStyle/>
           <a:p>
             <a:r>
-              <a:rPr lang="en-GB" dirty="0" smtClean="0"/>
+              <a:rPr lang="en-GB" dirty="0"/>
               <a:t>Create/Resolve an issue</a:t>
             </a:r>
           </a:p>
           <a:p>
             <a:pPr lvl="1"/>
             <a:r>
-              <a:rPr lang="en-GB" dirty="0" smtClean="0"/>
+              <a:rPr lang="en-GB" dirty="0"/>
               <a:t>Assign yourself to an issue</a:t>
             </a:r>
           </a:p>
           <a:p>
             <a:pPr lvl="1"/>
             <a:r>
-              <a:rPr lang="en-GB" dirty="0" smtClean="0"/>
+              <a:rPr lang="en-GB" dirty="0"/>
               <a:t>Automatize issue resolution to </a:t>
             </a:r>
             <a:r>
-              <a:rPr lang="en-GB" dirty="0" err="1" smtClean="0"/>
+              <a:rPr lang="en-GB" dirty="0" err="1"/>
               <a:t>TO</a:t>
             </a:r>
             <a:r>
-              <a:rPr lang="en-GB" dirty="0" smtClean="0"/>
+              <a:rPr lang="en-GB" dirty="0"/>
               <a:t> DO tasks</a:t>
             </a:r>
           </a:p>
           <a:p>
             <a:r>
-              <a:rPr lang="en-GB" dirty="0" smtClean="0"/>
+              <a:rPr lang="en-GB" dirty="0"/>
               <a:t>Contribute to a PR discussion</a:t>
             </a:r>
           </a:p>
           <a:p>
             <a:r>
-              <a:rPr lang="en-GB" dirty="0" smtClean="0"/>
+              <a:rPr lang="en-GB" dirty="0"/>
               <a:t>Use the Projects tab</a:t>
             </a:r>
           </a:p>
           <a:p>
             <a:r>
-              <a:rPr lang="en-GB" dirty="0" smtClean="0"/>
+              <a:rPr lang="en-GB" dirty="0"/>
               <a:t>Go back in time</a:t>
             </a:r>
           </a:p>
           <a:p>
             <a:r>
-              <a:rPr lang="en-GB" dirty="0" smtClean="0"/>
+              <a:rPr lang="en-GB" dirty="0"/>
               <a:t>Live in a multiverse (several versions of the same)</a:t>
             </a:r>
           </a:p>
@@ -18714,17 +18598,10 @@
   <p:clrMapOvr>
     <a:masterClrMapping/>
   </p:clrMapOvr>
-  <p:timing>
-    <p:tnLst>
-      <p:par>
-        <p:cTn id="1" dur="indefinite" restart="never" nodeType="tmRoot"/>
-      </p:par>
-    </p:tnLst>
-  </p:timing>
 </p:sld>
 </file>
 
-<file path=ppt/slides/slide13.xml><?xml version="1.0" encoding="utf-8"?>
+<file path=ppt/slides/slide14.xml><?xml version="1.0" encoding="utf-8"?>
 <p:sld xmlns:a="http://schemas.openxmlformats.org/drawingml/2006/main" xmlns:r="http://schemas.openxmlformats.org/officeDocument/2006/relationships" xmlns:p="http://schemas.openxmlformats.org/presentationml/2006/main">
   <p:cSld>
     <p:spTree>
@@ -18765,10 +18642,9 @@
           <a:p>
             <a:pPr algn="r"/>
             <a:r>
-              <a:rPr lang="en-GB" dirty="0" smtClean="0"/>
+              <a:rPr lang="en-GB" dirty="0"/>
               <a:t>Origin pro…?</a:t>
             </a:r>
-            <a:endParaRPr lang="en-GB" dirty="0"/>
           </a:p>
         </p:txBody>
       </p:sp>
@@ -18814,17 +18690,10 @@
   <p:clrMapOvr>
     <a:masterClrMapping/>
   </p:clrMapOvr>
-  <p:timing>
-    <p:tnLst>
-      <p:par>
-        <p:cTn id="1" dur="indefinite" restart="never" nodeType="tmRoot"/>
-      </p:par>
-    </p:tnLst>
-  </p:timing>
 </p:sld>
 </file>
 
-<file path=ppt/slides/slide14.xml><?xml version="1.0" encoding="utf-8"?>
+<file path=ppt/slides/slide15.xml><?xml version="1.0" encoding="utf-8"?>
 <p:sld xmlns:a="http://schemas.openxmlformats.org/drawingml/2006/main" xmlns:r="http://schemas.openxmlformats.org/officeDocument/2006/relationships" xmlns:p="http://schemas.openxmlformats.org/presentationml/2006/main">
   <p:cSld>
     <p:spTree>
@@ -18859,10 +18728,9 @@
           <a:lstStyle/>
           <a:p>
             <a:r>
-              <a:rPr lang="en-GB" dirty="0" smtClean="0"/>
+              <a:rPr lang="en-GB" dirty="0"/>
               <a:t>Where is origin actually pro?</a:t>
             </a:r>
-            <a:endParaRPr lang="en-GB" dirty="0"/>
           </a:p>
         </p:txBody>
       </p:sp>
@@ -18904,7 +18772,7 @@
 </p:sld>
 </file>
 
-<file path=ppt/slides/slide15.xml><?xml version="1.0" encoding="utf-8"?>
+<file path=ppt/slides/slide16.xml><?xml version="1.0" encoding="utf-8"?>
 <p:sld xmlns:a="http://schemas.openxmlformats.org/drawingml/2006/main" xmlns:r="http://schemas.openxmlformats.org/officeDocument/2006/relationships" xmlns:p="http://schemas.openxmlformats.org/presentationml/2006/main">
   <p:cSld>
     <p:spTree>
@@ -18945,10 +18813,9 @@
           <a:p>
             <a:pPr algn="r"/>
             <a:r>
-              <a:rPr lang="en-GB" dirty="0" smtClean="0"/>
+              <a:rPr lang="en-GB" dirty="0"/>
               <a:t>Luminescence analysis using python</a:t>
             </a:r>
-            <a:endParaRPr lang="en-GB" dirty="0"/>
           </a:p>
         </p:txBody>
       </p:sp>
@@ -18999,17 +18866,10 @@
   <p:clrMapOvr>
     <a:masterClrMapping/>
   </p:clrMapOvr>
-  <p:timing>
-    <p:tnLst>
-      <p:par>
-        <p:cTn id="1" dur="indefinite" restart="never" nodeType="tmRoot"/>
-      </p:par>
-    </p:tnLst>
-  </p:timing>
 </p:sld>
 </file>
 
-<file path=ppt/slides/slide16.xml><?xml version="1.0" encoding="utf-8"?>
+<file path=ppt/slides/slide17.xml><?xml version="1.0" encoding="utf-8"?>
 <p:sld xmlns:a="http://schemas.openxmlformats.org/drawingml/2006/main" xmlns:r="http://schemas.openxmlformats.org/officeDocument/2006/relationships" xmlns:p="http://schemas.openxmlformats.org/presentationml/2006/main">
   <p:cSld>
     <p:spTree>
@@ -19044,10 +18904,9 @@
           <a:lstStyle/>
           <a:p>
             <a:r>
-              <a:rPr lang="en-GB" dirty="0" smtClean="0"/>
+              <a:rPr lang="en-GB" dirty="0"/>
               <a:t>Luminescence packages</a:t>
             </a:r>
-            <a:endParaRPr lang="en-GB" dirty="0"/>
           </a:p>
         </p:txBody>
       </p:sp>
@@ -19110,17 +18969,10 @@
   <p:clrMapOvr>
     <a:masterClrMapping/>
   </p:clrMapOvr>
-  <p:timing>
-    <p:tnLst>
-      <p:par>
-        <p:cTn id="1" dur="indefinite" restart="never" nodeType="tmRoot"/>
-      </p:par>
-    </p:tnLst>
-  </p:timing>
 </p:sld>
 </file>
 
-<file path=ppt/slides/slide17.xml><?xml version="1.0" encoding="utf-8"?>
+<file path=ppt/slides/slide18.xml><?xml version="1.0" encoding="utf-8"?>
 <p:sld xmlns:a="http://schemas.openxmlformats.org/drawingml/2006/main" xmlns:r="http://schemas.openxmlformats.org/officeDocument/2006/relationships" xmlns:p="http://schemas.openxmlformats.org/presentationml/2006/main">
   <p:cSld>
     <p:spTree>
@@ -19161,10 +19013,9 @@
           <a:p>
             <a:pPr algn="r"/>
             <a:r>
-              <a:rPr lang="en-GB" dirty="0" smtClean="0"/>
+              <a:rPr lang="en-GB" dirty="0"/>
               <a:t>Appendix</a:t>
             </a:r>
-            <a:endParaRPr lang="en-GB" dirty="0"/>
           </a:p>
         </p:txBody>
       </p:sp>
@@ -19210,17 +19061,10 @@
   <p:clrMapOvr>
     <a:masterClrMapping/>
   </p:clrMapOvr>
-  <p:timing>
-    <p:tnLst>
-      <p:par>
-        <p:cTn id="1" dur="indefinite" restart="never" nodeType="tmRoot"/>
-      </p:par>
-    </p:tnLst>
-  </p:timing>
 </p:sld>
 </file>
 
-<file path=ppt/slides/slide18.xml><?xml version="1.0" encoding="utf-8"?>
+<file path=ppt/slides/slide19.xml><?xml version="1.0" encoding="utf-8"?>
 <p:sld xmlns:a="http://schemas.openxmlformats.org/drawingml/2006/main" xmlns:r="http://schemas.openxmlformats.org/officeDocument/2006/relationships" xmlns:p="http://schemas.openxmlformats.org/presentationml/2006/main">
   <p:cSld>
     <p:spTree>
@@ -19260,10 +19104,9 @@
           <a:lstStyle/>
           <a:p>
             <a:r>
-              <a:rPr lang="en-GB" dirty="0" smtClean="0"/>
+              <a:rPr lang="en-GB" dirty="0"/>
               <a:t>What tools to use for dealing with python projects?</a:t>
             </a:r>
-            <a:endParaRPr lang="en-GB" dirty="0"/>
           </a:p>
         </p:txBody>
       </p:sp>
@@ -19291,17 +19134,17 @@
               <a:buNone/>
             </a:pPr>
             <a:r>
-              <a:rPr lang="en-GB" dirty="0" smtClean="0"/>
+              <a:rPr lang="en-GB" dirty="0"/>
               <a:t>For sporadic data analysis:</a:t>
             </a:r>
           </a:p>
           <a:p>
             <a:r>
-              <a:rPr lang="en-GB" dirty="0" err="1" smtClean="0"/>
+              <a:rPr lang="en-GB" dirty="0" err="1"/>
               <a:t>Jupyter</a:t>
             </a:r>
             <a:r>
-              <a:rPr lang="en-GB" dirty="0" smtClean="0"/>
+              <a:rPr lang="en-GB" dirty="0"/>
               <a:t> Lab (or the older version the Notebook)</a:t>
             </a:r>
           </a:p>
@@ -19310,23 +19153,23 @@
               <a:buNone/>
             </a:pPr>
             <a:r>
-              <a:rPr lang="en-GB" dirty="0" smtClean="0"/>
+              <a:rPr lang="en-GB" dirty="0"/>
               <a:t>For writing scrips:</a:t>
             </a:r>
           </a:p>
           <a:p>
             <a:r>
-              <a:rPr lang="en-GB" dirty="0" err="1" smtClean="0"/>
+              <a:rPr lang="en-GB" dirty="0" err="1"/>
               <a:t>Spyder</a:t>
             </a:r>
-            <a:endParaRPr lang="en-GB" dirty="0" smtClean="0"/>
+            <a:endParaRPr lang="en-GB" dirty="0"/>
           </a:p>
           <a:p>
             <a:r>
-              <a:rPr lang="en-GB" dirty="0" err="1" smtClean="0"/>
+              <a:rPr lang="en-GB" dirty="0" err="1"/>
               <a:t>SublimeText</a:t>
             </a:r>
-            <a:endParaRPr lang="en-GB" dirty="0" smtClean="0"/>
+            <a:endParaRPr lang="en-GB" dirty="0"/>
           </a:p>
           <a:p>
             <a:pPr marL="0" indent="0">
@@ -19339,13 +19182,13 @@
               <a:buNone/>
             </a:pPr>
             <a:r>
-              <a:rPr lang="en-GB" dirty="0" smtClean="0"/>
+              <a:rPr lang="en-GB" dirty="0"/>
               <a:t>For everything:</a:t>
             </a:r>
           </a:p>
           <a:p>
             <a:r>
-              <a:rPr lang="en-GB" b="1" dirty="0" err="1" smtClean="0">
+              <a:rPr lang="en-GB" b="1" dirty="0" err="1">
                 <a:solidFill>
                   <a:srgbClr val="85B09A"/>
                 </a:solidFill>
@@ -19353,18 +19196,17 @@
               <a:t>PyCharm</a:t>
             </a:r>
             <a:r>
-              <a:rPr lang="en-GB" dirty="0" smtClean="0"/>
+              <a:rPr lang="en-GB" dirty="0"/>
               <a:t> (unlimited, keep projects, interpreters, files, GitHub all </a:t>
             </a:r>
             <a:r>
-              <a:rPr lang="en-GB" dirty="0" err="1" smtClean="0"/>
+              <a:rPr lang="en-GB" dirty="0" err="1"/>
               <a:t>seperate</a:t>
             </a:r>
             <a:r>
-              <a:rPr lang="en-GB" dirty="0" smtClean="0"/>
+              <a:rPr lang="en-GB" dirty="0"/>
               <a:t>)</a:t>
             </a:r>
-            <a:endParaRPr lang="en-GB" dirty="0"/>
           </a:p>
         </p:txBody>
       </p:sp>
@@ -19381,7 +19223,130 @@
 </p:sld>
 </file>
 
-<file path=ppt/slides/slide19.xml><?xml version="1.0" encoding="utf-8"?>
+<file path=ppt/slides/slide2.xml><?xml version="1.0" encoding="utf-8"?>
+<p:sld xmlns:a="http://schemas.openxmlformats.org/drawingml/2006/main" xmlns:r="http://schemas.openxmlformats.org/officeDocument/2006/relationships" xmlns:p="http://schemas.openxmlformats.org/presentationml/2006/main">
+  <p:cSld>
+    <p:spTree>
+      <p:nvGrpSpPr>
+        <p:cNvPr id="1" name=""/>
+        <p:cNvGrpSpPr/>
+        <p:nvPr/>
+      </p:nvGrpSpPr>
+      <p:grpSpPr>
+        <a:xfrm>
+          <a:off x="0" y="0"/>
+          <a:ext cx="0" cy="0"/>
+          <a:chOff x="0" y="0"/>
+          <a:chExt cx="0" cy="0"/>
+        </a:xfrm>
+      </p:grpSpPr>
+      <p:sp>
+        <p:nvSpPr>
+          <p:cNvPr id="4" name="Title 3"/>
+          <p:cNvSpPr>
+            <a:spLocks noGrp="1"/>
+          </p:cNvSpPr>
+          <p:nvPr>
+            <p:ph type="title"/>
+          </p:nvPr>
+        </p:nvSpPr>
+        <p:spPr/>
+        <p:txBody>
+          <a:bodyPr>
+            <a:normAutofit fontScale="90000"/>
+          </a:bodyPr>
+          <a:lstStyle/>
+          <a:p>
+            <a:r>
+              <a:rPr lang="en-GB" dirty="0">
+                <a:latin typeface="Consolas" panose="020B0609020204030204" pitchFamily="49" charset="0"/>
+              </a:rPr>
+              <a:t>Preparation before the workshop</a:t>
+            </a:r>
+          </a:p>
+        </p:txBody>
+      </p:sp>
+      <p:graphicFrame>
+        <p:nvGraphicFramePr>
+          <p:cNvPr id="6" name="Content Placeholder 5"/>
+          <p:cNvGraphicFramePr>
+            <a:graphicFrameLocks noGrp="1"/>
+          </p:cNvGraphicFramePr>
+          <p:nvPr>
+            <p:ph idx="1"/>
+            <p:extLst>
+              <p:ext uri="{D42A27DB-BD31-4B8C-83A1-F6EECF244321}">
+                <p14:modId xmlns:p14="http://schemas.microsoft.com/office/powerpoint/2010/main" val="1007142305"/>
+              </p:ext>
+            </p:extLst>
+          </p:nvPr>
+        </p:nvGraphicFramePr>
+        <p:xfrm>
+          <a:off x="1077902" y="1322019"/>
+          <a:ext cx="10036196" cy="3919766"/>
+        </p:xfrm>
+        <a:graphic>
+          <a:graphicData uri="http://schemas.openxmlformats.org/drawingml/2006/diagram">
+            <dgm:relIds xmlns:dgm="http://schemas.openxmlformats.org/drawingml/2006/diagram" xmlns:r="http://schemas.openxmlformats.org/officeDocument/2006/relationships" r:dm="rId2" r:lo="rId3" r:qs="rId4" r:cs="rId5"/>
+          </a:graphicData>
+        </a:graphic>
+      </p:graphicFrame>
+      <p:sp>
+        <p:nvSpPr>
+          <p:cNvPr id="2" name="TextBox 1"/>
+          <p:cNvSpPr txBox="1"/>
+          <p:nvPr/>
+        </p:nvSpPr>
+        <p:spPr>
+          <a:xfrm>
+            <a:off x="1077902" y="5429184"/>
+            <a:ext cx="6674538" cy="646331"/>
+          </a:xfrm>
+          <a:prstGeom prst="rect">
+            <a:avLst/>
+          </a:prstGeom>
+          <a:noFill/>
+        </p:spPr>
+        <p:txBody>
+          <a:bodyPr wrap="square" rtlCol="0">
+            <a:spAutoFit/>
+          </a:bodyPr>
+          <a:lstStyle/>
+          <a:p>
+            <a:r>
+              <a:rPr lang="en-GB" b="1" dirty="0">
+                <a:latin typeface="Consolas" panose="020B0609020204030204" pitchFamily="49" charset="0"/>
+              </a:rPr>
+              <a:t>Thanks! </a:t>
+            </a:r>
+            <a:br>
+              <a:rPr lang="en-GB" b="1" dirty="0">
+                <a:latin typeface="Consolas" panose="020B0609020204030204" pitchFamily="49" charset="0"/>
+              </a:rPr>
+            </a:br>
+            <a:r>
+              <a:rPr lang="en-GB" b="1" dirty="0">
+                <a:latin typeface="Consolas" panose="020B0609020204030204" pitchFamily="49" charset="0"/>
+              </a:rPr>
+              <a:t>Ivan and Jordi</a:t>
+            </a:r>
+          </a:p>
+        </p:txBody>
+      </p:sp>
+    </p:spTree>
+    <p:extLst>
+      <p:ext uri="{BB962C8B-B14F-4D97-AF65-F5344CB8AC3E}">
+        <p14:creationId xmlns:p14="http://schemas.microsoft.com/office/powerpoint/2010/main" val="183578489"/>
+      </p:ext>
+    </p:extLst>
+  </p:cSld>
+  <p:clrMapOvr>
+    <a:masterClrMapping/>
+  </p:clrMapOvr>
+</p:sld>
+</file>
+
+<file path=ppt/slides/slide20.xml><?xml version="1.0" encoding="utf-8"?>
 <p:sld xmlns:a="http://schemas.openxmlformats.org/drawingml/2006/main" xmlns:r="http://schemas.openxmlformats.org/officeDocument/2006/relationships" xmlns:p="http://schemas.openxmlformats.org/presentationml/2006/main">
   <p:cSld>
     <p:spTree>
@@ -19419,14 +19384,11 @@
           <a:lstStyle/>
           <a:p>
             <a:r>
-              <a:rPr lang="en-GB" sz="4800" b="1" dirty="0" smtClean="0">
+              <a:rPr lang="en-GB" sz="4800" b="1" dirty="0">
                 <a:latin typeface="Consolas" panose="020B0609020204030204" pitchFamily="49" charset="0"/>
               </a:rPr>
               <a:t>Q&amp;A</a:t>
             </a:r>
-            <a:endParaRPr lang="en-GB" sz="4800" b="1" dirty="0">
-              <a:latin typeface="Consolas" panose="020B0609020204030204" pitchFamily="49" charset="0"/>
-            </a:endParaRPr>
           </a:p>
         </p:txBody>
       </p:sp>
@@ -19446,36 +19408,27 @@
           <a:lstStyle/>
           <a:p>
             <a:r>
-              <a:rPr lang="en-GB" dirty="0" smtClean="0">
+              <a:rPr lang="en-GB" dirty="0">
                 <a:latin typeface="Consolas" panose="020B0609020204030204" pitchFamily="49" charset="0"/>
               </a:rPr>
               <a:t>Or send me any questions via email:</a:t>
             </a:r>
             <a:br>
-              <a:rPr lang="en-GB" dirty="0" smtClean="0">
+              <a:rPr lang="en-GB" dirty="0">
+                <a:latin typeface="Consolas" panose="020B0609020204030204" pitchFamily="49" charset="0"/>
+              </a:rPr>
+            </a:br>
+            <a:br>
+              <a:rPr lang="en-GB" dirty="0">
                 <a:latin typeface="Consolas" panose="020B0609020204030204" pitchFamily="49" charset="0"/>
               </a:rPr>
             </a:br>
             <a:r>
-              <a:rPr lang="en-GB" dirty="0" smtClean="0">
-                <a:latin typeface="Consolas" panose="020B0609020204030204" pitchFamily="49" charset="0"/>
-              </a:rPr>
-              <a:t/>
-            </a:r>
-            <a:br>
-              <a:rPr lang="en-GB" dirty="0" smtClean="0">
-                <a:latin typeface="Consolas" panose="020B0609020204030204" pitchFamily="49" charset="0"/>
-              </a:rPr>
-            </a:br>
-            <a:r>
-              <a:rPr lang="en-GB" dirty="0" smtClean="0">
+              <a:rPr lang="en-GB" dirty="0">
                 <a:latin typeface="Consolas" panose="020B0609020204030204" pitchFamily="49" charset="0"/>
               </a:rPr>
               <a:t>jf631@cam.ac.uk</a:t>
             </a:r>
-            <a:endParaRPr lang="en-GB" dirty="0">
-              <a:latin typeface="Consolas" panose="020B0609020204030204" pitchFamily="49" charset="0"/>
-            </a:endParaRPr>
           </a:p>
         </p:txBody>
       </p:sp>
@@ -19490,6 +19443,13 @@
           </p:nvPr>
         </p:nvSpPr>
         <p:spPr/>
+        <p:txBody>
+          <a:bodyPr/>
+          <a:lstStyle/>
+          <a:p>
+            <a:endParaRPr lang="en-US"/>
+          </a:p>
+        </p:txBody>
       </p:sp>
       <p:pic>
         <p:nvPicPr>
@@ -19542,149 +19502,6 @@
   <p:clrMapOvr>
     <a:masterClrMapping/>
   </p:clrMapOvr>
-  <p:timing>
-    <p:tnLst>
-      <p:par>
-        <p:cTn id="1" dur="indefinite" restart="never" nodeType="tmRoot"/>
-      </p:par>
-    </p:tnLst>
-  </p:timing>
-</p:sld>
-</file>
-
-<file path=ppt/slides/slide2.xml><?xml version="1.0" encoding="utf-8"?>
-<p:sld xmlns:a="http://schemas.openxmlformats.org/drawingml/2006/main" xmlns:r="http://schemas.openxmlformats.org/officeDocument/2006/relationships" xmlns:p="http://schemas.openxmlformats.org/presentationml/2006/main">
-  <p:cSld>
-    <p:spTree>
-      <p:nvGrpSpPr>
-        <p:cNvPr id="1" name=""/>
-        <p:cNvGrpSpPr/>
-        <p:nvPr/>
-      </p:nvGrpSpPr>
-      <p:grpSpPr>
-        <a:xfrm>
-          <a:off x="0" y="0"/>
-          <a:ext cx="0" cy="0"/>
-          <a:chOff x="0" y="0"/>
-          <a:chExt cx="0" cy="0"/>
-        </a:xfrm>
-      </p:grpSpPr>
-      <p:sp>
-        <p:nvSpPr>
-          <p:cNvPr id="4" name="Title 3"/>
-          <p:cNvSpPr>
-            <a:spLocks noGrp="1"/>
-          </p:cNvSpPr>
-          <p:nvPr>
-            <p:ph type="title"/>
-          </p:nvPr>
-        </p:nvSpPr>
-        <p:spPr/>
-        <p:txBody>
-          <a:bodyPr>
-            <a:normAutofit fontScale="90000"/>
-          </a:bodyPr>
-          <a:lstStyle/>
-          <a:p>
-            <a:r>
-              <a:rPr lang="en-GB" dirty="0" smtClean="0">
-                <a:latin typeface="Consolas" panose="020B0609020204030204" pitchFamily="49" charset="0"/>
-              </a:rPr>
-              <a:t>Preparation before the workshop</a:t>
-            </a:r>
-            <a:endParaRPr lang="en-GB" dirty="0">
-              <a:latin typeface="Consolas" panose="020B0609020204030204" pitchFamily="49" charset="0"/>
-            </a:endParaRPr>
-          </a:p>
-        </p:txBody>
-      </p:sp>
-      <p:graphicFrame>
-        <p:nvGraphicFramePr>
-          <p:cNvPr id="6" name="Content Placeholder 5"/>
-          <p:cNvGraphicFramePr>
-            <a:graphicFrameLocks noGrp="1"/>
-          </p:cNvGraphicFramePr>
-          <p:nvPr>
-            <p:ph idx="1"/>
-            <p:extLst>
-              <p:ext uri="{D42A27DB-BD31-4B8C-83A1-F6EECF244321}">
-                <p14:modId xmlns:p14="http://schemas.microsoft.com/office/powerpoint/2010/main" val="1007142305"/>
-              </p:ext>
-            </p:extLst>
-          </p:nvPr>
-        </p:nvGraphicFramePr>
-        <p:xfrm>
-          <a:off x="1077902" y="1322019"/>
-          <a:ext cx="10036196" cy="3919766"/>
-        </p:xfrm>
-        <a:graphic>
-          <a:graphicData uri="http://schemas.openxmlformats.org/drawingml/2006/diagram">
-            <dgm:relIds xmlns:dgm="http://schemas.openxmlformats.org/drawingml/2006/diagram" xmlns:r="http://schemas.openxmlformats.org/officeDocument/2006/relationships" r:dm="rId2" r:lo="rId3" r:qs="rId4" r:cs="rId5"/>
-          </a:graphicData>
-        </a:graphic>
-      </p:graphicFrame>
-      <p:sp>
-        <p:nvSpPr>
-          <p:cNvPr id="2" name="TextBox 1"/>
-          <p:cNvSpPr txBox="1"/>
-          <p:nvPr/>
-        </p:nvSpPr>
-        <p:spPr>
-          <a:xfrm>
-            <a:off x="1077902" y="5429184"/>
-            <a:ext cx="6674538" cy="646331"/>
-          </a:xfrm>
-          <a:prstGeom prst="rect">
-            <a:avLst/>
-          </a:prstGeom>
-          <a:noFill/>
-        </p:spPr>
-        <p:txBody>
-          <a:bodyPr wrap="square" rtlCol="0">
-            <a:spAutoFit/>
-          </a:bodyPr>
-          <a:lstStyle/>
-          <a:p>
-            <a:r>
-              <a:rPr lang="en-GB" b="1" dirty="0" smtClean="0">
-                <a:latin typeface="Consolas" panose="020B0609020204030204" pitchFamily="49" charset="0"/>
-              </a:rPr>
-              <a:t>Thanks! </a:t>
-            </a:r>
-            <a:br>
-              <a:rPr lang="en-GB" b="1" dirty="0" smtClean="0">
-                <a:latin typeface="Consolas" panose="020B0609020204030204" pitchFamily="49" charset="0"/>
-              </a:rPr>
-            </a:br>
-            <a:r>
-              <a:rPr lang="en-GB" b="1" dirty="0" smtClean="0">
-                <a:latin typeface="Consolas" panose="020B0609020204030204" pitchFamily="49" charset="0"/>
-              </a:rPr>
-              <a:t>Ivan and Jordi</a:t>
-            </a:r>
-            <a:endParaRPr lang="en-GB" b="1" dirty="0">
-              <a:latin typeface="Consolas" panose="020B0609020204030204" pitchFamily="49" charset="0"/>
-            </a:endParaRPr>
-          </a:p>
-        </p:txBody>
-      </p:sp>
-    </p:spTree>
-    <p:extLst>
-      <p:ext uri="{BB962C8B-B14F-4D97-AF65-F5344CB8AC3E}">
-        <p14:creationId xmlns:p14="http://schemas.microsoft.com/office/powerpoint/2010/main" val="183578489"/>
-      </p:ext>
-    </p:extLst>
-  </p:cSld>
-  <p:clrMapOvr>
-    <a:masterClrMapping/>
-  </p:clrMapOvr>
-  <p:timing>
-    <p:tnLst>
-      <p:par>
-        <p:cTn id="1" dur="indefinite" restart="never" nodeType="tmRoot"/>
-      </p:par>
-    </p:tnLst>
-  </p:timing>
 </p:sld>
 </file>
 
@@ -19727,10 +19544,9 @@
           <a:p>
             <a:pPr algn="r"/>
             <a:r>
-              <a:rPr lang="en-GB" dirty="0" smtClean="0"/>
+              <a:rPr lang="en-GB" dirty="0"/>
               <a:t>FITTING MODELS TO DATA in python</a:t>
             </a:r>
-            <a:endParaRPr lang="en-GB" dirty="0"/>
           </a:p>
         </p:txBody>
       </p:sp>
@@ -19776,13 +19592,6 @@
   <p:clrMapOvr>
     <a:masterClrMapping/>
   </p:clrMapOvr>
-  <p:timing>
-    <p:tnLst>
-      <p:par>
-        <p:cTn id="1" dur="indefinite" restart="never" nodeType="tmRoot"/>
-      </p:par>
-    </p:tnLst>
-  </p:timing>
 </p:sld>
 </file>
 
@@ -19826,10 +19635,9 @@
           <a:lstStyle/>
           <a:p>
             <a:r>
-              <a:rPr lang="en-GB" dirty="0" smtClean="0"/>
+              <a:rPr lang="en-GB" dirty="0"/>
               <a:t>Fitting a model to experimental data</a:t>
             </a:r>
-            <a:endParaRPr lang="en-GB" dirty="0"/>
           </a:p>
         </p:txBody>
       </p:sp>
@@ -19868,13 +19676,6 @@
   <p:clrMapOvr>
     <a:masterClrMapping/>
   </p:clrMapOvr>
-  <p:timing>
-    <p:tnLst>
-      <p:par>
-        <p:cTn id="1" dur="indefinite" restart="never" nodeType="tmRoot"/>
-      </p:par>
-    </p:tnLst>
-  </p:timing>
 </p:sld>
 </file>
 
@@ -19917,17 +19718,16 @@
           <a:p>
             <a:pPr algn="r"/>
             <a:r>
-              <a:rPr lang="en-GB" dirty="0" smtClean="0"/>
+              <a:rPr lang="en-GB" dirty="0"/>
               <a:t>Large data files</a:t>
             </a:r>
             <a:br>
-              <a:rPr lang="en-GB" dirty="0" smtClean="0"/>
+              <a:rPr lang="en-GB" dirty="0"/>
             </a:br>
             <a:r>
-              <a:rPr lang="en-GB" dirty="0" smtClean="0"/>
+              <a:rPr lang="en-GB" dirty="0"/>
               <a:t>in python</a:t>
             </a:r>
-            <a:endParaRPr lang="en-GB" dirty="0"/>
           </a:p>
         </p:txBody>
       </p:sp>
@@ -19978,13 +19778,6 @@
   <p:clrMapOvr>
     <a:masterClrMapping/>
   </p:clrMapOvr>
-  <p:timing>
-    <p:tnLst>
-      <p:par>
-        <p:cTn id="1" dur="indefinite" restart="never" nodeType="tmRoot"/>
-      </p:par>
-    </p:tnLst>
-  </p:timing>
 </p:sld>
 </file>
 
@@ -20023,11 +19816,11 @@
           <a:lstStyle/>
           <a:p>
             <a:r>
-              <a:rPr lang="en-GB" dirty="0" smtClean="0"/>
+              <a:rPr lang="en-GB" dirty="0"/>
               <a:t>Large </a:t>
             </a:r>
             <a:r>
-              <a:rPr lang="en-GB" dirty="0" err="1" smtClean="0"/>
+              <a:rPr lang="en-GB" dirty="0" err="1"/>
               <a:t>datafiles</a:t>
             </a:r>
             <a:endParaRPr lang="en-GB" dirty="0"/>
@@ -20069,13 +19862,6 @@
   <p:clrMapOvr>
     <a:masterClrMapping/>
   </p:clrMapOvr>
-  <p:timing>
-    <p:tnLst>
-      <p:par>
-        <p:cTn id="1" dur="indefinite" restart="never" nodeType="tmRoot"/>
-      </p:par>
-    </p:tnLst>
-  </p:timing>
 </p:sld>
 </file>
 
@@ -20118,7 +19904,7 @@
           <a:p>
             <a:pPr algn="r"/>
             <a:r>
-              <a:rPr lang="en-GB" dirty="0" err="1" smtClean="0"/>
+              <a:rPr lang="en-GB" dirty="0" err="1"/>
               <a:t>Github</a:t>
             </a:r>
             <a:endParaRPr lang="en-GB" dirty="0"/>
@@ -20147,12 +19933,8 @@
           <a:p>
             <a:pPr algn="r"/>
             <a:r>
-              <a:rPr lang="en-GB" dirty="0" smtClean="0"/>
-              <a:t>Software </a:t>
-            </a:r>
-            <a:r>
               <a:rPr lang="en-GB" dirty="0"/>
-              <a:t>development </a:t>
+              <a:t>Software development </a:t>
             </a:r>
             <a:r>
               <a:rPr lang="en-GB" b="1" dirty="0"/>
@@ -20237,17 +20019,16 @@
           <a:p>
             <a:pPr algn="ctr"/>
             <a:r>
-              <a:rPr lang="en-GB" b="1" dirty="0" smtClean="0"/>
+              <a:rPr lang="en-GB" b="1" dirty="0"/>
               <a:t>Interactive part!</a:t>
             </a:r>
             <a:br>
-              <a:rPr lang="en-GB" b="1" dirty="0" smtClean="0"/>
+              <a:rPr lang="en-GB" b="1" dirty="0"/>
             </a:br>
             <a:r>
-              <a:rPr lang="en-GB" b="1" dirty="0" smtClean="0"/>
+              <a:rPr lang="en-GB" b="1" dirty="0"/>
               <a:t>Get ready…</a:t>
             </a:r>
-            <a:endParaRPr lang="en-GB" b="1" dirty="0"/>
           </a:p>
         </p:txBody>
       </p:sp>
@@ -20261,13 +20042,6 @@
   <p:clrMapOvr>
     <a:masterClrMapping/>
   </p:clrMapOvr>
-  <p:timing>
-    <p:tnLst>
-      <p:par>
-        <p:cTn id="1" dur="indefinite" restart="never" nodeType="tmRoot"/>
-      </p:par>
-    </p:tnLst>
-  </p:timing>
 </p:sld>
 </file>
 
@@ -20306,16 +20080,38 @@
           <a:lstStyle/>
           <a:p>
             <a:r>
-              <a:rPr lang="en-GB" dirty="0" smtClean="0"/>
-              <a:t>The </a:t>
+              <a:rPr lang="en-GB" dirty="0"/>
+              <a:t>The git flow</a:t>
             </a:r>
+          </a:p>
+        </p:txBody>
+      </p:sp>
+      <p:sp>
+        <p:nvSpPr>
+          <p:cNvPr id="5" name="Rectangle 4"/>
+          <p:cNvSpPr/>
+          <p:nvPr/>
+        </p:nvSpPr>
+        <p:spPr>
+          <a:xfrm>
+            <a:off x="1492250" y="6077437"/>
+            <a:ext cx="3294492" cy="369332"/>
+          </a:xfrm>
+          <a:prstGeom prst="rect">
+            <a:avLst/>
+          </a:prstGeom>
+        </p:spPr>
+        <p:txBody>
+          <a:bodyPr wrap="none">
+            <a:spAutoFit/>
+          </a:bodyPr>
+          <a:lstStyle/>
+          <a:p>
             <a:r>
-              <a:rPr lang="en-GB" dirty="0" err="1" smtClean="0"/>
-              <a:t>github</a:t>
-            </a:r>
-            <a:r>
-              <a:rPr lang="en-GB" dirty="0" smtClean="0"/>
-              <a:t> flow</a:t>
+              <a:rPr lang="en-GB" dirty="0">
+                <a:hlinkClick r:id="rId4"/>
+              </a:rPr>
+              <a:t>https://youtu.be/PBI2Rz-ZOxU</a:t>
             </a:r>
             <a:endParaRPr lang="en-GB" dirty="0"/>
           </a:p>
@@ -20323,7 +20119,14 @@
       </p:sp>
       <p:pic>
         <p:nvPicPr>
-          <p:cNvPr id="4" name="PBI2Rz-ZOxU"/>
+          <p:cNvPr id="9" name="Online Media 8" descr="How Git Works: Explained in 4 Minutes">
+            <a:hlinkClick r:id="" action="ppaction://media"/>
+            <a:extLst>
+              <a:ext uri="{FF2B5EF4-FFF2-40B4-BE49-F238E27FC236}">
+                <a16:creationId xmlns:a16="http://schemas.microsoft.com/office/drawing/2014/main" id="{23737D5F-ED5A-471F-FBF5-D511CD1F7CA4}"/>
+              </a:ext>
+            </a:extLst>
+          </p:cNvPr>
           <p:cNvPicPr>
             <a:picLocks noGrp="1" noRot="1" noChangeAspect="1"/>
           </p:cNvPicPr>
@@ -20333,15 +20136,252 @@
           </p:nvPr>
         </p:nvPicPr>
         <p:blipFill>
-          <a:blip r:embed="rId4"/>
+          <a:blip r:embed="rId5"/>
           <a:stretch>
             <a:fillRect/>
           </a:stretch>
         </p:blipFill>
         <p:spPr>
           <a:xfrm>
-            <a:off x="1601656" y="1146994"/>
-            <a:ext cx="8788724" cy="4943657"/>
+            <a:off x="1492250" y="970756"/>
+            <a:ext cx="8701088" cy="4916487"/>
+          </a:xfrm>
+          <a:prstGeom prst="rect">
+            <a:avLst/>
+          </a:prstGeom>
+        </p:spPr>
+      </p:pic>
+    </p:spTree>
+    <p:extLst>
+      <p:ext uri="{BB962C8B-B14F-4D97-AF65-F5344CB8AC3E}">
+        <p14:creationId xmlns:p14="http://schemas.microsoft.com/office/powerpoint/2010/main" val="1327754810"/>
+      </p:ext>
+    </p:extLst>
+  </p:cSld>
+  <p:clrMapOvr>
+    <a:masterClrMapping/>
+  </p:clrMapOvr>
+  <p:timing>
+    <p:tnLst>
+      <p:par>
+        <p:cTn id="1" dur="indefinite" restart="never" nodeType="tmRoot">
+          <p:childTnLst>
+            <p:seq concurrent="1" nextAc="seek">
+              <p:cTn id="2" dur="indefinite" nodeType="mainSeq">
+                <p:childTnLst>
+                  <p:par>
+                    <p:cTn id="3" fill="hold">
+                      <p:stCondLst>
+                        <p:cond delay="indefinite"/>
+                      </p:stCondLst>
+                      <p:childTnLst>
+                        <p:par>
+                          <p:cTn id="4" fill="hold">
+                            <p:stCondLst>
+                              <p:cond delay="0"/>
+                            </p:stCondLst>
+                            <p:childTnLst>
+                              <p:par>
+                                <p:cTn id="5" presetID="1" presetClass="mediacall" presetSubtype="0" fill="hold" nodeType="clickEffect">
+                                  <p:stCondLst>
+                                    <p:cond delay="0"/>
+                                  </p:stCondLst>
+                                  <p:childTnLst>
+                                    <p:cmd type="call" cmd="playFrom(0.0)">
+                                      <p:cBhvr>
+                                        <p:cTn id="6" dur="1" fill="hold"/>
+                                        <p:tgtEl>
+                                          <p:spTgt spid="9"/>
+                                        </p:tgtEl>
+                                      </p:cBhvr>
+                                    </p:cmd>
+                                  </p:childTnLst>
+                                </p:cTn>
+                              </p:par>
+                            </p:childTnLst>
+                          </p:cTn>
+                        </p:par>
+                      </p:childTnLst>
+                    </p:cTn>
+                  </p:par>
+                </p:childTnLst>
+              </p:cTn>
+              <p:prevCondLst>
+                <p:cond evt="onPrev" delay="0">
+                  <p:tgtEl>
+                    <p:sldTgt/>
+                  </p:tgtEl>
+                </p:cond>
+              </p:prevCondLst>
+              <p:nextCondLst>
+                <p:cond evt="onNext" delay="0">
+                  <p:tgtEl>
+                    <p:sldTgt/>
+                  </p:tgtEl>
+                </p:cond>
+              </p:nextCondLst>
+            </p:seq>
+            <p:video>
+              <p:cMediaNode vol="80000">
+                <p:cTn id="7" fill="hold" display="0">
+                  <p:stCondLst>
+                    <p:cond delay="indefinite"/>
+                  </p:stCondLst>
+                </p:cTn>
+                <p:tgtEl>
+                  <p:spTgt spid="9"/>
+                </p:tgtEl>
+              </p:cMediaNode>
+            </p:video>
+            <p:seq concurrent="1" nextAc="seek">
+              <p:cTn id="8" restart="whenNotActive" fill="hold" evtFilter="cancelBubble" nodeType="interactiveSeq">
+                <p:stCondLst>
+                  <p:cond evt="onClick" delay="0">
+                    <p:tgtEl>
+                      <p:spTgt spid="9"/>
+                    </p:tgtEl>
+                  </p:cond>
+                </p:stCondLst>
+                <p:endSync evt="end" delay="0">
+                  <p:rtn val="all"/>
+                </p:endSync>
+                <p:childTnLst>
+                  <p:par>
+                    <p:cTn id="9" fill="hold">
+                      <p:stCondLst>
+                        <p:cond delay="0"/>
+                      </p:stCondLst>
+                      <p:childTnLst>
+                        <p:par>
+                          <p:cTn id="10" fill="hold">
+                            <p:stCondLst>
+                              <p:cond delay="0"/>
+                            </p:stCondLst>
+                            <p:childTnLst>
+                              <p:par>
+                                <p:cTn id="11" presetID="2" presetClass="mediacall" presetSubtype="0" fill="hold" nodeType="clickEffect">
+                                  <p:stCondLst>
+                                    <p:cond delay="0"/>
+                                  </p:stCondLst>
+                                  <p:childTnLst>
+                                    <p:cmd type="call" cmd="togglePause">
+                                      <p:cBhvr>
+                                        <p:cTn id="12" dur="1" fill="hold"/>
+                                        <p:tgtEl>
+                                          <p:spTgt spid="9"/>
+                                        </p:tgtEl>
+                                      </p:cBhvr>
+                                    </p:cmd>
+                                  </p:childTnLst>
+                                </p:cTn>
+                              </p:par>
+                            </p:childTnLst>
+                          </p:cTn>
+                        </p:par>
+                      </p:childTnLst>
+                    </p:cTn>
+                  </p:par>
+                </p:childTnLst>
+              </p:cTn>
+              <p:nextCondLst>
+                <p:cond evt="onClick" delay="0">
+                  <p:tgtEl>
+                    <p:spTgt spid="9"/>
+                  </p:tgtEl>
+                </p:cond>
+              </p:nextCondLst>
+            </p:seq>
+          </p:childTnLst>
+        </p:cTn>
+      </p:par>
+    </p:tnLst>
+  </p:timing>
+</p:sld>
+</file>
+
+<file path=ppt/slides/slide9.xml><?xml version="1.0" encoding="utf-8"?>
+<p:sld xmlns:a="http://schemas.openxmlformats.org/drawingml/2006/main" xmlns:r="http://schemas.openxmlformats.org/officeDocument/2006/relationships" xmlns:p="http://schemas.openxmlformats.org/presentationml/2006/main">
+  <p:cSld>
+    <p:spTree>
+      <p:nvGrpSpPr>
+        <p:cNvPr id="1" name=""/>
+        <p:cNvGrpSpPr/>
+        <p:nvPr/>
+      </p:nvGrpSpPr>
+      <p:grpSpPr>
+        <a:xfrm>
+          <a:off x="0" y="0"/>
+          <a:ext cx="0" cy="0"/>
+          <a:chOff x="0" y="0"/>
+          <a:chExt cx="0" cy="0"/>
+        </a:xfrm>
+      </p:grpSpPr>
+      <p:sp>
+        <p:nvSpPr>
+          <p:cNvPr id="2" name="Title 1">
+            <a:extLst>
+              <a:ext uri="{FF2B5EF4-FFF2-40B4-BE49-F238E27FC236}">
+                <a16:creationId xmlns:a16="http://schemas.microsoft.com/office/drawing/2014/main" id="{2D8DDA38-8956-D97D-D5FC-54C0F9C6FBCB}"/>
+              </a:ext>
+            </a:extLst>
+          </p:cNvPr>
+          <p:cNvSpPr>
+            <a:spLocks noGrp="1"/>
+          </p:cNvSpPr>
+          <p:nvPr>
+            <p:ph type="title"/>
+          </p:nvPr>
+        </p:nvSpPr>
+        <p:spPr/>
+        <p:txBody>
+          <a:bodyPr>
+            <a:normAutofit fontScale="90000"/>
+          </a:bodyPr>
+          <a:lstStyle/>
+          <a:p>
+            <a:r>
+              <a:rPr lang="en-US" dirty="0"/>
+              <a:t>The </a:t>
+            </a:r>
+            <a:r>
+              <a:rPr lang="en-US" dirty="0" err="1"/>
+              <a:t>github</a:t>
+            </a:r>
+            <a:r>
+              <a:rPr lang="en-US" dirty="0"/>
+              <a:t> flow</a:t>
+            </a:r>
+          </a:p>
+        </p:txBody>
+      </p:sp>
+      <p:pic>
+        <p:nvPicPr>
+          <p:cNvPr id="6" name="Online Media 5" descr="Understanding the GitHub Flow">
+            <a:hlinkClick r:id="" action="ppaction://media"/>
+            <a:extLst>
+              <a:ext uri="{FF2B5EF4-FFF2-40B4-BE49-F238E27FC236}">
+                <a16:creationId xmlns:a16="http://schemas.microsoft.com/office/drawing/2014/main" id="{0221DE41-C873-53DA-8FF8-AAEC8D78C328}"/>
+              </a:ext>
+            </a:extLst>
+          </p:cNvPr>
+          <p:cNvPicPr>
+            <a:picLocks noGrp="1" noRot="1" noChangeAspect="1"/>
+          </p:cNvPicPr>
+          <p:nvPr>
+            <p:ph idx="1"/>
+            <a:videoFile r:link="rId1"/>
+          </p:nvPr>
+        </p:nvPicPr>
+        <p:blipFill>
+          <a:blip r:embed="rId3"/>
+          <a:stretch>
+            <a:fillRect/>
+          </a:stretch>
+        </p:blipFill>
+        <p:spPr>
+          <a:xfrm>
+            <a:off x="1746250" y="1217613"/>
+            <a:ext cx="8701088" cy="4916487"/>
           </a:xfrm>
           <a:prstGeom prst="rect">
             <a:avLst/>
@@ -20350,14 +20390,20 @@
       </p:pic>
       <p:pic>
         <p:nvPicPr>
-          <p:cNvPr id="2050" name="Picture 2" descr="Quality Assurance Testing rules for submitter - Just Geek IT"/>
+          <p:cNvPr id="7" name="Picture 2" descr="Quality Assurance Testing rules for submitter - Just Geek IT">
+            <a:extLst>
+              <a:ext uri="{FF2B5EF4-FFF2-40B4-BE49-F238E27FC236}">
+                <a16:creationId xmlns:a16="http://schemas.microsoft.com/office/drawing/2014/main" id="{6530EED5-2E7E-3BCF-1BB8-EF390FD8AC41}"/>
+              </a:ext>
+            </a:extLst>
+          </p:cNvPr>
           <p:cNvPicPr>
             <a:picLocks noChangeAspect="1" noChangeArrowheads="1"/>
           </p:cNvPicPr>
           <p:nvPr/>
         </p:nvPicPr>
         <p:blipFill>
-          <a:blip r:embed="rId5">
+          <a:blip r:embed="rId4">
             <a:extLst>
               <a:ext uri="{28A0092B-C50C-407E-A947-70E740481C1C}">
                 <a14:useLocalDpi xmlns:a14="http://schemas.microsoft.com/office/drawing/2010/main" val="0"/>
@@ -20389,38 +20435,10 @@
           </a:extLst>
         </p:spPr>
       </p:pic>
-      <p:sp>
-        <p:nvSpPr>
-          <p:cNvPr id="5" name="Rectangle 4"/>
-          <p:cNvSpPr/>
-          <p:nvPr/>
-        </p:nvSpPr>
-        <p:spPr>
-          <a:xfrm>
-            <a:off x="1492250" y="6077437"/>
-            <a:ext cx="3294492" cy="369332"/>
-          </a:xfrm>
-          <a:prstGeom prst="rect">
-            <a:avLst/>
-          </a:prstGeom>
-        </p:spPr>
-        <p:txBody>
-          <a:bodyPr wrap="none">
-            <a:spAutoFit/>
-          </a:bodyPr>
-          <a:lstStyle/>
-          <a:p>
-            <a:r>
-              <a:rPr lang="en-GB" dirty="0"/>
-              <a:t>https://youtu.be/PBI2Rz-ZOxU</a:t>
-            </a:r>
-          </a:p>
-        </p:txBody>
-      </p:sp>
     </p:spTree>
     <p:extLst>
       <p:ext uri="{BB962C8B-B14F-4D97-AF65-F5344CB8AC3E}">
-        <p14:creationId xmlns:p14="http://schemas.microsoft.com/office/powerpoint/2010/main" val="1327754810"/>
+        <p14:creationId xmlns:p14="http://schemas.microsoft.com/office/powerpoint/2010/main" val="2559377235"/>
       </p:ext>
     </p:extLst>
   </p:cSld>
@@ -20448,20 +20466,55 @@
                             </p:stCondLst>
                             <p:childTnLst>
                               <p:par>
-                                <p:cTn id="5" presetID="10" presetClass="entr" presetSubtype="0" fill="hold" nodeType="clickEffect">
+                                <p:cTn id="5" presetID="1" presetClass="mediacall" presetSubtype="0" fill="hold" nodeType="clickEffect">
+                                  <p:stCondLst>
+                                    <p:cond delay="0"/>
+                                  </p:stCondLst>
+                                  <p:childTnLst>
+                                    <p:cmd type="call" cmd="playFrom(0.0)">
+                                      <p:cBhvr>
+                                        <p:cTn id="6" dur="1" fill="hold"/>
+                                        <p:tgtEl>
+                                          <p:spTgt spid="6"/>
+                                        </p:tgtEl>
+                                      </p:cBhvr>
+                                    </p:cmd>
+                                  </p:childTnLst>
+                                </p:cTn>
+                              </p:par>
+                            </p:childTnLst>
+                          </p:cTn>
+                        </p:par>
+                      </p:childTnLst>
+                    </p:cTn>
+                  </p:par>
+                  <p:par>
+                    <p:cTn id="7" fill="hold">
+                      <p:stCondLst>
+                        <p:cond delay="indefinite"/>
+                      </p:stCondLst>
+                      <p:childTnLst>
+                        <p:par>
+                          <p:cTn id="8" fill="hold">
+                            <p:stCondLst>
+                              <p:cond delay="0"/>
+                            </p:stCondLst>
+                            <p:childTnLst>
+                              <p:par>
+                                <p:cTn id="9" presetID="10" presetClass="entr" presetSubtype="0" fill="hold" nodeType="clickEffect">
                                   <p:stCondLst>
                                     <p:cond delay="0"/>
                                   </p:stCondLst>
                                   <p:childTnLst>
                                     <p:set>
                                       <p:cBhvr>
-                                        <p:cTn id="6" dur="1" fill="hold">
+                                        <p:cTn id="10" dur="1" fill="hold">
                                           <p:stCondLst>
                                             <p:cond delay="0"/>
                                           </p:stCondLst>
                                         </p:cTn>
                                         <p:tgtEl>
-                                          <p:spTgt spid="2050"/>
+                                          <p:spTgt spid="7"/>
                                         </p:tgtEl>
                                         <p:attrNameLst>
                                           <p:attrName>style.visibility</p:attrName>
@@ -20473,12 +20526,57 @@
                                     </p:set>
                                     <p:animEffect transition="in" filter="fade">
                                       <p:cBhvr>
-                                        <p:cTn id="7" dur="500"/>
+                                        <p:cTn id="11" dur="500"/>
                                         <p:tgtEl>
-                                          <p:spTgt spid="2050"/>
+                                          <p:spTgt spid="7"/>
                                         </p:tgtEl>
                                       </p:cBhvr>
                                     </p:animEffect>
+                                  </p:childTnLst>
+                                </p:cTn>
+                              </p:par>
+                            </p:childTnLst>
+                          </p:cTn>
+                        </p:par>
+                      </p:childTnLst>
+                    </p:cTn>
+                  </p:par>
+                  <p:par>
+                    <p:cTn id="12" fill="hold">
+                      <p:stCondLst>
+                        <p:cond delay="indefinite"/>
+                      </p:stCondLst>
+                      <p:childTnLst>
+                        <p:par>
+                          <p:cTn id="13" fill="hold">
+                            <p:stCondLst>
+                              <p:cond delay="0"/>
+                            </p:stCondLst>
+                            <p:childTnLst>
+                              <p:par>
+                                <p:cTn id="14" presetID="1" presetClass="entr" presetSubtype="0" fill="hold" nodeType="clickEffect">
+                                  <p:stCondLst>
+                                    <p:cond delay="0"/>
+                                  </p:stCondLst>
+                                  <p:childTnLst>
+                                    <p:set>
+                                      <p:cBhvr>
+                                        <p:cTn id="15" dur="1" fill="hold">
+                                          <p:stCondLst>
+                                            <p:cond delay="0"/>
+                                          </p:stCondLst>
+                                        </p:cTn>
+                                        <p:tgtEl>
+                                          <p:spTgt spid="7"/>
+                                        </p:tgtEl>
+                                        <p:attrNameLst>
+                                          <p:attrName>style.visibility</p:attrName>
+                                        </p:attrNameLst>
+                                      </p:cBhvr>
+                                      <p:to>
+                                        <p:strVal val="visible"/>
+                                      </p:to>
+                                    </p:set>
                                   </p:childTnLst>
                                 </p:cTn>
                               </p:par>
@@ -20505,194 +20603,78 @@
                 </p:cond>
               </p:nextCondLst>
             </p:seq>
+            <p:video>
+              <p:cMediaNode vol="80000">
+                <p:cTn id="16" fill="hold" display="0">
+                  <p:stCondLst>
+                    <p:cond delay="indefinite"/>
+                  </p:stCondLst>
+                </p:cTn>
+                <p:tgtEl>
+                  <p:spTgt spid="6"/>
+                </p:tgtEl>
+              </p:cMediaNode>
+            </p:video>
+            <p:seq concurrent="1" nextAc="seek">
+              <p:cTn id="17" restart="whenNotActive" fill="hold" evtFilter="cancelBubble" nodeType="interactiveSeq">
+                <p:stCondLst>
+                  <p:cond evt="onClick" delay="0">
+                    <p:tgtEl>
+                      <p:spTgt spid="6"/>
+                    </p:tgtEl>
+                  </p:cond>
+                </p:stCondLst>
+                <p:endSync evt="end" delay="0">
+                  <p:rtn val="all"/>
+                </p:endSync>
+                <p:childTnLst>
+                  <p:par>
+                    <p:cTn id="18" fill="hold">
+                      <p:stCondLst>
+                        <p:cond delay="0"/>
+                      </p:stCondLst>
+                      <p:childTnLst>
+                        <p:par>
+                          <p:cTn id="19" fill="hold">
+                            <p:stCondLst>
+                              <p:cond delay="0"/>
+                            </p:stCondLst>
+                            <p:childTnLst>
+                              <p:par>
+                                <p:cTn id="20" presetID="2" presetClass="mediacall" presetSubtype="0" fill="hold" nodeType="clickEffect">
+                                  <p:stCondLst>
+                                    <p:cond delay="0"/>
+                                  </p:stCondLst>
+                                  <p:childTnLst>
+                                    <p:cmd type="call" cmd="togglePause">
+                                      <p:cBhvr>
+                                        <p:cTn id="21" dur="1" fill="hold"/>
+                                        <p:tgtEl>
+                                          <p:spTgt spid="6"/>
+                                        </p:tgtEl>
+                                      </p:cBhvr>
+                                    </p:cmd>
+                                  </p:childTnLst>
+                                </p:cTn>
+                              </p:par>
+                            </p:childTnLst>
+                          </p:cTn>
+                        </p:par>
+                      </p:childTnLst>
+                    </p:cTn>
+                  </p:par>
+                </p:childTnLst>
+              </p:cTn>
+              <p:nextCondLst>
+                <p:cond evt="onClick" delay="0">
+                  <p:tgtEl>
+                    <p:spTgt spid="6"/>
+                  </p:tgtEl>
+                </p:cond>
+              </p:nextCondLst>
+            </p:seq>
           </p:childTnLst>
         </p:cTn>
-      </p:par>
-    </p:tnLst>
-  </p:timing>
-</p:sld>
-</file>
-
-<file path=ppt/slides/slide9.xml><?xml version="1.0" encoding="utf-8"?>
-<p:sld xmlns:a="http://schemas.openxmlformats.org/drawingml/2006/main" xmlns:r="http://schemas.openxmlformats.org/officeDocument/2006/relationships" xmlns:p="http://schemas.openxmlformats.org/presentationml/2006/main">
-  <p:cSld>
-    <p:spTree>
-      <p:nvGrpSpPr>
-        <p:cNvPr id="1" name=""/>
-        <p:cNvGrpSpPr/>
-        <p:nvPr/>
-      </p:nvGrpSpPr>
-      <p:grpSpPr>
-        <a:xfrm>
-          <a:off x="0" y="0"/>
-          <a:ext cx="0" cy="0"/>
-          <a:chOff x="0" y="0"/>
-          <a:chExt cx="0" cy="0"/>
-        </a:xfrm>
-      </p:grpSpPr>
-      <p:sp>
-        <p:nvSpPr>
-          <p:cNvPr id="2" name="Title 1"/>
-          <p:cNvSpPr>
-            <a:spLocks noGrp="1"/>
-          </p:cNvSpPr>
-          <p:nvPr>
-            <p:ph type="title"/>
-          </p:nvPr>
-        </p:nvSpPr>
-        <p:spPr/>
-        <p:txBody>
-          <a:bodyPr>
-            <a:normAutofit fontScale="90000"/>
-          </a:bodyPr>
-          <a:lstStyle/>
-          <a:p>
-            <a:r>
-              <a:rPr lang="en-GB" dirty="0" smtClean="0"/>
-              <a:t>Example shown first</a:t>
-            </a:r>
-            <a:endParaRPr lang="en-GB" dirty="0"/>
-          </a:p>
-        </p:txBody>
-      </p:sp>
-      <p:sp>
-        <p:nvSpPr>
-          <p:cNvPr id="3" name="Content Placeholder 2"/>
-          <p:cNvSpPr>
-            <a:spLocks noGrp="1"/>
-          </p:cNvSpPr>
-          <p:nvPr>
-            <p:ph idx="1"/>
-          </p:nvPr>
-        </p:nvSpPr>
-        <p:spPr/>
-        <p:txBody>
-          <a:bodyPr/>
-          <a:lstStyle/>
-          <a:p>
-            <a:r>
-              <a:rPr lang="en-GB" dirty="0" smtClean="0"/>
-              <a:t>I will edit my personal GitHub repository (because it is mine, the process is simpler, no need for forking)</a:t>
-            </a:r>
-          </a:p>
-          <a:p>
-            <a:pPr lvl="1"/>
-            <a:r>
-              <a:rPr lang="en-GB" dirty="0">
-                <a:hlinkClick r:id="rId2"/>
-              </a:rPr>
-              <a:t>https://github.com/jordiferrero/nanoDTC</a:t>
-            </a:r>
-            <a:endParaRPr lang="en-GB" dirty="0" smtClean="0"/>
-          </a:p>
-          <a:p>
-            <a:r>
-              <a:rPr lang="en-GB" dirty="0" smtClean="0"/>
-              <a:t>I have realised an error in my code (spelling mistake)!</a:t>
-            </a:r>
-          </a:p>
-          <a:p>
-            <a:r>
-              <a:rPr lang="en-GB" dirty="0" smtClean="0"/>
-              <a:t>Files are already in my computer (show how local folder == GitHub cloud folder)</a:t>
-            </a:r>
-          </a:p>
-          <a:p>
-            <a:r>
-              <a:rPr lang="en-GB" dirty="0" smtClean="0"/>
-              <a:t>Edit locally my file (apply changes)</a:t>
-            </a:r>
-          </a:p>
-          <a:p>
-            <a:r>
-              <a:rPr lang="en-GB" dirty="0" smtClean="0"/>
-              <a:t>Load GitHub desktop (or run </a:t>
-            </a:r>
-            <a:r>
-              <a:rPr lang="en-GB" i="1" dirty="0" smtClean="0"/>
-              <a:t>git diff</a:t>
-            </a:r>
-            <a:r>
-              <a:rPr lang="en-GB" dirty="0" smtClean="0"/>
-              <a:t>) </a:t>
-            </a:r>
-            <a:r>
-              <a:rPr lang="en-GB" dirty="0" smtClean="0">
-                <a:sym typeface="Wingdings" panose="05000000000000000000" pitchFamily="2" charset="2"/>
-              </a:rPr>
-              <a:t> shows differences</a:t>
-            </a:r>
-            <a:endParaRPr lang="en-GB" dirty="0">
-              <a:sym typeface="Wingdings" panose="05000000000000000000" pitchFamily="2" charset="2"/>
-            </a:endParaRPr>
-          </a:p>
-          <a:p>
-            <a:r>
-              <a:rPr lang="en-GB" b="1" dirty="0" smtClean="0">
-                <a:sym typeface="Wingdings" panose="05000000000000000000" pitchFamily="2" charset="2"/>
-              </a:rPr>
-              <a:t>Commit changes</a:t>
-            </a:r>
-          </a:p>
-          <a:p>
-            <a:r>
-              <a:rPr lang="en-GB" b="1" dirty="0" smtClean="0">
-                <a:sym typeface="Wingdings" panose="05000000000000000000" pitchFamily="2" charset="2"/>
-              </a:rPr>
-              <a:t>Push changes </a:t>
-            </a:r>
-            <a:r>
-              <a:rPr lang="en-GB" dirty="0" smtClean="0">
-                <a:sym typeface="Wingdings" panose="05000000000000000000" pitchFamily="2" charset="2"/>
-              </a:rPr>
-              <a:t>(loaded on the cloud)</a:t>
-            </a:r>
-          </a:p>
-          <a:p>
-            <a:r>
-              <a:rPr lang="en-GB" dirty="0" smtClean="0">
-                <a:sym typeface="Wingdings" panose="05000000000000000000" pitchFamily="2" charset="2"/>
-              </a:rPr>
-              <a:t>Imagine I had a second computer with the same local folder, now it is outdated…</a:t>
-            </a:r>
-          </a:p>
-          <a:p>
-            <a:pPr lvl="1"/>
-            <a:r>
-              <a:rPr lang="en-GB" dirty="0" smtClean="0">
-                <a:sym typeface="Wingdings" panose="05000000000000000000" pitchFamily="2" charset="2"/>
-              </a:rPr>
-              <a:t>I would need to </a:t>
-            </a:r>
-            <a:r>
-              <a:rPr lang="en-GB" b="1" dirty="0" smtClean="0">
-                <a:sym typeface="Wingdings" panose="05000000000000000000" pitchFamily="2" charset="2"/>
-              </a:rPr>
-              <a:t>pull changes</a:t>
-            </a:r>
-            <a:r>
-              <a:rPr lang="en-GB" dirty="0" smtClean="0">
-                <a:sym typeface="Wingdings" panose="05000000000000000000" pitchFamily="2" charset="2"/>
-              </a:rPr>
-              <a:t> to get the latest version form GitHub</a:t>
-            </a:r>
-          </a:p>
-        </p:txBody>
-      </p:sp>
-    </p:spTree>
-    <p:extLst>
-      <p:ext uri="{BB962C8B-B14F-4D97-AF65-F5344CB8AC3E}">
-        <p14:creationId xmlns:p14="http://schemas.microsoft.com/office/powerpoint/2010/main" val="2047594229"/>
-      </p:ext>
-    </p:extLst>
-  </p:cSld>
-  <p:clrMapOvr>
-    <a:masterClrMapping/>
-  </p:clrMapOvr>
-  <p:timing>
-    <p:tnLst>
-      <p:par>
-        <p:cTn id="1" dur="indefinite" restart="never" nodeType="tmRoot"/>
       </p:par>
     </p:tnLst>
   </p:timing>
